--- a/doc/总PPT.pptx
+++ b/doc/总PPT.pptx
@@ -3,40 +3,40 @@
 <p:presentation xmlns:a="http://schemas.openxmlformats.org/drawingml/2006/main" xmlns:r="http://schemas.openxmlformats.org/officeDocument/2006/relationships" xmlns:p="http://schemas.openxmlformats.org/presentationml/2006/main">
   <p:sldMasterIdLst>
     <p:sldMasterId id="2147483648" r:id="rId1"/>
-    <p:sldMasterId id="2147483650" r:id="rId3"/>
+    <p:sldMasterId id="2147483650" r:id="rId2"/>
   </p:sldMasterIdLst>
   <p:notesMasterIdLst>
-    <p:notesMasterId r:id="rId32"/>
+    <p:notesMasterId r:id="rId31"/>
   </p:notesMasterIdLst>
   <p:sldIdLst>
-    <p:sldId id="256" r:id="rId4"/>
-    <p:sldId id="292" r:id="rId5"/>
-    <p:sldId id="320" r:id="rId6"/>
-    <p:sldId id="321" r:id="rId7"/>
-    <p:sldId id="290" r:id="rId8"/>
-    <p:sldId id="263" r:id="rId9"/>
-    <p:sldId id="322" r:id="rId10"/>
-    <p:sldId id="323" r:id="rId11"/>
-    <p:sldId id="269" r:id="rId12"/>
-    <p:sldId id="268" r:id="rId13"/>
-    <p:sldId id="272" r:id="rId14"/>
-    <p:sldId id="273" r:id="rId15"/>
-    <p:sldId id="274" r:id="rId16"/>
-    <p:sldId id="275" r:id="rId17"/>
-    <p:sldId id="276" r:id="rId18"/>
-    <p:sldId id="277" r:id="rId19"/>
-    <p:sldId id="279" r:id="rId20"/>
-    <p:sldId id="280" r:id="rId21"/>
-    <p:sldId id="281" r:id="rId22"/>
-    <p:sldId id="282" r:id="rId23"/>
-    <p:sldId id="283" r:id="rId24"/>
-    <p:sldId id="284" r:id="rId25"/>
-    <p:sldId id="285" r:id="rId26"/>
-    <p:sldId id="286" r:id="rId27"/>
-    <p:sldId id="287" r:id="rId28"/>
-    <p:sldId id="288" r:id="rId29"/>
-    <p:sldId id="289" r:id="rId30"/>
-    <p:sldId id="291" r:id="rId31"/>
+    <p:sldId id="256" r:id="rId3"/>
+    <p:sldId id="292" r:id="rId4"/>
+    <p:sldId id="320" r:id="rId5"/>
+    <p:sldId id="321" r:id="rId6"/>
+    <p:sldId id="290" r:id="rId7"/>
+    <p:sldId id="263" r:id="rId8"/>
+    <p:sldId id="322" r:id="rId9"/>
+    <p:sldId id="323" r:id="rId10"/>
+    <p:sldId id="269" r:id="rId11"/>
+    <p:sldId id="268" r:id="rId12"/>
+    <p:sldId id="272" r:id="rId13"/>
+    <p:sldId id="273" r:id="rId14"/>
+    <p:sldId id="274" r:id="rId15"/>
+    <p:sldId id="275" r:id="rId16"/>
+    <p:sldId id="276" r:id="rId17"/>
+    <p:sldId id="277" r:id="rId18"/>
+    <p:sldId id="279" r:id="rId19"/>
+    <p:sldId id="280" r:id="rId20"/>
+    <p:sldId id="281" r:id="rId21"/>
+    <p:sldId id="282" r:id="rId22"/>
+    <p:sldId id="283" r:id="rId23"/>
+    <p:sldId id="284" r:id="rId24"/>
+    <p:sldId id="285" r:id="rId25"/>
+    <p:sldId id="286" r:id="rId26"/>
+    <p:sldId id="287" r:id="rId27"/>
+    <p:sldId id="288" r:id="rId28"/>
+    <p:sldId id="289" r:id="rId29"/>
+    <p:sldId id="291" r:id="rId30"/>
   </p:sldIdLst>
   <p:sldSz cx="12192000" cy="6858000"/>
   <p:notesSz cx="6858000" cy="9144000"/>
@@ -135,6 +135,22 @@
       </a:defRPr>
     </a:lvl9pPr>
   </p:defaultTextStyle>
+  <p:extLst>
+    <p:ext uri="{EFAFB233-063F-42B5-8137-9DF3F51BA10A}">
+      <p15:sldGuideLst xmlns:p15="http://schemas.microsoft.com/office/powerpoint/2012/main">
+        <p15:guide id="1" orient="horz" pos="2159">
+          <p15:clr>
+            <a:srgbClr val="A4A3A4"/>
+          </p15:clr>
+        </p15:guide>
+        <p15:guide id="2" pos="3836">
+          <p15:clr>
+            <a:srgbClr val="A4A3A4"/>
+          </p15:clr>
+        </p15:guide>
+      </p15:sldGuideLst>
+    </p:ext>
+  </p:extLst>
 </p:presentation>
 </file>
 
@@ -220,6 +236,7 @@
           <a:p>
             <a:fld id="{BADD1A5C-2BFF-4904-B054-ECBC08F914AF}" type="datetimeFigureOut">
               <a:rPr lang="zh-CN" altLang="en-US" smtClean="0"/>
+              <a:t>2018/11/2</a:t>
             </a:fld>
             <a:endParaRPr lang="zh-CN" altLang="en-US"/>
           </a:p>
@@ -286,7 +303,6 @@
               <a:rPr lang="zh-CN" altLang="en-US"/>
               <a:t>编辑母版文本样式</a:t>
             </a:r>
-            <a:endParaRPr lang="zh-CN" altLang="en-US"/>
           </a:p>
           <a:p>
             <a:pPr lvl="1"/>
@@ -294,7 +310,6 @@
               <a:rPr lang="zh-CN" altLang="en-US"/>
               <a:t>第二级</a:t>
             </a:r>
-            <a:endParaRPr lang="zh-CN" altLang="en-US"/>
           </a:p>
           <a:p>
             <a:pPr lvl="2"/>
@@ -302,7 +317,6 @@
               <a:rPr lang="zh-CN" altLang="en-US"/>
               <a:t>第三级</a:t>
             </a:r>
-            <a:endParaRPr lang="zh-CN" altLang="en-US"/>
           </a:p>
           <a:p>
             <a:pPr lvl="3"/>
@@ -310,7 +324,6 @@
               <a:rPr lang="zh-CN" altLang="en-US"/>
               <a:t>第四级</a:t>
             </a:r>
-            <a:endParaRPr lang="zh-CN" altLang="en-US"/>
           </a:p>
           <a:p>
             <a:pPr lvl="4"/>
@@ -318,7 +331,6 @@
               <a:rPr lang="zh-CN" altLang="en-US"/>
               <a:t>第五级</a:t>
             </a:r>
-            <a:endParaRPr lang="zh-CN" altLang="en-US"/>
           </a:p>
         </p:txBody>
       </p:sp>
@@ -382,6 +394,7 @@
           <a:p>
             <a:fld id="{56C9C295-C7B5-4EEE-BC79-7BA115B88BD7}" type="slidenum">
               <a:rPr lang="zh-CN" altLang="en-US" smtClean="0"/>
+              <a:t>‹#›</a:t>
             </a:fld>
             <a:endParaRPr lang="zh-CN" altLang="en-US"/>
           </a:p>
@@ -485,6 +498,1160 @@
 </p:notesMaster>
 </file>
 
+<file path=ppt/notesSlides/notesSlide1.xml><?xml version="1.0" encoding="utf-8"?>
+<p:notes xmlns:a="http://schemas.openxmlformats.org/drawingml/2006/main" xmlns:r="http://schemas.openxmlformats.org/officeDocument/2006/relationships" xmlns:p="http://schemas.openxmlformats.org/presentationml/2006/main">
+  <p:cSld>
+    <p:spTree>
+      <p:nvGrpSpPr>
+        <p:cNvPr id="1" name=""/>
+        <p:cNvGrpSpPr/>
+        <p:nvPr/>
+      </p:nvGrpSpPr>
+      <p:grpSpPr>
+        <a:xfrm>
+          <a:off x="0" y="0"/>
+          <a:ext cx="0" cy="0"/>
+          <a:chOff x="0" y="0"/>
+          <a:chExt cx="0" cy="0"/>
+        </a:xfrm>
+      </p:grpSpPr>
+      <p:sp>
+        <p:nvSpPr>
+          <p:cNvPr id="2" name="幻灯片图像占位符 1"/>
+          <p:cNvSpPr>
+            <a:spLocks noGrp="1" noRot="1" noChangeAspect="1"/>
+          </p:cNvSpPr>
+          <p:nvPr>
+            <p:ph type="sldImg"/>
+          </p:nvPr>
+        </p:nvSpPr>
+        <p:spPr/>
+      </p:sp>
+      <p:sp>
+        <p:nvSpPr>
+          <p:cNvPr id="3" name="备注占位符 2"/>
+          <p:cNvSpPr>
+            <a:spLocks noGrp="1"/>
+          </p:cNvSpPr>
+          <p:nvPr>
+            <p:ph type="body" idx="1"/>
+          </p:nvPr>
+        </p:nvSpPr>
+        <p:spPr/>
+        <p:txBody>
+          <a:bodyPr/>
+          <a:lstStyle/>
+          <a:p>
+            <a:r>
+              <a:rPr lang="zh-CN" altLang="en-US" dirty="0" smtClean="0"/>
+              <a:t>以下是我们使用的模式当中比较典型的模式：第一个是抽象工厂模式，这一模式中是通过将具体工厂继承自抽象工厂，继而可以生产多种</a:t>
+            </a:r>
+            <a:r>
+              <a:rPr lang="en-US" altLang="zh-CN" dirty="0" smtClean="0"/>
+              <a:t>product</a:t>
+            </a:r>
+            <a:r>
+              <a:rPr lang="zh-CN" altLang="en-US" dirty="0" smtClean="0"/>
+              <a:t>。我们在生产农作物的过程中使用了这一模式：如图，鸡既可以下蛋也可以出产鸡肉，因此我们将鸡继承自抽象工厂的虚基类，可以通过不同的模式来生产鸡蛋和鸡肉。</a:t>
+            </a:r>
+            <a:endParaRPr lang="zh-CN" altLang="en-US" dirty="0"/>
+          </a:p>
+        </p:txBody>
+      </p:sp>
+      <p:sp>
+        <p:nvSpPr>
+          <p:cNvPr id="4" name="灯片编号占位符 3"/>
+          <p:cNvSpPr>
+            <a:spLocks noGrp="1"/>
+          </p:cNvSpPr>
+          <p:nvPr>
+            <p:ph type="sldNum" sz="quarter" idx="10"/>
+          </p:nvPr>
+        </p:nvSpPr>
+        <p:spPr/>
+        <p:txBody>
+          <a:bodyPr/>
+          <a:lstStyle/>
+          <a:p>
+            <a:fld id="{56C9C295-C7B5-4EEE-BC79-7BA115B88BD7}" type="slidenum">
+              <a:rPr lang="zh-CN" altLang="en-US" smtClean="0"/>
+              <a:t>20</a:t>
+            </a:fld>
+            <a:endParaRPr lang="zh-CN" altLang="en-US"/>
+          </a:p>
+        </p:txBody>
+      </p:sp>
+    </p:spTree>
+    <p:extLst>
+      <p:ext uri="{BB962C8B-B14F-4D97-AF65-F5344CB8AC3E}">
+        <p14:creationId xmlns:p14="http://schemas.microsoft.com/office/powerpoint/2010/main" val="3417343010"/>
+      </p:ext>
+    </p:extLst>
+  </p:cSld>
+  <p:clrMapOvr>
+    <a:masterClrMapping/>
+  </p:clrMapOvr>
+</p:notes>
+</file>
+
+<file path=ppt/notesSlides/notesSlide2.xml><?xml version="1.0" encoding="utf-8"?>
+<p:notes xmlns:a="http://schemas.openxmlformats.org/drawingml/2006/main" xmlns:r="http://schemas.openxmlformats.org/officeDocument/2006/relationships" xmlns:p="http://schemas.openxmlformats.org/presentationml/2006/main">
+  <p:cSld>
+    <p:spTree>
+      <p:nvGrpSpPr>
+        <p:cNvPr id="1" name=""/>
+        <p:cNvGrpSpPr/>
+        <p:nvPr/>
+      </p:nvGrpSpPr>
+      <p:grpSpPr>
+        <a:xfrm>
+          <a:off x="0" y="0"/>
+          <a:ext cx="0" cy="0"/>
+          <a:chOff x="0" y="0"/>
+          <a:chExt cx="0" cy="0"/>
+        </a:xfrm>
+      </p:grpSpPr>
+      <p:sp>
+        <p:nvSpPr>
+          <p:cNvPr id="2" name="幻灯片图像占位符 1"/>
+          <p:cNvSpPr>
+            <a:spLocks noGrp="1" noRot="1" noChangeAspect="1"/>
+          </p:cNvSpPr>
+          <p:nvPr>
+            <p:ph type="sldImg"/>
+          </p:nvPr>
+        </p:nvSpPr>
+        <p:spPr/>
+      </p:sp>
+      <p:sp>
+        <p:nvSpPr>
+          <p:cNvPr id="3" name="备注占位符 2"/>
+          <p:cNvSpPr>
+            <a:spLocks noGrp="1"/>
+          </p:cNvSpPr>
+          <p:nvPr>
+            <p:ph type="body" idx="1"/>
+          </p:nvPr>
+        </p:nvSpPr>
+        <p:spPr/>
+        <p:txBody>
+          <a:bodyPr/>
+          <a:lstStyle/>
+          <a:p>
+            <a:pPr marL="0" marR="0" lvl="0" indent="0" algn="l" defTabSz="914400" rtl="0" eaLnBrk="1" fontAlgn="auto" latinLnBrk="0" hangingPunct="1">
+              <a:lnSpc>
+                <a:spcPct val="100000"/>
+              </a:lnSpc>
+              <a:spcBef>
+                <a:spcPts val="0"/>
+              </a:spcBef>
+              <a:spcAft>
+                <a:spcPts val="0"/>
+              </a:spcAft>
+              <a:buClrTx/>
+              <a:buSzTx/>
+              <a:buFontTx/>
+              <a:buNone/>
+              <a:tabLst/>
+              <a:defRPr/>
+            </a:pPr>
+            <a:r>
+              <a:rPr lang="zh-CN" altLang="en-US" dirty="0" smtClean="0"/>
+              <a:t>第二个是桥接模式，这一模式中是通过一个基类调用一个接口，然后让其子类去调用接口的具体实现来使用不同的方法。我们在动物的运动活动过程中使用了这一模式：如图，不同的动物继承同一个</a:t>
+            </a:r>
+            <a:r>
+              <a:rPr lang="en-US" altLang="zh-CN" dirty="0" smtClean="0"/>
+              <a:t>animal</a:t>
+            </a:r>
+            <a:r>
+              <a:rPr lang="zh-CN" altLang="en-US" dirty="0" smtClean="0"/>
+              <a:t>父类，不同的实际运动实现同一个方法，然后通过让</a:t>
+            </a:r>
+            <a:r>
+              <a:rPr lang="en-US" altLang="zh-CN" dirty="0" smtClean="0"/>
+              <a:t>animal</a:t>
+            </a:r>
+            <a:r>
+              <a:rPr lang="zh-CN" altLang="en-US" dirty="0" smtClean="0"/>
+              <a:t>调用这一接口，并让子类中的引用指向这一接口的具体实现，从而让不同的</a:t>
+            </a:r>
+            <a:r>
+              <a:rPr lang="en-US" altLang="zh-CN" dirty="0" smtClean="0"/>
+              <a:t>animal</a:t>
+            </a:r>
+            <a:r>
+              <a:rPr lang="zh-CN" altLang="en-US" dirty="0" smtClean="0"/>
+              <a:t>调用不同的运动方法，通过 </a:t>
+            </a:r>
+            <a:r>
+              <a:rPr lang="en-US" altLang="zh-CN" dirty="0" smtClean="0"/>
+              <a:t>Animal </a:t>
+            </a:r>
+            <a:r>
+              <a:rPr lang="zh-CN" altLang="en-US" dirty="0" smtClean="0"/>
+              <a:t>和 </a:t>
+            </a:r>
+            <a:r>
+              <a:rPr lang="en-US" altLang="zh-CN" dirty="0" smtClean="0"/>
+              <a:t>Exercise Action </a:t>
+            </a:r>
+            <a:r>
+              <a:rPr lang="zh-CN" altLang="en-US" dirty="0" smtClean="0"/>
+              <a:t>这一条抽象的桥。</a:t>
+            </a:r>
+            <a:endParaRPr lang="zh-CN" altLang="en-US" dirty="0"/>
+          </a:p>
+        </p:txBody>
+      </p:sp>
+      <p:sp>
+        <p:nvSpPr>
+          <p:cNvPr id="4" name="灯片编号占位符 3"/>
+          <p:cNvSpPr>
+            <a:spLocks noGrp="1"/>
+          </p:cNvSpPr>
+          <p:nvPr>
+            <p:ph type="sldNum" sz="quarter" idx="10"/>
+          </p:nvPr>
+        </p:nvSpPr>
+        <p:spPr/>
+        <p:txBody>
+          <a:bodyPr/>
+          <a:lstStyle/>
+          <a:p>
+            <a:fld id="{56C9C295-C7B5-4EEE-BC79-7BA115B88BD7}" type="slidenum">
+              <a:rPr lang="zh-CN" altLang="en-US" smtClean="0"/>
+              <a:t>21</a:t>
+            </a:fld>
+            <a:endParaRPr lang="zh-CN" altLang="en-US"/>
+          </a:p>
+        </p:txBody>
+      </p:sp>
+    </p:spTree>
+    <p:extLst>
+      <p:ext uri="{BB962C8B-B14F-4D97-AF65-F5344CB8AC3E}">
+        <p14:creationId xmlns:p14="http://schemas.microsoft.com/office/powerpoint/2010/main" val="13008205"/>
+      </p:ext>
+    </p:extLst>
+  </p:cSld>
+  <p:clrMapOvr>
+    <a:masterClrMapping/>
+  </p:clrMapOvr>
+</p:notes>
+</file>
+
+<file path=ppt/notesSlides/notesSlide3.xml><?xml version="1.0" encoding="utf-8"?>
+<p:notes xmlns:a="http://schemas.openxmlformats.org/drawingml/2006/main" xmlns:r="http://schemas.openxmlformats.org/officeDocument/2006/relationships" xmlns:p="http://schemas.openxmlformats.org/presentationml/2006/main">
+  <p:cSld>
+    <p:spTree>
+      <p:nvGrpSpPr>
+        <p:cNvPr id="1" name=""/>
+        <p:cNvGrpSpPr/>
+        <p:nvPr/>
+      </p:nvGrpSpPr>
+      <p:grpSpPr>
+        <a:xfrm>
+          <a:off x="0" y="0"/>
+          <a:ext cx="0" cy="0"/>
+          <a:chOff x="0" y="0"/>
+          <a:chExt cx="0" cy="0"/>
+        </a:xfrm>
+      </p:grpSpPr>
+      <p:sp>
+        <p:nvSpPr>
+          <p:cNvPr id="2" name="幻灯片图像占位符 1"/>
+          <p:cNvSpPr>
+            <a:spLocks noGrp="1" noRot="1" noChangeAspect="1"/>
+          </p:cNvSpPr>
+          <p:nvPr>
+            <p:ph type="sldImg"/>
+          </p:nvPr>
+        </p:nvSpPr>
+        <p:spPr/>
+      </p:sp>
+      <p:sp>
+        <p:nvSpPr>
+          <p:cNvPr id="3" name="备注占位符 2"/>
+          <p:cNvSpPr>
+            <a:spLocks noGrp="1"/>
+          </p:cNvSpPr>
+          <p:nvPr>
+            <p:ph type="body" idx="1"/>
+          </p:nvPr>
+        </p:nvSpPr>
+        <p:spPr/>
+        <p:txBody>
+          <a:bodyPr/>
+          <a:lstStyle/>
+          <a:p>
+            <a:pPr marL="0" marR="0" lvl="0" indent="0" algn="l" defTabSz="914400" rtl="0" eaLnBrk="1" fontAlgn="auto" latinLnBrk="0" hangingPunct="1">
+              <a:lnSpc>
+                <a:spcPct val="100000"/>
+              </a:lnSpc>
+              <a:spcBef>
+                <a:spcPts val="0"/>
+              </a:spcBef>
+              <a:spcAft>
+                <a:spcPts val="0"/>
+              </a:spcAft>
+              <a:buClrTx/>
+              <a:buSzTx/>
+              <a:buFontTx/>
+              <a:buNone/>
+              <a:tabLst/>
+              <a:defRPr/>
+            </a:pPr>
+            <a:r>
+              <a:rPr lang="zh-CN" altLang="en-US" dirty="0" smtClean="0"/>
+              <a:t>第三个是策略模式，这一模式中是通过创建一个接口，让其子类实现该接口，从而在调用的过程中，通过传入不同的参数来调用不同的方法。如图，我们通过对</a:t>
+            </a:r>
+            <a:r>
+              <a:rPr lang="en-US" altLang="zh-CN" dirty="0" err="1" smtClean="0"/>
+              <a:t>ExerciseAction</a:t>
+            </a:r>
+            <a:r>
+              <a:rPr lang="zh-CN" altLang="en-US" dirty="0" smtClean="0"/>
+              <a:t>的不同子类的调用来设置不同的运动方式，如图中我们让鸡能够改变他们的运动方式，可以选择飞行或者跑动。</a:t>
+            </a:r>
+            <a:endParaRPr lang="en-US" altLang="zh-CN" dirty="0" smtClean="0"/>
+          </a:p>
+        </p:txBody>
+      </p:sp>
+      <p:sp>
+        <p:nvSpPr>
+          <p:cNvPr id="4" name="灯片编号占位符 3"/>
+          <p:cNvSpPr>
+            <a:spLocks noGrp="1"/>
+          </p:cNvSpPr>
+          <p:nvPr>
+            <p:ph type="sldNum" sz="quarter" idx="10"/>
+          </p:nvPr>
+        </p:nvSpPr>
+        <p:spPr/>
+        <p:txBody>
+          <a:bodyPr/>
+          <a:lstStyle/>
+          <a:p>
+            <a:fld id="{56C9C295-C7B5-4EEE-BC79-7BA115B88BD7}" type="slidenum">
+              <a:rPr lang="zh-CN" altLang="en-US" smtClean="0"/>
+              <a:t>22</a:t>
+            </a:fld>
+            <a:endParaRPr lang="zh-CN" altLang="en-US"/>
+          </a:p>
+        </p:txBody>
+      </p:sp>
+    </p:spTree>
+    <p:extLst>
+      <p:ext uri="{BB962C8B-B14F-4D97-AF65-F5344CB8AC3E}">
+        <p14:creationId xmlns:p14="http://schemas.microsoft.com/office/powerpoint/2010/main" val="2339143722"/>
+      </p:ext>
+    </p:extLst>
+  </p:cSld>
+  <p:clrMapOvr>
+    <a:masterClrMapping/>
+  </p:clrMapOvr>
+</p:notes>
+</file>
+
+<file path=ppt/notesSlides/notesSlide4.xml><?xml version="1.0" encoding="utf-8"?>
+<p:notes xmlns:a="http://schemas.openxmlformats.org/drawingml/2006/main" xmlns:r="http://schemas.openxmlformats.org/officeDocument/2006/relationships" xmlns:p="http://schemas.openxmlformats.org/presentationml/2006/main">
+  <p:cSld>
+    <p:spTree>
+      <p:nvGrpSpPr>
+        <p:cNvPr id="1" name=""/>
+        <p:cNvGrpSpPr/>
+        <p:nvPr/>
+      </p:nvGrpSpPr>
+      <p:grpSpPr>
+        <a:xfrm>
+          <a:off x="0" y="0"/>
+          <a:ext cx="0" cy="0"/>
+          <a:chOff x="0" y="0"/>
+          <a:chExt cx="0" cy="0"/>
+        </a:xfrm>
+      </p:grpSpPr>
+      <p:sp>
+        <p:nvSpPr>
+          <p:cNvPr id="2" name="幻灯片图像占位符 1"/>
+          <p:cNvSpPr>
+            <a:spLocks noGrp="1" noRot="1" noChangeAspect="1"/>
+          </p:cNvSpPr>
+          <p:nvPr>
+            <p:ph type="sldImg"/>
+          </p:nvPr>
+        </p:nvSpPr>
+        <p:spPr/>
+      </p:sp>
+      <p:sp>
+        <p:nvSpPr>
+          <p:cNvPr id="3" name="备注占位符 2"/>
+          <p:cNvSpPr>
+            <a:spLocks noGrp="1"/>
+          </p:cNvSpPr>
+          <p:nvPr>
+            <p:ph type="body" idx="1"/>
+          </p:nvPr>
+        </p:nvSpPr>
+        <p:spPr/>
+        <p:txBody>
+          <a:bodyPr/>
+          <a:lstStyle/>
+          <a:p>
+            <a:pPr marL="0" marR="0" lvl="0" indent="0" algn="l" defTabSz="914400" rtl="0" eaLnBrk="1" fontAlgn="auto" latinLnBrk="0" hangingPunct="1">
+              <a:lnSpc>
+                <a:spcPct val="100000"/>
+              </a:lnSpc>
+              <a:spcBef>
+                <a:spcPts val="0"/>
+              </a:spcBef>
+              <a:spcAft>
+                <a:spcPts val="0"/>
+              </a:spcAft>
+              <a:buClrTx/>
+              <a:buSzTx/>
+              <a:buFontTx/>
+              <a:buNone/>
+              <a:tabLst/>
+              <a:defRPr/>
+            </a:pPr>
+            <a:r>
+              <a:rPr lang="zh-CN" altLang="en-US" dirty="0" smtClean="0"/>
+              <a:t>第四个是模板模式，这一模式中是通过创建一个接口，这一接口是用于实现一个函数，这一函数包含多个过程，有的过程相同而有的不同，我们通过创建很多新的方法类来实现该接口，让每一种方法类对应一种不同的过程组合，从而能够实现自由的调用过程。如图，我们动物的睡觉有两步，第一步是回农舍，第二步是进行睡觉这个动作本身，但是对于鱼来讲，第一个步骤就是停在池塘中。所以这里我们将睡觉的总过程和睡觉的第二步都定义在</a:t>
+            </a:r>
+            <a:r>
+              <a:rPr lang="en-US" altLang="zh-CN" dirty="0" err="1" smtClean="0"/>
+              <a:t>SleepAction</a:t>
+            </a:r>
+            <a:r>
+              <a:rPr lang="zh-CN" altLang="en-US" dirty="0" smtClean="0"/>
+              <a:t>这个抽象方法中，然后在他的两个子类，</a:t>
+            </a:r>
+            <a:r>
+              <a:rPr lang="en-US" altLang="zh-CN" dirty="0" smtClean="0"/>
+              <a:t>c1sleep</a:t>
+            </a:r>
+            <a:r>
+              <a:rPr lang="zh-CN" altLang="en-US" dirty="0" smtClean="0"/>
+              <a:t>和</a:t>
+            </a:r>
+            <a:r>
+              <a:rPr lang="en-US" altLang="zh-CN" dirty="0" smtClean="0"/>
+              <a:t>c2sleep</a:t>
+            </a:r>
+            <a:r>
+              <a:rPr lang="zh-CN" altLang="en-US" dirty="0" smtClean="0"/>
+              <a:t>中具体地定义睡觉的第一步，从而区分鱼和其他动物的睡觉过程。因此鱼和其他的动物都可以调用自己对应的模式。</a:t>
+            </a:r>
+            <a:endParaRPr lang="zh-CN" altLang="en-US" dirty="0"/>
+          </a:p>
+        </p:txBody>
+      </p:sp>
+      <p:sp>
+        <p:nvSpPr>
+          <p:cNvPr id="4" name="灯片编号占位符 3"/>
+          <p:cNvSpPr>
+            <a:spLocks noGrp="1"/>
+          </p:cNvSpPr>
+          <p:nvPr>
+            <p:ph type="sldNum" sz="quarter" idx="10"/>
+          </p:nvPr>
+        </p:nvSpPr>
+        <p:spPr/>
+        <p:txBody>
+          <a:bodyPr/>
+          <a:lstStyle/>
+          <a:p>
+            <a:fld id="{56C9C295-C7B5-4EEE-BC79-7BA115B88BD7}" type="slidenum">
+              <a:rPr lang="zh-CN" altLang="en-US" smtClean="0"/>
+              <a:t>23</a:t>
+            </a:fld>
+            <a:endParaRPr lang="zh-CN" altLang="en-US"/>
+          </a:p>
+        </p:txBody>
+      </p:sp>
+    </p:spTree>
+    <p:extLst>
+      <p:ext uri="{BB962C8B-B14F-4D97-AF65-F5344CB8AC3E}">
+        <p14:creationId xmlns:p14="http://schemas.microsoft.com/office/powerpoint/2010/main" val="355873149"/>
+      </p:ext>
+    </p:extLst>
+  </p:cSld>
+  <p:clrMapOvr>
+    <a:masterClrMapping/>
+  </p:clrMapOvr>
+</p:notes>
+</file>
+
+<file path=ppt/notesSlides/notesSlide5.xml><?xml version="1.0" encoding="utf-8"?>
+<p:notes xmlns:a="http://schemas.openxmlformats.org/drawingml/2006/main" xmlns:r="http://schemas.openxmlformats.org/officeDocument/2006/relationships" xmlns:p="http://schemas.openxmlformats.org/presentationml/2006/main">
+  <p:cSld>
+    <p:spTree>
+      <p:nvGrpSpPr>
+        <p:cNvPr id="1" name=""/>
+        <p:cNvGrpSpPr/>
+        <p:nvPr/>
+      </p:nvGrpSpPr>
+      <p:grpSpPr>
+        <a:xfrm>
+          <a:off x="0" y="0"/>
+          <a:ext cx="0" cy="0"/>
+          <a:chOff x="0" y="0"/>
+          <a:chExt cx="0" cy="0"/>
+        </a:xfrm>
+      </p:grpSpPr>
+      <p:sp>
+        <p:nvSpPr>
+          <p:cNvPr id="2" name="幻灯片图像占位符 1"/>
+          <p:cNvSpPr>
+            <a:spLocks noGrp="1" noRot="1" noChangeAspect="1"/>
+          </p:cNvSpPr>
+          <p:nvPr>
+            <p:ph type="sldImg"/>
+          </p:nvPr>
+        </p:nvSpPr>
+        <p:spPr/>
+      </p:sp>
+      <p:sp>
+        <p:nvSpPr>
+          <p:cNvPr id="3" name="备注占位符 2"/>
+          <p:cNvSpPr>
+            <a:spLocks noGrp="1"/>
+          </p:cNvSpPr>
+          <p:nvPr>
+            <p:ph type="body" idx="1"/>
+          </p:nvPr>
+        </p:nvSpPr>
+        <p:spPr/>
+        <p:txBody>
+          <a:bodyPr/>
+          <a:lstStyle/>
+          <a:p>
+            <a:r>
+              <a:rPr lang="en-US" altLang="zh-CN" sz="1200" b="0" i="0" u="none" strike="noStrike" kern="1200" dirty="0" smtClean="0">
+                <a:solidFill>
+                  <a:schemeClr val="tx1"/>
+                </a:solidFill>
+                <a:effectLst/>
+                <a:latin typeface="+mn-lt"/>
+                <a:ea typeface="+mn-ea"/>
+                <a:cs typeface="+mn-cs"/>
+              </a:rPr>
+              <a:t>State</a:t>
+            </a:r>
+            <a:r>
+              <a:rPr lang="zh-CN" altLang="en-US" sz="1200" b="0" i="0" u="none" strike="noStrike" kern="1200" dirty="0" smtClean="0">
+                <a:solidFill>
+                  <a:schemeClr val="tx1"/>
+                </a:solidFill>
+                <a:effectLst/>
+                <a:latin typeface="+mn-lt"/>
+                <a:ea typeface="+mn-ea"/>
+                <a:cs typeface="+mn-cs"/>
+              </a:rPr>
+              <a:t>模式在实际使用中比较多，适合“状态”的切换。因为我们经常会使用</a:t>
+            </a:r>
+            <a:r>
+              <a:rPr lang="en-US" altLang="zh-CN" sz="1200" b="0" i="0" u="none" strike="noStrike" kern="1200" dirty="0" smtClean="0">
+                <a:solidFill>
+                  <a:schemeClr val="tx1"/>
+                </a:solidFill>
+                <a:effectLst/>
+                <a:latin typeface="+mn-lt"/>
+                <a:ea typeface="+mn-ea"/>
+                <a:cs typeface="+mn-cs"/>
+              </a:rPr>
+              <a:t>If else if else </a:t>
+            </a:r>
+            <a:r>
+              <a:rPr lang="zh-CN" altLang="en-US" sz="1200" b="0" i="0" u="none" strike="noStrike" kern="1200" dirty="0" smtClean="0">
+                <a:solidFill>
+                  <a:schemeClr val="tx1"/>
+                </a:solidFill>
+                <a:effectLst/>
+                <a:latin typeface="+mn-lt"/>
+                <a:ea typeface="+mn-ea"/>
+                <a:cs typeface="+mn-cs"/>
+              </a:rPr>
+              <a:t>进行状态切换，如果针对状态的这样判断切换反复出现，我们就要联想到是否可以采取</a:t>
+            </a:r>
+            <a:r>
+              <a:rPr lang="en-US" altLang="zh-CN" sz="1200" b="0" i="0" u="none" strike="noStrike" kern="1200" dirty="0" smtClean="0">
+                <a:solidFill>
+                  <a:schemeClr val="tx1"/>
+                </a:solidFill>
+                <a:effectLst/>
+                <a:latin typeface="+mn-lt"/>
+                <a:ea typeface="+mn-ea"/>
+                <a:cs typeface="+mn-cs"/>
+              </a:rPr>
+              <a:t>State</a:t>
+            </a:r>
+            <a:r>
+              <a:rPr lang="zh-CN" altLang="en-US" sz="1200" b="0" i="0" u="none" strike="noStrike" kern="1200" dirty="0" smtClean="0">
+                <a:solidFill>
+                  <a:schemeClr val="tx1"/>
+                </a:solidFill>
+                <a:effectLst/>
+                <a:latin typeface="+mn-lt"/>
+                <a:ea typeface="+mn-ea"/>
+                <a:cs typeface="+mn-cs"/>
+              </a:rPr>
+              <a:t>模式了。</a:t>
+            </a:r>
+            <a:endParaRPr lang="en-US" altLang="zh-CN" sz="1200" b="0" i="0" u="none" strike="noStrike" kern="1200" dirty="0" smtClean="0">
+              <a:solidFill>
+                <a:schemeClr val="tx1"/>
+              </a:solidFill>
+              <a:effectLst/>
+              <a:latin typeface="+mn-lt"/>
+              <a:ea typeface="+mn-ea"/>
+              <a:cs typeface="+mn-cs"/>
+            </a:endParaRPr>
+          </a:p>
+          <a:p>
+            <a:endParaRPr lang="en-US" altLang="zh-CN" sz="1200" b="0" i="0" u="none" strike="noStrike" kern="1200" dirty="0" smtClean="0">
+              <a:solidFill>
+                <a:schemeClr val="tx1"/>
+              </a:solidFill>
+              <a:effectLst/>
+              <a:latin typeface="+mn-lt"/>
+              <a:ea typeface="+mn-ea"/>
+              <a:cs typeface="+mn-cs"/>
+            </a:endParaRPr>
+          </a:p>
+          <a:p>
+            <a:r>
+              <a:rPr lang="en-US" altLang="zh-CN" sz="1200" b="0" i="0" u="none" strike="noStrike" kern="1200" dirty="0" smtClean="0">
+                <a:solidFill>
+                  <a:schemeClr val="tx1"/>
+                </a:solidFill>
+                <a:effectLst/>
+                <a:latin typeface="+mn-lt"/>
+                <a:ea typeface="+mn-ea"/>
+                <a:cs typeface="+mn-cs"/>
+              </a:rPr>
+              <a:t>State</a:t>
+            </a:r>
+            <a:r>
+              <a:rPr lang="zh-CN" altLang="en-US" sz="1200" b="0" i="0" u="none" strike="noStrike" kern="1200" dirty="0" smtClean="0">
+                <a:solidFill>
+                  <a:schemeClr val="tx1"/>
+                </a:solidFill>
+                <a:effectLst/>
+                <a:latin typeface="+mn-lt"/>
+                <a:ea typeface="+mn-ea"/>
+                <a:cs typeface="+mn-cs"/>
+              </a:rPr>
+              <a:t>需要两种类型实体参与</a:t>
+            </a:r>
+            <a:r>
+              <a:rPr lang="en-US" altLang="zh-CN" sz="1200" b="0" i="0" u="none" strike="noStrike" kern="1200" dirty="0" smtClean="0">
+                <a:solidFill>
+                  <a:schemeClr val="tx1"/>
+                </a:solidFill>
+                <a:effectLst/>
+                <a:latin typeface="+mn-lt"/>
+                <a:ea typeface="+mn-ea"/>
+                <a:cs typeface="+mn-cs"/>
+              </a:rPr>
+              <a:t>:</a:t>
+            </a:r>
+          </a:p>
+          <a:p>
+            <a:r>
+              <a:rPr lang="en-US" altLang="zh-CN" sz="1200" b="0" i="0" u="none" strike="noStrike" kern="1200" dirty="0" smtClean="0">
+                <a:solidFill>
+                  <a:schemeClr val="tx1"/>
+                </a:solidFill>
+                <a:effectLst/>
+                <a:latin typeface="+mn-lt"/>
+                <a:ea typeface="+mn-ea"/>
+                <a:cs typeface="+mn-cs"/>
+              </a:rPr>
+              <a:t>1.state manager </a:t>
+            </a:r>
+            <a:r>
+              <a:rPr lang="zh-CN" altLang="en-US" sz="1200" b="0" i="0" u="none" strike="noStrike" kern="1200" dirty="0" smtClean="0">
+                <a:solidFill>
+                  <a:schemeClr val="tx1"/>
+                </a:solidFill>
+                <a:effectLst/>
+                <a:latin typeface="+mn-lt"/>
+                <a:ea typeface="+mn-ea"/>
+                <a:cs typeface="+mn-cs"/>
+              </a:rPr>
+              <a:t>状态管理器 </a:t>
+            </a:r>
+            <a:r>
+              <a:rPr lang="en-US" altLang="zh-CN" sz="1200" b="0" i="0" u="none" strike="noStrike" kern="1200" dirty="0" smtClean="0">
+                <a:solidFill>
+                  <a:schemeClr val="tx1"/>
+                </a:solidFill>
+                <a:effectLst/>
+                <a:latin typeface="+mn-lt"/>
+                <a:ea typeface="+mn-ea"/>
+                <a:cs typeface="+mn-cs"/>
+              </a:rPr>
+              <a:t>,</a:t>
+            </a:r>
+            <a:r>
+              <a:rPr lang="zh-CN" altLang="en-US" sz="1200" b="0" i="0" u="none" strike="noStrike" kern="1200" dirty="0" smtClean="0">
+                <a:solidFill>
+                  <a:schemeClr val="tx1"/>
+                </a:solidFill>
+                <a:effectLst/>
+                <a:latin typeface="+mn-lt"/>
+                <a:ea typeface="+mn-ea"/>
+                <a:cs typeface="+mn-cs"/>
+              </a:rPr>
+              <a:t>就是开关 </a:t>
+            </a:r>
+            <a:r>
+              <a:rPr lang="en-US" altLang="zh-CN" sz="1200" b="0" i="0" u="none" strike="noStrike" kern="1200" dirty="0" smtClean="0">
+                <a:solidFill>
+                  <a:schemeClr val="tx1"/>
+                </a:solidFill>
+                <a:effectLst/>
+                <a:latin typeface="+mn-lt"/>
+                <a:ea typeface="+mn-ea"/>
+                <a:cs typeface="+mn-cs"/>
+              </a:rPr>
+              <a:t>,</a:t>
+            </a:r>
+            <a:r>
+              <a:rPr lang="zh-CN" altLang="en-US" sz="1200" b="0" i="0" u="none" strike="noStrike" kern="1200" dirty="0" smtClean="0">
+                <a:solidFill>
+                  <a:schemeClr val="tx1"/>
+                </a:solidFill>
+                <a:effectLst/>
+                <a:latin typeface="+mn-lt"/>
+                <a:ea typeface="+mn-ea"/>
+                <a:cs typeface="+mn-cs"/>
+              </a:rPr>
+              <a:t>如上面例子的</a:t>
+            </a:r>
+            <a:r>
+              <a:rPr lang="en-US" altLang="zh-CN" sz="1200" b="0" i="0" u="none" strike="noStrike" kern="1200" dirty="0" smtClean="0">
+                <a:solidFill>
+                  <a:schemeClr val="tx1"/>
+                </a:solidFill>
+                <a:effectLst/>
+                <a:latin typeface="+mn-lt"/>
+                <a:ea typeface="+mn-ea"/>
+                <a:cs typeface="+mn-cs"/>
+              </a:rPr>
+              <a:t>Context</a:t>
+            </a:r>
+            <a:r>
+              <a:rPr lang="zh-CN" altLang="en-US" sz="1200" b="0" i="0" u="none" strike="noStrike" kern="1200" dirty="0" smtClean="0">
+                <a:solidFill>
+                  <a:schemeClr val="tx1"/>
+                </a:solidFill>
+                <a:effectLst/>
+                <a:latin typeface="+mn-lt"/>
+                <a:ea typeface="+mn-ea"/>
+                <a:cs typeface="+mn-cs"/>
+              </a:rPr>
+              <a:t>实际就是一个</a:t>
+            </a:r>
+            <a:r>
+              <a:rPr lang="en-US" altLang="zh-CN" sz="1200" b="0" i="0" u="none" strike="noStrike" kern="1200" dirty="0" smtClean="0">
+                <a:solidFill>
+                  <a:schemeClr val="tx1"/>
+                </a:solidFill>
+                <a:effectLst/>
+                <a:latin typeface="+mn-lt"/>
+                <a:ea typeface="+mn-ea"/>
+                <a:cs typeface="+mn-cs"/>
+              </a:rPr>
+              <a:t>state manager, </a:t>
+            </a:r>
+            <a:r>
+              <a:rPr lang="zh-CN" altLang="en-US" sz="1200" b="0" i="0" u="none" strike="noStrike" kern="1200" dirty="0" smtClean="0">
+                <a:solidFill>
+                  <a:schemeClr val="tx1"/>
+                </a:solidFill>
+                <a:effectLst/>
+                <a:latin typeface="+mn-lt"/>
+                <a:ea typeface="+mn-ea"/>
+                <a:cs typeface="+mn-cs"/>
+              </a:rPr>
+              <a:t>在</a:t>
+            </a:r>
+            <a:r>
+              <a:rPr lang="en-US" altLang="zh-CN" sz="1200" b="0" i="0" u="none" strike="noStrike" kern="1200" dirty="0" smtClean="0">
+                <a:solidFill>
+                  <a:schemeClr val="tx1"/>
+                </a:solidFill>
+                <a:effectLst/>
+                <a:latin typeface="+mn-lt"/>
+                <a:ea typeface="+mn-ea"/>
+                <a:cs typeface="+mn-cs"/>
+              </a:rPr>
+              <a:t>state manager</a:t>
+            </a:r>
+            <a:r>
+              <a:rPr lang="zh-CN" altLang="en-US" sz="1200" b="0" i="0" u="none" strike="noStrike" kern="1200" dirty="0" smtClean="0">
+                <a:solidFill>
+                  <a:schemeClr val="tx1"/>
+                </a:solidFill>
+                <a:effectLst/>
+                <a:latin typeface="+mn-lt"/>
+                <a:ea typeface="+mn-ea"/>
+                <a:cs typeface="+mn-cs"/>
+              </a:rPr>
+              <a:t>中有对状态的切换动作</a:t>
+            </a:r>
+            <a:r>
+              <a:rPr lang="en-US" altLang="zh-CN" sz="1200" b="0" i="0" u="none" strike="noStrike" kern="1200" dirty="0" smtClean="0">
+                <a:solidFill>
+                  <a:schemeClr val="tx1"/>
+                </a:solidFill>
+                <a:effectLst/>
+                <a:latin typeface="+mn-lt"/>
+                <a:ea typeface="+mn-ea"/>
+                <a:cs typeface="+mn-cs"/>
+              </a:rPr>
+              <a:t>.</a:t>
+            </a:r>
+          </a:p>
+          <a:p>
+            <a:r>
+              <a:rPr lang="en-US" altLang="zh-CN" sz="1200" b="0" i="0" u="none" strike="noStrike" kern="1200" dirty="0" smtClean="0">
+                <a:solidFill>
+                  <a:schemeClr val="tx1"/>
+                </a:solidFill>
+                <a:effectLst/>
+                <a:latin typeface="+mn-lt"/>
+                <a:ea typeface="+mn-ea"/>
+                <a:cs typeface="+mn-cs"/>
+              </a:rPr>
+              <a:t>2.</a:t>
+            </a:r>
+            <a:r>
+              <a:rPr lang="zh-CN" altLang="en-US" sz="1200" b="0" i="0" u="none" strike="noStrike" kern="1200" dirty="0" smtClean="0">
+                <a:solidFill>
+                  <a:schemeClr val="tx1"/>
+                </a:solidFill>
+                <a:effectLst/>
+                <a:latin typeface="+mn-lt"/>
+                <a:ea typeface="+mn-ea"/>
+                <a:cs typeface="+mn-cs"/>
+              </a:rPr>
+              <a:t>用抽象类或接口实现的父类</a:t>
+            </a:r>
+            <a:r>
+              <a:rPr lang="en-US" altLang="zh-CN" sz="1200" b="0" i="0" u="none" strike="noStrike" kern="1200" dirty="0" smtClean="0">
+                <a:solidFill>
+                  <a:schemeClr val="tx1"/>
+                </a:solidFill>
+                <a:effectLst/>
+                <a:latin typeface="+mn-lt"/>
+                <a:ea typeface="+mn-ea"/>
+                <a:cs typeface="+mn-cs"/>
+              </a:rPr>
+              <a:t>,,</a:t>
+            </a:r>
+            <a:r>
+              <a:rPr lang="zh-CN" altLang="en-US" sz="1200" b="0" i="0" u="none" strike="noStrike" kern="1200" dirty="0" smtClean="0">
+                <a:solidFill>
+                  <a:schemeClr val="tx1"/>
+                </a:solidFill>
+                <a:effectLst/>
+                <a:latin typeface="+mn-lt"/>
+                <a:ea typeface="+mn-ea"/>
+                <a:cs typeface="+mn-cs"/>
+              </a:rPr>
+              <a:t>不同状态就是继承这个父类的不同子类。</a:t>
+            </a:r>
+            <a:endParaRPr lang="en-US" altLang="zh-CN" sz="1200" b="0" i="0" u="none" strike="noStrike" kern="1200" dirty="0" smtClean="0">
+              <a:solidFill>
+                <a:schemeClr val="tx1"/>
+              </a:solidFill>
+              <a:effectLst/>
+              <a:latin typeface="+mn-lt"/>
+              <a:ea typeface="+mn-ea"/>
+              <a:cs typeface="+mn-cs"/>
+            </a:endParaRPr>
+          </a:p>
+          <a:p>
+            <a:endParaRPr lang="en-US" altLang="zh-CN" dirty="0" smtClean="0"/>
+          </a:p>
+          <a:p>
+            <a:endParaRPr lang="en-US" altLang="zh-CN" dirty="0" smtClean="0"/>
+          </a:p>
+          <a:p>
+            <a:r>
+              <a:rPr lang="zh-CN" altLang="en-US" sz="1200" b="0" i="0" u="none" strike="noStrike" kern="1200" dirty="0" smtClean="0">
+                <a:solidFill>
+                  <a:schemeClr val="tx1"/>
+                </a:solidFill>
+                <a:effectLst/>
+                <a:latin typeface="+mn-lt"/>
+                <a:ea typeface="+mn-ea"/>
+                <a:cs typeface="+mn-cs"/>
+              </a:rPr>
+              <a:t>状态模式的主要优点在于封装了转换规则，并枚举可能的状态，它将所有与某个状态有关的行为放到一个类中，并且可以方便地增加新的状态，只需要改变对象状态即可改变对象的行为，还可以让多个环境对象共享一个状态对象，从而减少系统中对象的个数。</a:t>
+            </a:r>
+            <a:endParaRPr lang="zh-CN" altLang="en-US" dirty="0"/>
+          </a:p>
+        </p:txBody>
+      </p:sp>
+      <p:sp>
+        <p:nvSpPr>
+          <p:cNvPr id="4" name="灯片编号占位符 3"/>
+          <p:cNvSpPr>
+            <a:spLocks noGrp="1"/>
+          </p:cNvSpPr>
+          <p:nvPr>
+            <p:ph type="sldNum" sz="quarter" idx="10"/>
+          </p:nvPr>
+        </p:nvSpPr>
+        <p:spPr/>
+        <p:txBody>
+          <a:bodyPr/>
+          <a:lstStyle/>
+          <a:p>
+            <a:fld id="{56C9C295-C7B5-4EEE-BC79-7BA115B88BD7}" type="slidenum">
+              <a:rPr lang="zh-CN" altLang="en-US" smtClean="0"/>
+              <a:t>26</a:t>
+            </a:fld>
+            <a:endParaRPr lang="zh-CN" altLang="en-US"/>
+          </a:p>
+        </p:txBody>
+      </p:sp>
+    </p:spTree>
+    <p:extLst>
+      <p:ext uri="{BB962C8B-B14F-4D97-AF65-F5344CB8AC3E}">
+        <p14:creationId xmlns:p14="http://schemas.microsoft.com/office/powerpoint/2010/main" val="160644886"/>
+      </p:ext>
+    </p:extLst>
+  </p:cSld>
+  <p:clrMapOvr>
+    <a:masterClrMapping/>
+  </p:clrMapOvr>
+</p:notes>
+</file>
+
+<file path=ppt/notesSlides/notesSlide6.xml><?xml version="1.0" encoding="utf-8"?>
+<p:notes xmlns:a="http://schemas.openxmlformats.org/drawingml/2006/main" xmlns:r="http://schemas.openxmlformats.org/officeDocument/2006/relationships" xmlns:p="http://schemas.openxmlformats.org/presentationml/2006/main">
+  <p:cSld>
+    <p:spTree>
+      <p:nvGrpSpPr>
+        <p:cNvPr id="1" name=""/>
+        <p:cNvGrpSpPr/>
+        <p:nvPr/>
+      </p:nvGrpSpPr>
+      <p:grpSpPr>
+        <a:xfrm>
+          <a:off x="0" y="0"/>
+          <a:ext cx="0" cy="0"/>
+          <a:chOff x="0" y="0"/>
+          <a:chExt cx="0" cy="0"/>
+        </a:xfrm>
+      </p:grpSpPr>
+      <p:sp>
+        <p:nvSpPr>
+          <p:cNvPr id="2" name="幻灯片图像占位符 1"/>
+          <p:cNvSpPr>
+            <a:spLocks noGrp="1" noRot="1" noChangeAspect="1"/>
+          </p:cNvSpPr>
+          <p:nvPr>
+            <p:ph type="sldImg"/>
+          </p:nvPr>
+        </p:nvSpPr>
+        <p:spPr/>
+      </p:sp>
+      <p:sp>
+        <p:nvSpPr>
+          <p:cNvPr id="3" name="备注占位符 2"/>
+          <p:cNvSpPr>
+            <a:spLocks noGrp="1"/>
+          </p:cNvSpPr>
+          <p:nvPr>
+            <p:ph type="body" idx="1"/>
+          </p:nvPr>
+        </p:nvSpPr>
+        <p:spPr/>
+        <p:txBody>
+          <a:bodyPr/>
+          <a:lstStyle/>
+          <a:p>
+            <a:r>
+              <a:rPr lang="zh-CN" altLang="en-US" sz="1200" b="0" i="0" u="none" strike="noStrike" kern="1200" dirty="0" smtClean="0">
+                <a:solidFill>
+                  <a:schemeClr val="tx1"/>
+                </a:solidFill>
+                <a:effectLst/>
+                <a:latin typeface="+mn-lt"/>
+                <a:ea typeface="+mn-ea"/>
+                <a:cs typeface="+mn-cs"/>
+              </a:rPr>
+              <a:t>一般来说，类与类之间的关系是比较复杂的，多个类之间互相关联时，他们之间的关系会呈现为复杂的网状结构，这是一种过度耦合的架构，即不利于类的复用，也不稳定。</a:t>
+            </a:r>
+            <a:endParaRPr lang="en-US" altLang="zh-CN" sz="1200" b="0" i="0" u="none" strike="noStrike" kern="1200" dirty="0" smtClean="0">
+              <a:solidFill>
+                <a:schemeClr val="tx1"/>
+              </a:solidFill>
+              <a:effectLst/>
+              <a:latin typeface="+mn-lt"/>
+              <a:ea typeface="+mn-ea"/>
+              <a:cs typeface="+mn-cs"/>
+            </a:endParaRPr>
+          </a:p>
+          <a:p>
+            <a:endParaRPr lang="en-US" altLang="zh-CN" sz="1200" b="0" i="0" u="none" strike="noStrike" kern="1200" dirty="0" smtClean="0">
+              <a:solidFill>
+                <a:schemeClr val="tx1"/>
+              </a:solidFill>
+              <a:effectLst/>
+              <a:latin typeface="+mn-lt"/>
+              <a:ea typeface="+mn-ea"/>
+              <a:cs typeface="+mn-cs"/>
+            </a:endParaRPr>
+          </a:p>
+          <a:p>
+            <a:r>
+              <a:rPr lang="zh-CN" altLang="en-US" sz="1200" b="0" i="0" u="none" strike="noStrike" kern="1200" dirty="0" smtClean="0">
+                <a:solidFill>
+                  <a:schemeClr val="tx1"/>
+                </a:solidFill>
+                <a:effectLst/>
+                <a:latin typeface="+mn-lt"/>
+                <a:ea typeface="+mn-ea"/>
+                <a:cs typeface="+mn-cs"/>
+              </a:rPr>
+              <a:t>如果引入中介者模式，那么同事类之间的关系将变为星型结构，任何一个类的变动，只会影响的类本身，以及中介者，这样就减小了系统的耦合。一个好的设计，必定不会把所有的对象关系处理逻辑封装在本类中，而是使用一个专门的类来管理那些不属于自己的行为。</a:t>
+            </a:r>
+            <a:endParaRPr lang="en-US" altLang="zh-CN" sz="1200" b="0" i="0" u="none" strike="noStrike" kern="1200" dirty="0" smtClean="0">
+              <a:solidFill>
+                <a:schemeClr val="tx1"/>
+              </a:solidFill>
+              <a:effectLst/>
+              <a:latin typeface="+mn-lt"/>
+              <a:ea typeface="+mn-ea"/>
+              <a:cs typeface="+mn-cs"/>
+            </a:endParaRPr>
+          </a:p>
+          <a:p>
+            <a:endParaRPr lang="en-US" altLang="zh-CN" sz="1200" b="0" i="0" u="none" strike="noStrike" kern="1200" dirty="0" smtClean="0">
+              <a:solidFill>
+                <a:schemeClr val="tx1"/>
+              </a:solidFill>
+              <a:effectLst/>
+              <a:latin typeface="+mn-lt"/>
+              <a:ea typeface="+mn-ea"/>
+              <a:cs typeface="+mn-cs"/>
+            </a:endParaRPr>
+          </a:p>
+          <a:p>
+            <a:endParaRPr lang="en-US" altLang="zh-CN" sz="1200" b="0" i="0" u="none" strike="noStrike" kern="1200" dirty="0" smtClean="0">
+              <a:solidFill>
+                <a:schemeClr val="tx1"/>
+              </a:solidFill>
+              <a:effectLst/>
+              <a:latin typeface="+mn-lt"/>
+              <a:ea typeface="+mn-ea"/>
+              <a:cs typeface="+mn-cs"/>
+            </a:endParaRPr>
+          </a:p>
+          <a:p>
+            <a:r>
+              <a:rPr lang="zh-CN" altLang="en-US" sz="1200" b="0" i="0" u="none" strike="noStrike" kern="1200" dirty="0" smtClean="0">
+                <a:solidFill>
+                  <a:schemeClr val="tx1"/>
+                </a:solidFill>
+                <a:effectLst/>
+                <a:latin typeface="+mn-lt"/>
+                <a:ea typeface="+mn-ea"/>
+                <a:cs typeface="+mn-cs"/>
+              </a:rPr>
+              <a:t>适当地使用中介者模式可以避免同事类之间的过度耦合，使得各同事类之间可以相对独立地使用。</a:t>
+            </a:r>
+          </a:p>
+          <a:p>
+            <a:r>
+              <a:rPr lang="zh-CN" altLang="en-US" sz="1200" b="0" i="0" u="none" strike="noStrike" kern="1200" dirty="0" smtClean="0">
+                <a:solidFill>
+                  <a:schemeClr val="tx1"/>
+                </a:solidFill>
+                <a:effectLst/>
+                <a:latin typeface="+mn-lt"/>
+                <a:ea typeface="+mn-ea"/>
+                <a:cs typeface="+mn-cs"/>
+              </a:rPr>
+              <a:t>使用中介者模式可以将对象间一对多的关联转变为一对一的关联，使对象间的关系易于理解和维护。</a:t>
+            </a:r>
+          </a:p>
+          <a:p>
+            <a:r>
+              <a:rPr lang="zh-CN" altLang="en-US" sz="1200" b="0" i="0" u="none" strike="noStrike" kern="1200" dirty="0" smtClean="0">
+                <a:solidFill>
+                  <a:schemeClr val="tx1"/>
+                </a:solidFill>
+                <a:effectLst/>
+                <a:latin typeface="+mn-lt"/>
+                <a:ea typeface="+mn-ea"/>
+                <a:cs typeface="+mn-cs"/>
+              </a:rPr>
+              <a:t>使用中介者模式可以将对象的行为和协作进行抽象，能够比较灵活的处理对象间的相互作用。</a:t>
+            </a:r>
+          </a:p>
+          <a:p>
+            <a:endParaRPr lang="en-US" altLang="zh-CN" dirty="0" smtClean="0"/>
+          </a:p>
+          <a:p>
+            <a:r>
+              <a:rPr lang="zh-CN" altLang="en-US" sz="1200" b="0" i="0" u="none" strike="noStrike" kern="1200" dirty="0" smtClean="0">
+                <a:solidFill>
+                  <a:schemeClr val="tx1"/>
+                </a:solidFill>
+                <a:effectLst/>
+                <a:latin typeface="+mn-lt"/>
+                <a:ea typeface="+mn-ea"/>
+                <a:cs typeface="+mn-cs"/>
+              </a:rPr>
+              <a:t>在面向对象编程中，一个类必然会与其他的类发生依赖关系，完全独立的类是没有意义的。一个类同时依赖多个类的情况也相当普遍，既然存在这样的情况，说明，一对多的依赖关系有它的合理性，适当的使用中介者模式可以使原本凌乱的对象关系清晰。</a:t>
+            </a:r>
+            <a:endParaRPr lang="zh-CN" altLang="en-US" dirty="0"/>
+          </a:p>
+        </p:txBody>
+      </p:sp>
+      <p:sp>
+        <p:nvSpPr>
+          <p:cNvPr id="4" name="灯片编号占位符 3"/>
+          <p:cNvSpPr>
+            <a:spLocks noGrp="1"/>
+          </p:cNvSpPr>
+          <p:nvPr>
+            <p:ph type="sldNum" sz="quarter" idx="10"/>
+          </p:nvPr>
+        </p:nvSpPr>
+        <p:spPr/>
+        <p:txBody>
+          <a:bodyPr/>
+          <a:lstStyle/>
+          <a:p>
+            <a:fld id="{56C9C295-C7B5-4EEE-BC79-7BA115B88BD7}" type="slidenum">
+              <a:rPr lang="zh-CN" altLang="en-US" smtClean="0"/>
+              <a:t>27</a:t>
+            </a:fld>
+            <a:endParaRPr lang="zh-CN" altLang="en-US"/>
+          </a:p>
+        </p:txBody>
+      </p:sp>
+    </p:spTree>
+    <p:extLst>
+      <p:ext uri="{BB962C8B-B14F-4D97-AF65-F5344CB8AC3E}">
+        <p14:creationId xmlns:p14="http://schemas.microsoft.com/office/powerpoint/2010/main" val="3605998996"/>
+      </p:ext>
+    </p:extLst>
+  </p:cSld>
+  <p:clrMapOvr>
+    <a:masterClrMapping/>
+  </p:clrMapOvr>
+</p:notes>
+</file>
+
 <file path=ppt/slideLayouts/slideLayout1.xml><?xml version="1.0" encoding="utf-8"?>
 <p:sldLayout xmlns:a="http://schemas.openxmlformats.org/drawingml/2006/main" xmlns:r="http://schemas.openxmlformats.org/officeDocument/2006/relationships" xmlns:p="http://schemas.openxmlformats.org/presentationml/2006/main" type="title" preserve="1">
   <p:cSld name="标题幻灯片">
@@ -530,7 +1697,6 @@
               <a:rPr lang="zh-CN" altLang="en-US"/>
               <a:t>单击此处编辑母版标题样式</a:t>
             </a:r>
-            <a:endParaRPr lang="zh-CN" altLang="en-US"/>
           </a:p>
         </p:txBody>
       </p:sp>
@@ -595,7 +1761,6 @@
               <a:rPr lang="zh-CN" altLang="en-US"/>
               <a:t>单击此处编辑母版副标题样式</a:t>
             </a:r>
-            <a:endParaRPr lang="zh-CN" altLang="en-US"/>
           </a:p>
         </p:txBody>
       </p:sp>
@@ -616,6 +1781,7 @@
           <a:p>
             <a:fld id="{EC5BEEA0-0DBE-4F53-BBC1-FC3FE36A8E7D}" type="datetime1">
               <a:rPr lang="zh-CN" altLang="en-US" smtClean="0"/>
+              <a:t>2018/11/2</a:t>
             </a:fld>
             <a:endParaRPr lang="zh-CN" altLang="en-US"/>
           </a:p>
@@ -657,6 +1823,7 @@
           <a:p>
             <a:fld id="{650F322C-EF84-415F-8BB2-B0D14E2AAE85}" type="slidenum">
               <a:rPr lang="zh-CN" altLang="en-US" smtClean="0"/>
+              <a:t>‹#›</a:t>
             </a:fld>
             <a:endParaRPr lang="zh-CN" altLang="en-US"/>
           </a:p>
@@ -715,7 +1882,6 @@
               <a:rPr lang="zh-CN" altLang="en-US"/>
               <a:t>单击此处编辑母版标题样式</a:t>
             </a:r>
-            <a:endParaRPr lang="zh-CN" altLang="en-US"/>
           </a:p>
         </p:txBody>
       </p:sp>
@@ -780,7 +1946,6 @@
               <a:rPr lang="zh-CN" altLang="en-US"/>
               <a:t>单击此处编辑母版副标题样式</a:t>
             </a:r>
-            <a:endParaRPr lang="zh-CN" altLang="en-US"/>
           </a:p>
         </p:txBody>
       </p:sp>
@@ -801,6 +1966,7 @@
           <a:p>
             <a:fld id="{EC5BEEA0-0DBE-4F53-BBC1-FC3FE36A8E7D}" type="datetime1">
               <a:rPr lang="zh-CN" altLang="en-US" smtClean="0"/>
+              <a:t>2018/11/2</a:t>
             </a:fld>
             <a:endParaRPr lang="zh-CN" altLang="en-US"/>
           </a:p>
@@ -842,6 +2008,7 @@
           <a:p>
             <a:fld id="{650F322C-EF84-415F-8BB2-B0D14E2AAE85}" type="slidenum">
               <a:rPr lang="zh-CN" altLang="en-US" smtClean="0"/>
+              <a:t>‹#›</a:t>
             </a:fld>
             <a:endParaRPr lang="zh-CN" altLang="en-US"/>
           </a:p>
@@ -906,7 +2073,6 @@
               <a:rPr lang="zh-CN" altLang="en-US"/>
               <a:t>单击此处编辑母版标题样式</a:t>
             </a:r>
-            <a:endParaRPr lang="zh-CN" altLang="en-US"/>
           </a:p>
         </p:txBody>
       </p:sp>
@@ -940,7 +2106,6 @@
               <a:rPr lang="zh-CN" altLang="en-US"/>
               <a:t>编辑母版文本样式</a:t>
             </a:r>
-            <a:endParaRPr lang="zh-CN" altLang="en-US"/>
           </a:p>
           <a:p>
             <a:pPr lvl="1"/>
@@ -948,7 +2113,6 @@
               <a:rPr lang="zh-CN" altLang="en-US"/>
               <a:t>第二级</a:t>
             </a:r>
-            <a:endParaRPr lang="zh-CN" altLang="en-US"/>
           </a:p>
           <a:p>
             <a:pPr lvl="2"/>
@@ -956,7 +2120,6 @@
               <a:rPr lang="zh-CN" altLang="en-US"/>
               <a:t>第三级</a:t>
             </a:r>
-            <a:endParaRPr lang="zh-CN" altLang="en-US"/>
           </a:p>
           <a:p>
             <a:pPr lvl="3"/>
@@ -964,7 +2127,6 @@
               <a:rPr lang="zh-CN" altLang="en-US"/>
               <a:t>第四级</a:t>
             </a:r>
-            <a:endParaRPr lang="zh-CN" altLang="en-US"/>
           </a:p>
           <a:p>
             <a:pPr lvl="4"/>
@@ -972,7 +2134,6 @@
               <a:rPr lang="zh-CN" altLang="en-US"/>
               <a:t>第五级</a:t>
             </a:r>
-            <a:endParaRPr lang="zh-CN" altLang="en-US"/>
           </a:p>
         </p:txBody>
       </p:sp>
@@ -1011,6 +2172,7 @@
           <a:p>
             <a:fld id="{F33440B4-DA03-4C42-A86E-7252395AD410}" type="datetime1">
               <a:rPr lang="zh-CN" altLang="en-US" smtClean="0"/>
+              <a:t>2018/11/2</a:t>
             </a:fld>
             <a:endParaRPr lang="zh-CN" altLang="en-US"/>
           </a:p>
@@ -1088,6 +2250,7 @@
           <a:p>
             <a:fld id="{650F322C-EF84-415F-8BB2-B0D14E2AAE85}" type="slidenum">
               <a:rPr lang="zh-CN" altLang="en-US" smtClean="0"/>
+              <a:t>‹#›</a:t>
             </a:fld>
             <a:endParaRPr lang="zh-CN" altLang="en-US"/>
           </a:p>
@@ -1434,7 +2597,6 @@
               <a:rPr lang="zh-CN" altLang="en-US"/>
               <a:t>单击此处编辑母版标题样式</a:t>
             </a:r>
-            <a:endParaRPr lang="zh-CN" altLang="en-US"/>
           </a:p>
         </p:txBody>
       </p:sp>
@@ -1468,7 +2630,6 @@
               <a:rPr lang="zh-CN" altLang="en-US"/>
               <a:t>编辑母版文本样式</a:t>
             </a:r>
-            <a:endParaRPr lang="zh-CN" altLang="en-US"/>
           </a:p>
           <a:p>
             <a:pPr lvl="1"/>
@@ -1476,7 +2637,6 @@
               <a:rPr lang="zh-CN" altLang="en-US"/>
               <a:t>第二级</a:t>
             </a:r>
-            <a:endParaRPr lang="zh-CN" altLang="en-US"/>
           </a:p>
           <a:p>
             <a:pPr lvl="2"/>
@@ -1484,7 +2644,6 @@
               <a:rPr lang="zh-CN" altLang="en-US"/>
               <a:t>第三级</a:t>
             </a:r>
-            <a:endParaRPr lang="zh-CN" altLang="en-US"/>
           </a:p>
           <a:p>
             <a:pPr lvl="3"/>
@@ -1492,7 +2651,6 @@
               <a:rPr lang="zh-CN" altLang="en-US"/>
               <a:t>第四级</a:t>
             </a:r>
-            <a:endParaRPr lang="zh-CN" altLang="en-US"/>
           </a:p>
           <a:p>
             <a:pPr lvl="4"/>
@@ -1500,7 +2658,6 @@
               <a:rPr lang="zh-CN" altLang="en-US"/>
               <a:t>第五级</a:t>
             </a:r>
-            <a:endParaRPr lang="zh-CN" altLang="en-US"/>
           </a:p>
         </p:txBody>
       </p:sp>
@@ -1539,6 +2696,7 @@
           <a:p>
             <a:fld id="{F33440B4-DA03-4C42-A86E-7252395AD410}" type="datetime1">
               <a:rPr lang="zh-CN" altLang="en-US" smtClean="0"/>
+              <a:t>2018/11/2</a:t>
             </a:fld>
             <a:endParaRPr lang="zh-CN" altLang="en-US"/>
           </a:p>
@@ -1616,6 +2774,7 @@
           <a:p>
             <a:fld id="{650F322C-EF84-415F-8BB2-B0D14E2AAE85}" type="slidenum">
               <a:rPr lang="zh-CN" altLang="en-US" smtClean="0"/>
+              <a:t>‹#›</a:t>
             </a:fld>
             <a:endParaRPr lang="zh-CN" altLang="en-US"/>
           </a:p>
@@ -2068,14 +3227,6 @@
               </a:rPr>
               <a:t>   组名：111111101      //(509)~2~</a:t>
             </a:r>
-            <a:endParaRPr lang="en-US" altLang="zh-CN" sz="1600" b="1" dirty="0">
-              <a:solidFill>
-                <a:schemeClr val="tx1">
-                  <a:lumMod val="50000"/>
-                  <a:lumOff val="50000"/>
-                </a:schemeClr>
-              </a:solidFill>
-            </a:endParaRPr>
           </a:p>
           <a:p>
             <a:pPr algn="ctr"/>
@@ -2101,14 +3252,6 @@
               </a:rPr>
               <a:t>    主题：欢乐农场    编程语言：Java</a:t>
             </a:r>
-            <a:endParaRPr lang="en-US" altLang="zh-CN" sz="1600" b="1" dirty="0">
-              <a:solidFill>
-                <a:schemeClr val="tx1">
-                  <a:lumMod val="50000"/>
-                  <a:lumOff val="50000"/>
-                </a:schemeClr>
-              </a:solidFill>
-            </a:endParaRPr>
           </a:p>
           <a:p>
             <a:pPr algn="ctr"/>
@@ -2157,14 +3300,6 @@
               </a:rPr>
               <a:t>梁峻浩 1650262  夏宇宁 1651290</a:t>
             </a:r>
-            <a:endParaRPr lang="zh-CN" altLang="en-US" sz="1600" b="1" dirty="0">
-              <a:solidFill>
-                <a:schemeClr val="tx1">
-                  <a:lumMod val="50000"/>
-                  <a:lumOff val="50000"/>
-                </a:schemeClr>
-              </a:solidFill>
-            </a:endParaRPr>
           </a:p>
           <a:p>
             <a:pPr algn="ctr"/>
@@ -2179,14 +3314,6 @@
               </a:rPr>
               <a:t>  </a:t>
             </a:r>
-            <a:endParaRPr lang="zh-CN" altLang="en-US" sz="1600" b="1" dirty="0">
-              <a:solidFill>
-                <a:schemeClr val="tx1">
-                  <a:lumMod val="50000"/>
-                  <a:lumOff val="50000"/>
-                </a:schemeClr>
-              </a:solidFill>
-            </a:endParaRPr>
           </a:p>
           <a:p>
             <a:pPr algn="ctr"/>
@@ -2201,14 +3328,6 @@
               </a:rPr>
               <a:t>齐旭晨 1652670  孙浩然 1652714  梁钧清 1652751 </a:t>
             </a:r>
-            <a:endParaRPr lang="zh-CN" altLang="en-US" sz="1600" b="1" dirty="0">
-              <a:solidFill>
-                <a:schemeClr val="tx1">
-                  <a:lumMod val="50000"/>
-                  <a:lumOff val="50000"/>
-                </a:schemeClr>
-              </a:solidFill>
-            </a:endParaRPr>
           </a:p>
           <a:p>
             <a:pPr algn="ctr"/>
@@ -2234,14 +3353,6 @@
               </a:rPr>
               <a:t>袁文皓 1652752  滕敏钰 1652784  洪欣鹏 1652851 </a:t>
             </a:r>
-            <a:endParaRPr lang="zh-CN" altLang="en-US" sz="1600" b="1" dirty="0">
-              <a:solidFill>
-                <a:schemeClr val="tx1">
-                  <a:lumMod val="50000"/>
-                  <a:lumOff val="50000"/>
-                </a:schemeClr>
-              </a:solidFill>
-            </a:endParaRPr>
           </a:p>
         </p:txBody>
       </p:sp>
@@ -2271,6 +3382,7 @@
                   <a:schemeClr val="tx1"/>
                 </a:solidFill>
               </a:rPr>
+              <a:t>1</a:t>
             </a:fld>
             <a:endParaRPr lang="zh-CN" altLang="en-US" sz="1800" dirty="0">
               <a:solidFill>
@@ -2357,6 +3469,7 @@
             <a:bodyPr wrap="none" rtlCol="0">
               <a:spAutoFit/>
             </a:bodyPr>
+            <a:lstStyle/>
             <a:p>
               <a:pPr algn="ctr"/>
               <a:r>
@@ -2372,16 +3485,6 @@
                 </a:rPr>
                 <a:t>软件架构与设计模式答辩</a:t>
               </a:r>
-              <a:endParaRPr lang="zh-CN" altLang="en-US" sz="4800" b="1" dirty="0">
-                <a:solidFill>
-                  <a:schemeClr val="accent1">
-                    <a:lumMod val="40000"/>
-                    <a:lumOff val="60000"/>
-                  </a:schemeClr>
-                </a:solidFill>
-                <a:latin typeface="微软雅黑" panose="020B0503020204020204" pitchFamily="34" charset="-122"/>
-                <a:ea typeface="微软雅黑" panose="020B0503020204020204" pitchFamily="34" charset="-122"/>
-              </a:endParaRPr>
             </a:p>
           </p:txBody>
         </p:sp>
@@ -2494,6 +3597,7 @@
             <a:bodyPr wrap="none" rtlCol="0">
               <a:spAutoFit/>
             </a:bodyPr>
+            <a:lstStyle/>
             <a:p>
               <a:pPr algn="ctr"/>
               <a:r>
@@ -2507,14 +3611,6 @@
                 </a:rPr>
                 <a:t>欢 乐 农 场</a:t>
               </a:r>
-              <a:endParaRPr lang="zh-CN" altLang="en-US" sz="6000" b="1" dirty="0">
-                <a:solidFill>
-                  <a:schemeClr val="tx1"/>
-                </a:solidFill>
-                <a:latin typeface="微软雅黑" panose="020B0503020204020204" pitchFamily="34" charset="-122"/>
-                <a:ea typeface="微软雅黑" panose="020B0503020204020204" pitchFamily="34" charset="-122"/>
-                <a:sym typeface="+mn-ea"/>
-              </a:endParaRPr>
             </a:p>
           </p:txBody>
         </p:sp>
@@ -2524,6 +3620,13 @@
   <p:clrMapOvr>
     <a:masterClrMapping/>
   </p:clrMapOvr>
+  <p:timing>
+    <p:tnLst>
+      <p:par>
+        <p:cTn id="1" dur="indefinite" restart="never" nodeType="tmRoot"/>
+      </p:par>
+    </p:tnLst>
+  </p:timing>
 </p:sld>
 </file>
 
@@ -2614,6 +3717,7 @@
                   <a:prstClr val="black"/>
                 </a:solidFill>
               </a:rPr>
+              <a:t>10</a:t>
             </a:fld>
             <a:endParaRPr lang="zh-CN" altLang="en-US" sz="1800" dirty="0">
               <a:solidFill>
@@ -2701,7 +3805,6 @@
               <a:rPr lang="en-US" sz="2800" dirty="0"/>
               <a:t>Builder</a:t>
             </a:r>
-            <a:endParaRPr lang="en-US" sz="2800" dirty="0"/>
           </a:p>
         </p:txBody>
       </p:sp>
@@ -2904,11 +4007,6 @@
               </a:rPr>
               <a:t>相关结构</a:t>
             </a:r>
-            <a:endParaRPr lang="zh-CN" altLang="en-US" dirty="0">
-              <a:solidFill>
-                <a:prstClr val="white"/>
-              </a:solidFill>
-            </a:endParaRPr>
           </a:p>
         </p:txBody>
       </p:sp>
@@ -2975,7 +4073,7 @@
           <p:nvPr/>
         </p:nvPicPr>
         <p:blipFill>
-          <a:blip r:embed="rId1"/>
+          <a:blip r:embed="rId2"/>
           <a:stretch>
             <a:fillRect/>
           </a:stretch>
@@ -3014,6 +4112,7 @@
           <a:bodyPr wrap="square" rtlCol="0">
             <a:spAutoFit/>
           </a:bodyPr>
+          <a:lstStyle/>
           <a:p>
             <a:r>
               <a:rPr lang="en-US" sz="1100" dirty="0" err="1">
@@ -3074,6 +4173,7 @@
         </p:style>
         <p:txBody>
           <a:bodyPr rtlCol="0" anchor="ctr"/>
+          <a:lstStyle/>
           <a:p>
             <a:pPr algn="ctr"/>
             <a:endParaRPr lang="zh-CN" altLang="en-US" dirty="0"/>
@@ -3139,7 +4239,7 @@
           <p:nvPr/>
         </p:nvPicPr>
         <p:blipFill>
-          <a:blip r:embed="rId2"/>
+          <a:blip r:embed="rId3"/>
           <a:srcRect l="31845" t="16000" r="35901" b="44153"/>
           <a:stretch>
             <a:fillRect/>
@@ -3164,7 +4264,7 @@
           <p:nvPr/>
         </p:nvPicPr>
         <p:blipFill>
-          <a:blip r:embed="rId3"/>
+          <a:blip r:embed="rId4"/>
           <a:srcRect l="31742" t="20748" r="32933" b="27268"/>
           <a:stretch>
             <a:fillRect/>
@@ -3185,6 +4285,13 @@
   <p:clrMapOvr>
     <a:masterClrMapping/>
   </p:clrMapOvr>
+  <p:timing>
+    <p:tnLst>
+      <p:par>
+        <p:cTn id="1" dur="indefinite" restart="never" nodeType="tmRoot"/>
+      </p:par>
+    </p:tnLst>
+  </p:timing>
 </p:sld>
 </file>
 
@@ -3226,7 +4333,7 @@
         </p:spPr>
         <p:txBody>
           <a:bodyPr>
-            <a:normAutofit fontScale="90000"/>
+            <a:normAutofit/>
           </a:bodyPr>
           <a:lstStyle>
             <a:lvl1pPr defTabSz="850265">
@@ -3280,6 +4387,7 @@
                 </a:solidFill>
               </a:defRPr>
             </a:pPr>
+            <a:endParaRPr/>
           </a:p>
         </p:txBody>
       </p:sp>
@@ -3318,6 +4426,7 @@
                 </a:solidFill>
               </a:defRPr>
             </a:pPr>
+            <a:endParaRPr/>
           </a:p>
         </p:txBody>
       </p:sp>
@@ -3392,6 +4501,7 @@
           <a:p>
             <a:fld id="{86CB4B4D-7CA3-9044-876B-883B54F8677D}" type="slidenum">
               <a:rPr/>
+              <a:t>11</a:t>
             </a:fld>
             <a:endParaRPr/>
           </a:p>
@@ -3473,6 +4583,7 @@
             <a:bodyPr wrap="square" lIns="0" tIns="0" rIns="0" bIns="0" rtlCol="0">
               <a:spAutoFit/>
             </a:bodyPr>
+            <a:lstStyle/>
             <a:p>
               <a:pPr marL="0" lvl="1" algn="ctr"/>
               <a:r>
@@ -3499,15 +4610,6 @@
                 </a:rPr>
                 <a:t>-Person</a:t>
               </a:r>
-              <a:endParaRPr lang="en-US" altLang="zh-CN" sz="3200" dirty="0">
-                <a:solidFill>
-                  <a:schemeClr val="tx2">
-                    <a:lumMod val="50000"/>
-                  </a:schemeClr>
-                </a:solidFill>
-                <a:latin typeface="微软雅黑" panose="020B0503020204020204" pitchFamily="34" charset="-122"/>
-                <a:ea typeface="微软雅黑" panose="020B0503020204020204" pitchFamily="34" charset="-122"/>
-              </a:endParaRPr>
             </a:p>
           </p:txBody>
         </p:sp>
@@ -3549,6 +4651,13 @@
     <a:masterClrMapping/>
   </p:clrMapOvr>
   <p:transition spd="med"/>
+  <p:timing>
+    <p:tnLst>
+      <p:par>
+        <p:cTn id="1" dur="indefinite" restart="never" nodeType="tmRoot"/>
+      </p:par>
+    </p:tnLst>
+  </p:timing>
 </p:sld>
 </file>
 
@@ -3604,6 +4713,7 @@
                 </a:solidFill>
               </a:defRPr>
             </a:pPr>
+            <a:endParaRPr/>
           </a:p>
         </p:txBody>
       </p:sp>
@@ -3642,6 +4752,7 @@
                 </a:solidFill>
               </a:defRPr>
             </a:pPr>
+            <a:endParaRPr/>
           </a:p>
         </p:txBody>
       </p:sp>
@@ -3678,6 +4789,7 @@
           <a:p>
             <a:fld id="{86CB4B4D-7CA3-9044-876B-883B54F8677D}" type="slidenum">
               <a:rPr/>
+              <a:t>12</a:t>
             </a:fld>
             <a:endParaRPr/>
           </a:p>
@@ -3775,10 +4887,34 @@
                 <a:tableStyleId>{4C3C2611-4C71-4FC5-86AE-919BDF0F9419}</a:tableStyleId>
               </a:tblPr>
               <a:tblGrid>
-                <a:gridCol w="1353646"/>
-                <a:gridCol w="2190517"/>
-                <a:gridCol w="1905025"/>
-                <a:gridCol w="4216214"/>
+                <a:gridCol w="1353646">
+                  <a:extLst>
+                    <a:ext uri="{9D8B030D-6E8A-4147-A177-3AD203B41FA5}">
+                      <a16:colId xmlns:a16="http://schemas.microsoft.com/office/drawing/2014/main" val="20000"/>
+                    </a:ext>
+                  </a:extLst>
+                </a:gridCol>
+                <a:gridCol w="2190517">
+                  <a:extLst>
+                    <a:ext uri="{9D8B030D-6E8A-4147-A177-3AD203B41FA5}">
+                      <a16:colId xmlns:a16="http://schemas.microsoft.com/office/drawing/2014/main" val="20001"/>
+                    </a:ext>
+                  </a:extLst>
+                </a:gridCol>
+                <a:gridCol w="1905025">
+                  <a:extLst>
+                    <a:ext uri="{9D8B030D-6E8A-4147-A177-3AD203B41FA5}">
+                      <a16:colId xmlns:a16="http://schemas.microsoft.com/office/drawing/2014/main" val="20002"/>
+                    </a:ext>
+                  </a:extLst>
+                </a:gridCol>
+                <a:gridCol w="4216214">
+                  <a:extLst>
+                    <a:ext uri="{9D8B030D-6E8A-4147-A177-3AD203B41FA5}">
+                      <a16:colId xmlns:a16="http://schemas.microsoft.com/office/drawing/2014/main" val="20003"/>
+                    </a:ext>
+                  </a:extLst>
+                </a:gridCol>
               </a:tblGrid>
               <a:tr h="491122">
                 <a:tc>
@@ -3804,11 +4940,6 @@
                         </a:rPr>
                         <a:t>Design Pattern</a:t>
                       </a:r>
-                      <a:endParaRPr sz="1200" b="1" dirty="0">
-                        <a:solidFill>
-                          <a:srgbClr val="333333"/>
-                        </a:solidFill>
-                      </a:endParaRPr>
                     </a:p>
                   </a:txBody>
                   <a:tcPr marL="31081" marR="31081" marT="31081" marB="31081" anchor="ctr" horzOverflow="overflow">
@@ -3848,6 +4979,7 @@
                         </a:lnSpc>
                         <a:defRPr b="1"/>
                       </a:pPr>
+                      <a:endParaRPr/>
                     </a:p>
                   </a:txBody>
                   <a:tcPr marL="31081" marR="31081" marT="31081" marB="31081" anchor="ctr" horzOverflow="overflow">
@@ -3899,11 +5031,6 @@
                         </a:rPr>
                         <a:t>Related Function</a:t>
                       </a:r>
-                      <a:endParaRPr sz="1200" b="1">
-                        <a:solidFill>
-                          <a:srgbClr val="333333"/>
-                        </a:solidFill>
-                      </a:endParaRPr>
                     </a:p>
                   </a:txBody>
                   <a:tcPr marL="31081" marR="31081" marT="31081" marB="31081" anchor="ctr" horzOverflow="overflow">
@@ -3943,6 +5070,7 @@
                         </a:lnSpc>
                         <a:defRPr sz="1100"/>
                       </a:pPr>
+                      <a:endParaRPr/>
                     </a:p>
                   </a:txBody>
                   <a:tcPr marL="31081" marR="31081" marT="31081" marB="31081" anchor="ctr" horzOverflow="overflow">
@@ -3971,6 +5099,11 @@
                     </a:solidFill>
                   </a:tcPr>
                 </a:tc>
+                <a:extLst>
+                  <a:ext uri="{0D108BD9-81ED-4DB2-BD59-A6C34878D82A}">
+                    <a16:rowId xmlns:a16="http://schemas.microsoft.com/office/drawing/2014/main" val="10000"/>
+                  </a:ext>
+                </a:extLst>
               </a:tr>
               <a:tr h="1200082">
                 <a:tc>
@@ -3996,11 +5129,6 @@
                         </a:rPr>
                         <a:t>Command</a:t>
                       </a:r>
-                      <a:endParaRPr sz="1200" dirty="0">
-                        <a:solidFill>
-                          <a:srgbClr val="333333"/>
-                        </a:solidFill>
-                      </a:endParaRPr>
                     </a:p>
                   </a:txBody>
                   <a:tcPr marL="31081" marR="31081" marT="31081" marB="31081" anchor="ctr" horzOverflow="overflow">
@@ -4060,11 +5188,6 @@
                         </a:rPr>
                         <a:t>。</a:t>
                       </a:r>
-                      <a:endParaRPr sz="1200" dirty="0">
-                        <a:solidFill>
-                          <a:srgbClr val="333333"/>
-                        </a:solidFill>
-                      </a:endParaRPr>
                     </a:p>
                   </a:txBody>
                   <a:tcPr marL="31081" marR="31081" marT="31081" marB="31081" anchor="ctr" horzOverflow="overflow">
@@ -4107,7 +5230,6 @@
                         <a:rPr dirty="0"/>
                         <a:t>void execute()</a:t>
                       </a:r>
-                      <a:endParaRPr dirty="0"/>
                     </a:p>
                     <a:p>
                       <a:pPr algn="l" defTabSz="457200">
@@ -4133,7 +5255,6 @@
                         <a:rPr dirty="0"/>
                         <a:t>()</a:t>
                       </a:r>
-                      <a:endParaRPr dirty="0"/>
                     </a:p>
                     <a:p>
                       <a:pPr algn="l" defTabSz="457200">
@@ -4159,7 +5280,6 @@
                         <a:rPr dirty="0"/>
                         <a:t>()</a:t>
                       </a:r>
-                      <a:endParaRPr dirty="0"/>
                     </a:p>
                   </a:txBody>
                   <a:tcPr marL="31081" marR="31081" marT="31081" marB="31081" anchor="ctr" horzOverflow="overflow">
@@ -4267,11 +5387,6 @@
                         </a:rPr>
                         <a:t>。</a:t>
                       </a:r>
-                      <a:endParaRPr sz="1200" dirty="0">
-                        <a:solidFill>
-                          <a:srgbClr val="333333"/>
-                        </a:solidFill>
-                      </a:endParaRPr>
                     </a:p>
                   </a:txBody>
                   <a:tcPr marL="31081" marR="31081" marT="31081" marB="31081" anchor="ctr" horzOverflow="overflow">
@@ -4300,6 +5415,11 @@
                     </a:solidFill>
                   </a:tcPr>
                 </a:tc>
+                <a:extLst>
+                  <a:ext uri="{0D108BD9-81ED-4DB2-BD59-A6C34878D82A}">
+                    <a16:rowId xmlns:a16="http://schemas.microsoft.com/office/drawing/2014/main" val="10001"/>
+                  </a:ext>
+                </a:extLst>
               </a:tr>
               <a:tr h="1517582">
                 <a:tc>
@@ -4325,11 +5445,6 @@
                         </a:rPr>
                         <a:t>Decorator</a:t>
                       </a:r>
-                      <a:endParaRPr sz="1200">
-                        <a:solidFill>
-                          <a:srgbClr val="333333"/>
-                        </a:solidFill>
-                      </a:endParaRPr>
                     </a:p>
                   </a:txBody>
                   <a:tcPr marL="31081" marR="31081" marT="31081" marB="31081" anchor="ctr" horzOverflow="overflow">
@@ -4389,11 +5504,6 @@
                         </a:rPr>
                         <a:t>。</a:t>
                       </a:r>
-                      <a:endParaRPr sz="1200" dirty="0">
-                        <a:solidFill>
-                          <a:srgbClr val="333333"/>
-                        </a:solidFill>
-                      </a:endParaRPr>
                     </a:p>
                   </a:txBody>
                   <a:tcPr marL="31081" marR="31081" marT="31081" marB="31081" anchor="ctr" horzOverflow="overflow">
@@ -4436,7 +5546,6 @@
                         <a:rPr dirty="0"/>
                         <a:t>Farmer()</a:t>
                       </a:r>
-                      <a:endParaRPr dirty="0"/>
                     </a:p>
                     <a:p>
                       <a:pPr algn="l" defTabSz="457200">
@@ -4462,7 +5571,6 @@
                         <a:rPr dirty="0"/>
                         <a:t>()</a:t>
                       </a:r>
-                      <a:endParaRPr dirty="0"/>
                     </a:p>
                     <a:p>
                       <a:pPr algn="l" defTabSz="457200">
@@ -4484,7 +5592,6 @@
                         <a:rPr dirty="0"/>
                         <a:t>()</a:t>
                       </a:r>
-                      <a:endParaRPr dirty="0"/>
                     </a:p>
                     <a:p>
                       <a:pPr algn="l" defTabSz="457200">
@@ -4510,7 +5617,6 @@
                         <a:rPr dirty="0"/>
                         <a:t>()</a:t>
                       </a:r>
-                      <a:endParaRPr dirty="0"/>
                     </a:p>
                   </a:txBody>
                   <a:tcPr marL="31081" marR="31081" marT="31081" marB="31081" anchor="ctr" horzOverflow="overflow">
@@ -4578,11 +5684,6 @@
                         </a:rPr>
                         <a:t>。</a:t>
                       </a:r>
-                      <a:endParaRPr sz="1200" dirty="0">
-                        <a:solidFill>
-                          <a:srgbClr val="333333"/>
-                        </a:solidFill>
-                      </a:endParaRPr>
                     </a:p>
                   </a:txBody>
                   <a:tcPr marL="31081" marR="31081" marT="31081" marB="31081" anchor="ctr" horzOverflow="overflow">
@@ -4611,6 +5712,11 @@
                     </a:solidFill>
                   </a:tcPr>
                 </a:tc>
+                <a:extLst>
+                  <a:ext uri="{0D108BD9-81ED-4DB2-BD59-A6C34878D82A}">
+                    <a16:rowId xmlns:a16="http://schemas.microsoft.com/office/drawing/2014/main" val="10002"/>
+                  </a:ext>
+                </a:extLst>
               </a:tr>
               <a:tr h="1428682">
                 <a:tc>
@@ -4636,11 +5742,6 @@
                         </a:rPr>
                         <a:t>Flyweight</a:t>
                       </a:r>
-                      <a:endParaRPr sz="1200">
-                        <a:solidFill>
-                          <a:srgbClr val="333333"/>
-                        </a:solidFill>
-                      </a:endParaRPr>
                     </a:p>
                   </a:txBody>
                   <a:tcPr marL="31081" marR="31081" marT="31081" marB="31081" anchor="ctr" horzOverflow="overflow">
@@ -4692,11 +5793,6 @@
                         </a:rPr>
                         <a:t>在有大量对象时，有可能会造成内存溢出，我们把其中共同的部分抽象出来，如果有相同的业务请求，直接返回在内存中已有的对象，避免重新创建。</a:t>
                       </a:r>
-                      <a:endParaRPr sz="1200" dirty="0">
-                        <a:solidFill>
-                          <a:srgbClr val="333333"/>
-                        </a:solidFill>
-                      </a:endParaRPr>
                     </a:p>
                   </a:txBody>
                   <a:tcPr marL="31081" marR="31081" marT="31081" marB="31081" anchor="ctr" horzOverflow="overflow">
@@ -4775,7 +5871,6 @@
                         <a:rPr dirty="0"/>
                         <a:t>()</a:t>
                       </a:r>
-                      <a:endParaRPr dirty="0"/>
                     </a:p>
                   </a:txBody>
                   <a:tcPr marL="31081" marR="31081" marT="31081" marB="31081" anchor="ctr" horzOverflow="overflow">
@@ -4835,11 +5930,6 @@
                         </a:rPr>
                         <a:t>。</a:t>
                       </a:r>
-                      <a:endParaRPr sz="1200" dirty="0">
-                        <a:solidFill>
-                          <a:srgbClr val="333333"/>
-                        </a:solidFill>
-                      </a:endParaRPr>
                     </a:p>
                   </a:txBody>
                   <a:tcPr marL="31081" marR="31081" marT="31081" marB="31081" anchor="ctr" horzOverflow="overflow">
@@ -4868,6 +5958,11 @@
                     </a:solidFill>
                   </a:tcPr>
                 </a:tc>
+                <a:extLst>
+                  <a:ext uri="{0D108BD9-81ED-4DB2-BD59-A6C34878D82A}">
+                    <a16:rowId xmlns:a16="http://schemas.microsoft.com/office/drawing/2014/main" val="10003"/>
+                  </a:ext>
+                </a:extLst>
               </a:tr>
               <a:tr h="821100">
                 <a:tc>
@@ -4893,11 +5988,6 @@
                         </a:rPr>
                         <a:t>Interpreter</a:t>
                       </a:r>
-                      <a:endParaRPr sz="1200">
-                        <a:solidFill>
-                          <a:srgbClr val="333333"/>
-                        </a:solidFill>
-                      </a:endParaRPr>
                     </a:p>
                   </a:txBody>
                   <a:tcPr marL="31081" marR="31081" marT="31081" marB="31081" anchor="ctr" horzOverflow="overflow">
@@ -4957,11 +6047,6 @@
                         </a:rPr>
                         <a:t>。</a:t>
                       </a:r>
-                      <a:endParaRPr sz="1200" dirty="0">
-                        <a:solidFill>
-                          <a:srgbClr val="333333"/>
-                        </a:solidFill>
-                      </a:endParaRPr>
                     </a:p>
                   </a:txBody>
                   <a:tcPr marL="31081" marR="31081" marT="31081" marB="31081" anchor="ctr" horzOverflow="overflow">
@@ -5013,11 +6098,6 @@
                         </a:rPr>
                         <a:t>void interpret()</a:t>
                       </a:r>
-                      <a:endParaRPr sz="1200">
-                        <a:solidFill>
-                          <a:srgbClr val="333333"/>
-                        </a:solidFill>
-                      </a:endParaRPr>
                     </a:p>
                   </a:txBody>
                   <a:tcPr marL="31081" marR="31081" marT="31081" marB="31081" anchor="ctr" horzOverflow="overflow">
@@ -5069,11 +6149,6 @@
                         </a:rPr>
                         <a:t>有很多重复的加法功能，将该问题的各个实例表述为一个简单语言中的句子。这样就可以构建一个解释器，该解释器通过解释这些句子来解决该问题。</a:t>
                       </a:r>
-                      <a:endParaRPr sz="1200" dirty="0">
-                        <a:solidFill>
-                          <a:srgbClr val="333333"/>
-                        </a:solidFill>
-                      </a:endParaRPr>
                     </a:p>
                   </a:txBody>
                   <a:tcPr marL="31081" marR="31081" marT="31081" marB="31081" anchor="ctr" horzOverflow="overflow">
@@ -5102,6 +6177,11 @@
                     </a:solidFill>
                   </a:tcPr>
                 </a:tc>
+                <a:extLst>
+                  <a:ext uri="{0D108BD9-81ED-4DB2-BD59-A6C34878D82A}">
+                    <a16:rowId xmlns:a16="http://schemas.microsoft.com/office/drawing/2014/main" val="10004"/>
+                  </a:ext>
+                </a:extLst>
               </a:tr>
             </a:tbl>
           </a:graphicData>
@@ -5113,6 +6193,13 @@
     <a:masterClrMapping/>
   </p:clrMapOvr>
   <p:transition spd="med"/>
+  <p:timing>
+    <p:tnLst>
+      <p:par>
+        <p:cTn id="1" dur="indefinite" restart="never" nodeType="tmRoot"/>
+      </p:par>
+    </p:tnLst>
+  </p:timing>
 </p:sld>
 </file>
 
@@ -5168,6 +6255,7 @@
                 </a:solidFill>
               </a:defRPr>
             </a:pPr>
+            <a:endParaRPr/>
           </a:p>
         </p:txBody>
       </p:sp>
@@ -5206,6 +6294,7 @@
                 </a:solidFill>
               </a:defRPr>
             </a:pPr>
+            <a:endParaRPr/>
           </a:p>
         </p:txBody>
       </p:sp>
@@ -5242,6 +6331,7 @@
           <a:p>
             <a:fld id="{86CB4B4D-7CA3-9044-876B-883B54F8677D}" type="slidenum">
               <a:rPr/>
+              <a:t>13</a:t>
             </a:fld>
             <a:endParaRPr/>
           </a:p>
@@ -5339,10 +6429,34 @@
                 <a:tableStyleId>{4C3C2611-4C71-4FC5-86AE-919BDF0F9419}</a:tableStyleId>
               </a:tblPr>
               <a:tblGrid>
-                <a:gridCol w="1353646"/>
-                <a:gridCol w="2190517"/>
-                <a:gridCol w="1905025"/>
-                <a:gridCol w="4216214"/>
+                <a:gridCol w="1353646">
+                  <a:extLst>
+                    <a:ext uri="{9D8B030D-6E8A-4147-A177-3AD203B41FA5}">
+                      <a16:colId xmlns:a16="http://schemas.microsoft.com/office/drawing/2014/main" val="20000"/>
+                    </a:ext>
+                  </a:extLst>
+                </a:gridCol>
+                <a:gridCol w="2190517">
+                  <a:extLst>
+                    <a:ext uri="{9D8B030D-6E8A-4147-A177-3AD203B41FA5}">
+                      <a16:colId xmlns:a16="http://schemas.microsoft.com/office/drawing/2014/main" val="20001"/>
+                    </a:ext>
+                  </a:extLst>
+                </a:gridCol>
+                <a:gridCol w="1905025">
+                  <a:extLst>
+                    <a:ext uri="{9D8B030D-6E8A-4147-A177-3AD203B41FA5}">
+                      <a16:colId xmlns:a16="http://schemas.microsoft.com/office/drawing/2014/main" val="20002"/>
+                    </a:ext>
+                  </a:extLst>
+                </a:gridCol>
+                <a:gridCol w="4216214">
+                  <a:extLst>
+                    <a:ext uri="{9D8B030D-6E8A-4147-A177-3AD203B41FA5}">
+                      <a16:colId xmlns:a16="http://schemas.microsoft.com/office/drawing/2014/main" val="20003"/>
+                    </a:ext>
+                  </a:extLst>
+                </a:gridCol>
               </a:tblGrid>
               <a:tr h="491122">
                 <a:tc>
@@ -5368,11 +6482,6 @@
                         </a:rPr>
                         <a:t>Design Pattern</a:t>
                       </a:r>
-                      <a:endParaRPr sz="1200" b="1">
-                        <a:solidFill>
-                          <a:srgbClr val="333333"/>
-                        </a:solidFill>
-                      </a:endParaRPr>
                     </a:p>
                   </a:txBody>
                   <a:tcPr marL="31081" marR="31081" marT="31081" marB="31081" anchor="ctr" horzOverflow="overflow">
@@ -5412,6 +6521,7 @@
                         </a:lnSpc>
                         <a:defRPr b="1"/>
                       </a:pPr>
+                      <a:endParaRPr/>
                     </a:p>
                   </a:txBody>
                   <a:tcPr marL="31081" marR="31081" marT="31081" marB="31081" anchor="ctr" horzOverflow="overflow">
@@ -5463,11 +6573,6 @@
                         </a:rPr>
                         <a:t>Related Function</a:t>
                       </a:r>
-                      <a:endParaRPr sz="1200" b="1">
-                        <a:solidFill>
-                          <a:srgbClr val="333333"/>
-                        </a:solidFill>
-                      </a:endParaRPr>
                     </a:p>
                   </a:txBody>
                   <a:tcPr marL="31081" marR="31081" marT="31081" marB="31081" anchor="ctr" horzOverflow="overflow">
@@ -5507,6 +6612,7 @@
                         </a:lnSpc>
                         <a:defRPr sz="1100"/>
                       </a:pPr>
+                      <a:endParaRPr/>
                     </a:p>
                   </a:txBody>
                   <a:tcPr marL="31081" marR="31081" marT="31081" marB="31081" anchor="ctr" horzOverflow="overflow">
@@ -5535,6 +6641,11 @@
                     </a:solidFill>
                   </a:tcPr>
                 </a:tc>
+                <a:extLst>
+                  <a:ext uri="{0D108BD9-81ED-4DB2-BD59-A6C34878D82A}">
+                    <a16:rowId xmlns:a16="http://schemas.microsoft.com/office/drawing/2014/main" val="10000"/>
+                  </a:ext>
+                </a:extLst>
               </a:tr>
               <a:tr h="1200082">
                 <a:tc>
@@ -5568,19 +6679,6 @@
                         </a:rPr>
                         <a:t>Singleton</a:t>
                       </a:r>
-                      <a:endParaRPr sz="1200" b="0" i="0" u="none" strike="noStrike" cap="none" spc="0" baseline="0" dirty="0">
-                        <a:ln>
-                          <a:noFill/>
-                        </a:ln>
-                        <a:solidFill>
-                          <a:srgbClr val="333333"/>
-                        </a:solidFill>
-                        <a:uFillTx/>
-                        <a:latin typeface="+mj-lt"/>
-                        <a:ea typeface="+mj-ea"/>
-                        <a:cs typeface="+mj-cs"/>
-                        <a:sym typeface="等线" panose="02010600030101010101" charset="-122"/>
-                      </a:endParaRPr>
                     </a:p>
                   </a:txBody>
                   <a:tcPr marL="31081" marR="31081" marT="31081" marB="31081" anchor="ctr" horzOverflow="overflow">
@@ -5632,11 +6730,6 @@
                         </a:rPr>
                         <a:t>是一种创建型模式，它提供了一种创建对象的最佳方式。这种模式涉及到一个单一的类，该类负责创建自己的对象，同时确保只有单个对象被创建。</a:t>
                       </a:r>
-                      <a:endParaRPr sz="1200">
-                        <a:solidFill>
-                          <a:srgbClr val="333333"/>
-                        </a:solidFill>
-                      </a:endParaRPr>
                     </a:p>
                   </a:txBody>
                   <a:tcPr marL="31081" marR="31081" marT="31081" marB="31081" anchor="ctr" horzOverflow="overflow">
@@ -5724,11 +6817,6 @@
                         </a:rPr>
                         <a:t>该模式运用于唯一的Farmer上，提供了对Farmer的全局访问点。访问各类函数我们将Farmer定义为一个单例。</a:t>
                       </a:r>
-                      <a:endParaRPr sz="1200" dirty="0">
-                        <a:solidFill>
-                          <a:srgbClr val="333333"/>
-                        </a:solidFill>
-                      </a:endParaRPr>
                     </a:p>
                   </a:txBody>
                   <a:tcPr marL="31081" marR="31081" marT="31081" marB="31081" anchor="ctr" horzOverflow="overflow">
@@ -5757,6 +6845,11 @@
                     </a:solidFill>
                   </a:tcPr>
                 </a:tc>
+                <a:extLst>
+                  <a:ext uri="{0D108BD9-81ED-4DB2-BD59-A6C34878D82A}">
+                    <a16:rowId xmlns:a16="http://schemas.microsoft.com/office/drawing/2014/main" val="10001"/>
+                  </a:ext>
+                </a:extLst>
               </a:tr>
               <a:tr h="1517582">
                 <a:tc>
@@ -5782,11 +6875,6 @@
                         </a:rPr>
                         <a:t>Facade</a:t>
                       </a:r>
-                      <a:endParaRPr sz="1200">
-                        <a:solidFill>
-                          <a:srgbClr val="333333"/>
-                        </a:solidFill>
-                      </a:endParaRPr>
                     </a:p>
                   </a:txBody>
                   <a:tcPr marL="31081" marR="31081" marT="31081" marB="31081" anchor="ctr" horzOverflow="overflow">
@@ -5838,11 +6926,6 @@
                         </a:rPr>
                         <a:t>它向现有的系统添加一个接口，来隐藏系统的复杂性。这种模式涉及到一个单一的类，该类提供了客户端请求的简化方法和对现有系统类方法的委托调用。</a:t>
                       </a:r>
-                      <a:endParaRPr sz="1200">
-                        <a:solidFill>
-                          <a:srgbClr val="333333"/>
-                        </a:solidFill>
-                      </a:endParaRPr>
                     </a:p>
                   </a:txBody>
                   <a:tcPr marL="31081" marR="31081" marT="31081" marB="31081" anchor="ctr" horzOverflow="overflow">
@@ -5898,11 +6981,6 @@
 raiseSheep
 raiseEveryAnimal</a:t>
                       </a:r>
-                      <a:endParaRPr sz="1200" dirty="0">
-                        <a:solidFill>
-                          <a:srgbClr val="333333"/>
-                        </a:solidFill>
-                      </a:endParaRPr>
                     </a:p>
                   </a:txBody>
                   <a:tcPr marL="31081" marR="31081" marT="31081" marB="31081" anchor="ctr" horzOverflow="overflow">
@@ -5954,11 +7032,6 @@
                         </a:rPr>
                         <a:t>我们为子系统中的一组接口RaiseFish, RaisePig, RaiseChicken, RaiseSheep提供一个一致的界面，Facade模式通过Farmer类进行调用，使得这一子系统更加容易使用。</a:t>
                       </a:r>
-                      <a:endParaRPr sz="1200" dirty="0">
-                        <a:solidFill>
-                          <a:srgbClr val="333333"/>
-                        </a:solidFill>
-                      </a:endParaRPr>
                     </a:p>
                   </a:txBody>
                   <a:tcPr marL="31081" marR="31081" marT="31081" marB="31081" anchor="ctr" horzOverflow="overflow">
@@ -5987,6 +7060,11 @@
                     </a:solidFill>
                   </a:tcPr>
                 </a:tc>
+                <a:extLst>
+                  <a:ext uri="{0D108BD9-81ED-4DB2-BD59-A6C34878D82A}">
+                    <a16:rowId xmlns:a16="http://schemas.microsoft.com/office/drawing/2014/main" val="10002"/>
+                  </a:ext>
+                </a:extLst>
               </a:tr>
               <a:tr h="1428682">
                 <a:tc>
@@ -6012,11 +7090,6 @@
                         </a:rPr>
                         <a:t>Proxy</a:t>
                       </a:r>
-                      <a:endParaRPr sz="1200">
-                        <a:solidFill>
-                          <a:srgbClr val="333333"/>
-                        </a:solidFill>
-                      </a:endParaRPr>
                     </a:p>
                   </a:txBody>
                   <a:tcPr marL="31081" marR="31081" marT="31081" marB="31081" anchor="ctr" horzOverflow="overflow">
@@ -6068,11 +7141,6 @@
                         </a:rPr>
                         <a:t>在代理模式中，我们创建具有现有对象的对象，以便向外界提供功能接口。为其他对象提供一种代理以控制对这个对象的访问。</a:t>
                       </a:r>
-                      <a:endParaRPr sz="1200">
-                        <a:solidFill>
-                          <a:srgbClr val="333333"/>
-                        </a:solidFill>
-                      </a:endParaRPr>
                     </a:p>
                   </a:txBody>
                   <a:tcPr marL="31081" marR="31081" marT="31081" marB="31081" anchor="ctr" horzOverflow="overflow">
@@ -6129,15 +7197,6 @@
                         <a:t>employeeSomeOne
 produceAnimal</a:t>
                       </a:r>
-                      <a:endParaRPr sz="1200">
-                        <a:solidFill>
-                          <a:srgbClr val="333333"/>
-                        </a:solidFill>
-                        <a:latin typeface="Helvetica Neue"/>
-                        <a:ea typeface="Helvetica Neue"/>
-                        <a:cs typeface="Helvetica Neue"/>
-                        <a:sym typeface="Helvetica Neue"/>
-                      </a:endParaRPr>
                     </a:p>
                   </a:txBody>
                   <a:tcPr marL="31081" marR="31081" marT="31081" marB="31081" anchor="ctr" horzOverflow="overflow">
@@ -6190,12 +7249,6 @@
                         </a:rPr>
                         <a:t>我们想要ProduceAnimal时，我们需要农场主做代理指派雇员进行工作，雇员是这个操作的执行者。</a:t>
                       </a:r>
-                      <a:endParaRPr sz="1200" b="0" i="0" u="none" strike="noStrike" cap="none" spc="0" baseline="0" dirty="0">
-                        <a:solidFill>
-                          <a:srgbClr val="333333"/>
-                        </a:solidFill>
-                        <a:sym typeface="Helvetica Neue"/>
-                      </a:endParaRPr>
                     </a:p>
                   </a:txBody>
                   <a:tcPr marL="31081" marR="31081" marT="31081" marB="31081" anchor="ctr" horzOverflow="overflow">
@@ -6224,6 +7277,11 @@
                     </a:solidFill>
                   </a:tcPr>
                 </a:tc>
+                <a:extLst>
+                  <a:ext uri="{0D108BD9-81ED-4DB2-BD59-A6C34878D82A}">
+                    <a16:rowId xmlns:a16="http://schemas.microsoft.com/office/drawing/2014/main" val="10003"/>
+                  </a:ext>
+                </a:extLst>
               </a:tr>
               <a:tr h="821100">
                 <a:tc>
@@ -6249,11 +7307,6 @@
                         </a:rPr>
                         <a:t>Observer</a:t>
                       </a:r>
-                      <a:endParaRPr sz="1200">
-                        <a:solidFill>
-                          <a:srgbClr val="333333"/>
-                        </a:solidFill>
-                      </a:endParaRPr>
                     </a:p>
                   </a:txBody>
                   <a:tcPr marL="31081" marR="31081" marT="31081" marB="31081" anchor="ctr" horzOverflow="overflow">
@@ -6305,11 +7358,6 @@
                         </a:rPr>
                         <a:t>当一个对象被修改时，则会自动通知它的依赖对象。观察者模式属于行为型模式。</a:t>
                       </a:r>
-                      <a:endParaRPr sz="1200">
-                        <a:solidFill>
-                          <a:srgbClr val="333333"/>
-                        </a:solidFill>
-                      </a:endParaRPr>
                     </a:p>
                   </a:txBody>
                   <a:tcPr marL="31081" marR="31081" marT="31081" marB="31081" anchor="ctr" horzOverflow="overflow">
@@ -6362,11 +7410,6 @@
                         <a:t>bark;
 Harvest</a:t>
                       </a:r>
-                      <a:endParaRPr sz="1200">
-                        <a:solidFill>
-                          <a:srgbClr val="333333"/>
-                        </a:solidFill>
-                      </a:endParaRPr>
                     </a:p>
                   </a:txBody>
                   <a:tcPr marL="31081" marR="31081" marT="31081" marB="31081" anchor="ctr" horzOverflow="overflow">
@@ -6426,11 +7469,6 @@
                         </a:rPr>
                         <a:t>。</a:t>
                       </a:r>
-                      <a:endParaRPr sz="1200" dirty="0">
-                        <a:solidFill>
-                          <a:srgbClr val="333333"/>
-                        </a:solidFill>
-                      </a:endParaRPr>
                     </a:p>
                   </a:txBody>
                   <a:tcPr marL="31081" marR="31081" marT="31081" marB="31081" anchor="ctr" horzOverflow="overflow">
@@ -6459,6 +7497,11 @@
                     </a:solidFill>
                   </a:tcPr>
                 </a:tc>
+                <a:extLst>
+                  <a:ext uri="{0D108BD9-81ED-4DB2-BD59-A6C34878D82A}">
+                    <a16:rowId xmlns:a16="http://schemas.microsoft.com/office/drawing/2014/main" val="10004"/>
+                  </a:ext>
+                </a:extLst>
               </a:tr>
             </a:tbl>
           </a:graphicData>
@@ -6470,6 +7513,13 @@
     <a:masterClrMapping/>
   </p:clrMapOvr>
   <p:transition spd="med"/>
+  <p:timing>
+    <p:tnLst>
+      <p:par>
+        <p:cTn id="1" dur="indefinite" restart="never" nodeType="tmRoot"/>
+      </p:par>
+    </p:tnLst>
+  </p:timing>
 </p:sld>
 </file>
 
@@ -6525,6 +7575,7 @@
                 </a:solidFill>
               </a:defRPr>
             </a:pPr>
+            <a:endParaRPr/>
           </a:p>
         </p:txBody>
       </p:sp>
@@ -6563,6 +7614,7 @@
                 </a:solidFill>
               </a:defRPr>
             </a:pPr>
+            <a:endParaRPr/>
           </a:p>
         </p:txBody>
       </p:sp>
@@ -6599,6 +7651,7 @@
           <a:p>
             <a:fld id="{86CB4B4D-7CA3-9044-876B-883B54F8677D}" type="slidenum">
               <a:rPr/>
+              <a:t>14</a:t>
             </a:fld>
             <a:endParaRPr/>
           </a:p>
@@ -6687,7 +7740,7 @@
         </p:nvGraphicFramePr>
         <p:xfrm>
           <a:off x="1263298" y="1313055"/>
-          <a:ext cx="9665402" cy="3338454"/>
+          <a:ext cx="9665402" cy="3460246"/>
         </p:xfrm>
         <a:graphic>
           <a:graphicData uri="http://schemas.openxmlformats.org/drawingml/2006/table">
@@ -6696,10 +7749,34 @@
                 <a:tableStyleId>{4C3C2611-4C71-4FC5-86AE-919BDF0F9419}</a:tableStyleId>
               </a:tblPr>
               <a:tblGrid>
-                <a:gridCol w="1353646"/>
-                <a:gridCol w="2190517"/>
-                <a:gridCol w="1905025"/>
-                <a:gridCol w="4216214"/>
+                <a:gridCol w="1353646">
+                  <a:extLst>
+                    <a:ext uri="{9D8B030D-6E8A-4147-A177-3AD203B41FA5}">
+                      <a16:colId xmlns:a16="http://schemas.microsoft.com/office/drawing/2014/main" val="20000"/>
+                    </a:ext>
+                  </a:extLst>
+                </a:gridCol>
+                <a:gridCol w="2190517">
+                  <a:extLst>
+                    <a:ext uri="{9D8B030D-6E8A-4147-A177-3AD203B41FA5}">
+                      <a16:colId xmlns:a16="http://schemas.microsoft.com/office/drawing/2014/main" val="20001"/>
+                    </a:ext>
+                  </a:extLst>
+                </a:gridCol>
+                <a:gridCol w="1905025">
+                  <a:extLst>
+                    <a:ext uri="{9D8B030D-6E8A-4147-A177-3AD203B41FA5}">
+                      <a16:colId xmlns:a16="http://schemas.microsoft.com/office/drawing/2014/main" val="20002"/>
+                    </a:ext>
+                  </a:extLst>
+                </a:gridCol>
+                <a:gridCol w="4216214">
+                  <a:extLst>
+                    <a:ext uri="{9D8B030D-6E8A-4147-A177-3AD203B41FA5}">
+                      <a16:colId xmlns:a16="http://schemas.microsoft.com/office/drawing/2014/main" val="20003"/>
+                    </a:ext>
+                  </a:extLst>
+                </a:gridCol>
               </a:tblGrid>
               <a:tr h="491122">
                 <a:tc>
@@ -6725,11 +7802,6 @@
                         </a:rPr>
                         <a:t>Design Pattern</a:t>
                       </a:r>
-                      <a:endParaRPr sz="1200" b="1">
-                        <a:solidFill>
-                          <a:srgbClr val="333333"/>
-                        </a:solidFill>
-                      </a:endParaRPr>
                     </a:p>
                   </a:txBody>
                   <a:tcPr marL="31081" marR="31081" marT="31081" marB="31081" anchor="ctr" horzOverflow="overflow">
@@ -6769,6 +7841,7 @@
                         </a:lnSpc>
                         <a:defRPr b="1"/>
                       </a:pPr>
+                      <a:endParaRPr/>
                     </a:p>
                   </a:txBody>
                   <a:tcPr marL="31081" marR="31081" marT="31081" marB="31081" anchor="ctr" horzOverflow="overflow">
@@ -6820,11 +7893,6 @@
                         </a:rPr>
                         <a:t>Related Function</a:t>
                       </a:r>
-                      <a:endParaRPr sz="1200" b="1">
-                        <a:solidFill>
-                          <a:srgbClr val="333333"/>
-                        </a:solidFill>
-                      </a:endParaRPr>
                     </a:p>
                   </a:txBody>
                   <a:tcPr marL="31081" marR="31081" marT="31081" marB="31081" anchor="ctr" horzOverflow="overflow">
@@ -6864,6 +7932,7 @@
                         </a:lnSpc>
                         <a:defRPr sz="1100"/>
                       </a:pPr>
+                      <a:endParaRPr/>
                     </a:p>
                   </a:txBody>
                   <a:tcPr marL="31081" marR="31081" marT="31081" marB="31081" anchor="ctr" horzOverflow="overflow">
@@ -6892,6 +7961,11 @@
                     </a:solidFill>
                   </a:tcPr>
                 </a:tc>
+                <a:extLst>
+                  <a:ext uri="{0D108BD9-81ED-4DB2-BD59-A6C34878D82A}">
+                    <a16:rowId xmlns:a16="http://schemas.microsoft.com/office/drawing/2014/main" val="10000"/>
+                  </a:ext>
+                </a:extLst>
               </a:tr>
               <a:tr h="1200082">
                 <a:tc>
@@ -6917,11 +7991,6 @@
                         </a:rPr>
                         <a:t>Iterator</a:t>
                       </a:r>
-                      <a:endParaRPr sz="1200">
-                        <a:solidFill>
-                          <a:srgbClr val="333333"/>
-                        </a:solidFill>
-                      </a:endParaRPr>
                     </a:p>
                   </a:txBody>
                   <a:tcPr marL="31081" marR="31081" marT="31081" marB="31081" anchor="ctr" horzOverflow="overflow">
@@ -6973,11 +8042,6 @@
                         </a:rPr>
                         <a:t>这种模式用于顺序访问集合对象的元素，不需要知道集合对象的底层表示。</a:t>
                       </a:r>
-                      <a:endParaRPr sz="1200">
-                        <a:solidFill>
-                          <a:srgbClr val="333333"/>
-                        </a:solidFill>
-                      </a:endParaRPr>
                     </a:p>
                   </a:txBody>
                   <a:tcPr marL="31081" marR="31081" marT="31081" marB="31081" anchor="ctr" horzOverflow="overflow">
@@ -7090,11 +8154,6 @@
                         </a:rPr>
                         <a:t>在AnimalList类中使用迭代器模式，并且在Employee类中获取迭代器并且使用。</a:t>
                       </a:r>
-                      <a:endParaRPr sz="1200">
-                        <a:solidFill>
-                          <a:srgbClr val="333333"/>
-                        </a:solidFill>
-                      </a:endParaRPr>
                     </a:p>
                   </a:txBody>
                   <a:tcPr marL="31081" marR="31081" marT="31081" marB="31081" anchor="ctr" horzOverflow="overflow">
@@ -7123,6 +8182,11 @@
                     </a:solidFill>
                   </a:tcPr>
                 </a:tc>
+                <a:extLst>
+                  <a:ext uri="{0D108BD9-81ED-4DB2-BD59-A6C34878D82A}">
+                    <a16:rowId xmlns:a16="http://schemas.microsoft.com/office/drawing/2014/main" val="10001"/>
+                  </a:ext>
+                </a:extLst>
               </a:tr>
               <a:tr h="1517582">
                 <a:tc>
@@ -7148,11 +8212,6 @@
                         </a:rPr>
                         <a:t>Visitor</a:t>
                       </a:r>
-                      <a:endParaRPr sz="1200">
-                        <a:solidFill>
-                          <a:srgbClr val="333333"/>
-                        </a:solidFill>
-                      </a:endParaRPr>
                     </a:p>
                   </a:txBody>
                   <a:tcPr marL="31081" marR="31081" marT="31081" marB="31081" anchor="ctr" horzOverflow="overflow">
@@ -7204,11 +8263,6 @@
                         </a:rPr>
                         <a:t>通过这种方式，元素的执行算法可以随着访问者改变而改变。这种类型的设计模式属于行为型模式。</a:t>
                       </a:r>
-                      <a:endParaRPr sz="1200">
-                        <a:solidFill>
-                          <a:srgbClr val="333333"/>
-                        </a:solidFill>
-                      </a:endParaRPr>
                     </a:p>
                   </a:txBody>
                   <a:tcPr marL="31081" marR="31081" marT="31081" marB="31081" anchor="ctr" horzOverflow="overflow">
@@ -7317,11 +8371,6 @@
                         </a:rPr>
                         <a:t>使用实体访问类EmployeeNumberVisitor来执行相应操作</a:t>
                       </a:r>
-                      <a:endParaRPr sz="1200">
-                        <a:solidFill>
-                          <a:srgbClr val="333333"/>
-                        </a:solidFill>
-                      </a:endParaRPr>
                     </a:p>
                   </a:txBody>
                   <a:tcPr marL="31081" marR="31081" marT="31081" marB="31081" anchor="ctr" horzOverflow="overflow">
@@ -7350,6 +8399,11 @@
                     </a:solidFill>
                   </a:tcPr>
                 </a:tc>
+                <a:extLst>
+                  <a:ext uri="{0D108BD9-81ED-4DB2-BD59-A6C34878D82A}">
+                    <a16:rowId xmlns:a16="http://schemas.microsoft.com/office/drawing/2014/main" val="10002"/>
+                  </a:ext>
+                </a:extLst>
               </a:tr>
             </a:tbl>
           </a:graphicData>
@@ -7361,6 +8415,13 @@
     <a:masterClrMapping/>
   </p:clrMapOvr>
   <p:transition spd="med"/>
+  <p:timing>
+    <p:tnLst>
+      <p:par>
+        <p:cTn id="1" dur="indefinite" restart="never" nodeType="tmRoot"/>
+      </p:par>
+    </p:tnLst>
+  </p:timing>
 </p:sld>
 </file>
 
@@ -7416,6 +8477,7 @@
                 </a:solidFill>
               </a:defRPr>
             </a:pPr>
+            <a:endParaRPr/>
           </a:p>
         </p:txBody>
       </p:sp>
@@ -7454,6 +8516,7 @@
                 </a:solidFill>
               </a:defRPr>
             </a:pPr>
+            <a:endParaRPr/>
           </a:p>
         </p:txBody>
       </p:sp>
@@ -7490,6 +8553,7 @@
           <a:p>
             <a:fld id="{86CB4B4D-7CA3-9044-876B-883B54F8677D}" type="slidenum">
               <a:rPr/>
+              <a:t>15</a:t>
             </a:fld>
             <a:endParaRPr/>
           </a:p>
@@ -7623,6 +8687,7 @@
                   </a:solidFill>
                 </a:defRPr>
               </a:pPr>
+              <a:endParaRPr/>
             </a:p>
           </p:txBody>
         </p:sp>
@@ -7665,6 +8730,7 @@
                   </a:solidFill>
                 </a:defRPr>
               </a:pPr>
+              <a:endParaRPr/>
             </a:p>
           </p:txBody>
         </p:sp>
@@ -7763,6 +8829,7 @@
                   </a:solidFill>
                 </a:defRPr>
               </a:pPr>
+              <a:endParaRPr/>
             </a:p>
           </p:txBody>
         </p:sp>
@@ -7805,6 +8872,7 @@
                   </a:solidFill>
                 </a:defRPr>
               </a:pPr>
+              <a:endParaRPr/>
             </a:p>
           </p:txBody>
         </p:sp>
@@ -7982,7 +9050,7 @@
           <p:nvPr/>
         </p:nvPicPr>
         <p:blipFill>
-          <a:blip r:embed="rId1"/>
+          <a:blip r:embed="rId2"/>
           <a:stretch>
             <a:fillRect/>
           </a:stretch>
@@ -8011,7 +9079,7 @@
           <p:nvPr/>
         </p:nvPicPr>
         <p:blipFill>
-          <a:blip r:embed="rId2"/>
+          <a:blip r:embed="rId3"/>
           <a:stretch>
             <a:fillRect/>
           </a:stretch>
@@ -8040,7 +9108,7 @@
           <p:nvPr/>
         </p:nvPicPr>
         <p:blipFill>
-          <a:blip r:embed="rId3"/>
+          <a:blip r:embed="rId4"/>
           <a:stretch>
             <a:fillRect/>
           </a:stretch>
@@ -8069,7 +9137,7 @@
           <p:nvPr/>
         </p:nvPicPr>
         <p:blipFill>
-          <a:blip r:embed="rId4"/>
+          <a:blip r:embed="rId5"/>
           <a:stretch>
             <a:fillRect/>
           </a:stretch>
@@ -8098,7 +9166,7 @@
           <p:nvPr/>
         </p:nvPicPr>
         <p:blipFill>
-          <a:blip r:embed="rId5"/>
+          <a:blip r:embed="rId6"/>
           <a:stretch>
             <a:fillRect/>
           </a:stretch>
@@ -8127,7 +9195,7 @@
           <p:nvPr/>
         </p:nvPicPr>
         <p:blipFill>
-          <a:blip r:embed="rId6"/>
+          <a:blip r:embed="rId7"/>
           <a:stretch>
             <a:fillRect/>
           </a:stretch>
@@ -8156,7 +9224,7 @@
           <p:nvPr/>
         </p:nvPicPr>
         <p:blipFill>
-          <a:blip r:embed="rId7"/>
+          <a:blip r:embed="rId8"/>
           <a:stretch>
             <a:fillRect/>
           </a:stretch>
@@ -8182,6 +9250,13 @@
     <a:masterClrMapping/>
   </p:clrMapOvr>
   <p:transition spd="med"/>
+  <p:timing>
+    <p:tnLst>
+      <p:par>
+        <p:cTn id="1" dur="indefinite" restart="never" nodeType="tmRoot"/>
+      </p:par>
+    </p:tnLst>
+  </p:timing>
 </p:sld>
 </file>
 
@@ -8237,6 +9312,7 @@
                 </a:solidFill>
               </a:defRPr>
             </a:pPr>
+            <a:endParaRPr/>
           </a:p>
         </p:txBody>
       </p:sp>
@@ -8275,6 +9351,7 @@
                 </a:solidFill>
               </a:defRPr>
             </a:pPr>
+            <a:endParaRPr/>
           </a:p>
         </p:txBody>
       </p:sp>
@@ -8311,6 +9388,7 @@
           <a:p>
             <a:fld id="{86CB4B4D-7CA3-9044-876B-883B54F8677D}" type="slidenum">
               <a:rPr/>
+              <a:t>16</a:t>
             </a:fld>
             <a:endParaRPr/>
           </a:p>
@@ -8444,6 +9522,7 @@
                   </a:solidFill>
                 </a:defRPr>
               </a:pPr>
+              <a:endParaRPr/>
             </a:p>
           </p:txBody>
         </p:sp>
@@ -8486,6 +9565,7 @@
                   </a:solidFill>
                 </a:defRPr>
               </a:pPr>
+              <a:endParaRPr/>
             </a:p>
           </p:txBody>
         </p:sp>
@@ -8584,6 +9664,7 @@
                   </a:solidFill>
                 </a:defRPr>
               </a:pPr>
+              <a:endParaRPr/>
             </a:p>
           </p:txBody>
         </p:sp>
@@ -8626,6 +9707,7 @@
                   </a:solidFill>
                 </a:defRPr>
               </a:pPr>
+              <a:endParaRPr/>
             </a:p>
           </p:txBody>
         </p:sp>
@@ -8680,7 +9762,7 @@
           <p:nvPr/>
         </p:nvPicPr>
         <p:blipFill>
-          <a:blip r:embed="rId1"/>
+          <a:blip r:embed="rId2"/>
           <a:stretch>
             <a:fillRect/>
           </a:stretch>
@@ -8709,7 +9791,7 @@
           <p:nvPr/>
         </p:nvPicPr>
         <p:blipFill>
-          <a:blip r:embed="rId2"/>
+          <a:blip r:embed="rId3"/>
           <a:stretch>
             <a:fillRect/>
           </a:stretch>
@@ -8738,7 +9820,7 @@
           <p:nvPr/>
         </p:nvPicPr>
         <p:blipFill>
-          <a:blip r:embed="rId3"/>
+          <a:blip r:embed="rId4"/>
           <a:stretch>
             <a:fillRect/>
           </a:stretch>
@@ -8764,6 +9846,13 @@
     <a:masterClrMapping/>
   </p:clrMapOvr>
   <p:transition spd="med"/>
+  <p:timing>
+    <p:tnLst>
+      <p:par>
+        <p:cTn id="1" dur="indefinite" restart="never" nodeType="tmRoot"/>
+      </p:par>
+    </p:tnLst>
+  </p:timing>
 </p:sld>
 </file>
 
@@ -8802,7 +9891,7 @@
         </p:spPr>
         <p:txBody>
           <a:bodyPr>
-            <a:normAutofit fontScale="90000"/>
+            <a:normAutofit/>
           </a:bodyPr>
           <a:lstStyle/>
           <a:p>
@@ -9030,6 +10119,7 @@
                   <a:schemeClr val="tx1"/>
                 </a:solidFill>
               </a:rPr>
+              <a:t>17</a:t>
             </a:fld>
             <a:endParaRPr lang="zh-CN" altLang="en-US" sz="1800" dirty="0">
               <a:solidFill>
@@ -9115,6 +10205,7 @@
             <a:bodyPr wrap="square" lIns="0" tIns="0" rIns="0" bIns="0" rtlCol="0">
               <a:spAutoFit/>
             </a:bodyPr>
+            <a:lstStyle/>
             <a:p>
               <a:pPr marL="0" lvl="1" algn="ctr"/>
               <a:r>
@@ -9141,15 +10232,6 @@
                 </a:rPr>
                 <a:t>-Animal</a:t>
               </a:r>
-              <a:endParaRPr lang="en-US" altLang="zh-CN" sz="3200" dirty="0">
-                <a:solidFill>
-                  <a:schemeClr val="tx2">
-                    <a:lumMod val="50000"/>
-                  </a:schemeClr>
-                </a:solidFill>
-                <a:latin typeface="微软雅黑" panose="020B0503020204020204" pitchFamily="34" charset="-122"/>
-                <a:ea typeface="微软雅黑" panose="020B0503020204020204" pitchFamily="34" charset="-122"/>
-              </a:endParaRPr>
             </a:p>
           </p:txBody>
         </p:sp>
@@ -9349,6 +10431,7 @@
                   <a:schemeClr val="tx1"/>
                 </a:solidFill>
               </a:rPr>
+              <a:t>18</a:t>
             </a:fld>
             <a:endParaRPr lang="zh-CN" altLang="en-US" sz="1800" dirty="0">
               <a:solidFill>
@@ -9447,10 +10530,34 @@
             <a:tbl>
               <a:tblPr/>
               <a:tblGrid>
-                <a:gridCol w="1353646"/>
-                <a:gridCol w="1651877"/>
-                <a:gridCol w="2443666"/>
-                <a:gridCol w="4216214"/>
+                <a:gridCol w="1353646">
+                  <a:extLst>
+                    <a:ext uri="{9D8B030D-6E8A-4147-A177-3AD203B41FA5}">
+                      <a16:colId xmlns:a16="http://schemas.microsoft.com/office/drawing/2014/main" val="20000"/>
+                    </a:ext>
+                  </a:extLst>
+                </a:gridCol>
+                <a:gridCol w="1651877">
+                  <a:extLst>
+                    <a:ext uri="{9D8B030D-6E8A-4147-A177-3AD203B41FA5}">
+                      <a16:colId xmlns:a16="http://schemas.microsoft.com/office/drawing/2014/main" val="20001"/>
+                    </a:ext>
+                  </a:extLst>
+                </a:gridCol>
+                <a:gridCol w="2443666">
+                  <a:extLst>
+                    <a:ext uri="{9D8B030D-6E8A-4147-A177-3AD203B41FA5}">
+                      <a16:colId xmlns:a16="http://schemas.microsoft.com/office/drawing/2014/main" val="20002"/>
+                    </a:ext>
+                  </a:extLst>
+                </a:gridCol>
+                <a:gridCol w="4216214">
+                  <a:extLst>
+                    <a:ext uri="{9D8B030D-6E8A-4147-A177-3AD203B41FA5}">
+                      <a16:colId xmlns:a16="http://schemas.microsoft.com/office/drawing/2014/main" val="20003"/>
+                    </a:ext>
+                  </a:extLst>
+                </a:gridCol>
               </a:tblGrid>
               <a:tr h="491123">
                 <a:tc>
@@ -9465,9 +10572,6 @@
                         </a:rPr>
                         <a:t>Design Pattern</a:t>
                       </a:r>
-                      <a:endParaRPr lang="en-US" sz="1200" b="1" dirty="0">
-                        <a:effectLst/>
-                      </a:endParaRPr>
                     </a:p>
                   </a:txBody>
                   <a:tcPr marL="67342" marR="67342" marT="31081" marB="31081" anchor="ctr">
@@ -9689,6 +10793,11 @@
                     </a:solidFill>
                   </a:tcPr>
                 </a:tc>
+                <a:extLst>
+                  <a:ext uri="{0D108BD9-81ED-4DB2-BD59-A6C34878D82A}">
+                    <a16:rowId xmlns:a16="http://schemas.microsoft.com/office/drawing/2014/main" val="10000"/>
+                  </a:ext>
+                </a:extLst>
               </a:tr>
               <a:tr h="655237">
                 <a:tc>
@@ -9703,9 +10812,6 @@
                         </a:rPr>
                         <a:t>Abstract Factory</a:t>
                       </a:r>
-                      <a:endParaRPr lang="en-US" sz="1200">
-                        <a:effectLst/>
-                      </a:endParaRPr>
                     </a:p>
                   </a:txBody>
                   <a:tcPr marL="67342" marR="67342" marT="31081" marB="31081" anchor="ctr">
@@ -9999,6 +11105,11 @@
                     </a:solidFill>
                   </a:tcPr>
                 </a:tc>
+                <a:extLst>
+                  <a:ext uri="{0D108BD9-81ED-4DB2-BD59-A6C34878D82A}">
+                    <a16:rowId xmlns:a16="http://schemas.microsoft.com/office/drawing/2014/main" val="10001"/>
+                  </a:ext>
+                </a:extLst>
               </a:tr>
               <a:tr h="633240">
                 <a:tc>
@@ -10381,6 +11492,11 @@
                     </a:solidFill>
                   </a:tcPr>
                 </a:tc>
+                <a:extLst>
+                  <a:ext uri="{0D108BD9-81ED-4DB2-BD59-A6C34878D82A}">
+                    <a16:rowId xmlns:a16="http://schemas.microsoft.com/office/drawing/2014/main" val="10002"/>
+                  </a:ext>
+                </a:extLst>
               </a:tr>
               <a:tr h="821100">
                 <a:tc>
@@ -10775,6 +11891,11 @@
                     </a:solidFill>
                   </a:tcPr>
                 </a:tc>
+                <a:extLst>
+                  <a:ext uri="{0D108BD9-81ED-4DB2-BD59-A6C34878D82A}">
+                    <a16:rowId xmlns:a16="http://schemas.microsoft.com/office/drawing/2014/main" val="10003"/>
+                  </a:ext>
+                </a:extLst>
               </a:tr>
               <a:tr h="821100">
                 <a:tc>
@@ -11171,6 +12292,11 @@
                     </a:solidFill>
                   </a:tcPr>
                 </a:tc>
+                <a:extLst>
+                  <a:ext uri="{0D108BD9-81ED-4DB2-BD59-A6C34878D82A}">
+                    <a16:rowId xmlns:a16="http://schemas.microsoft.com/office/drawing/2014/main" val="10004"/>
+                  </a:ext>
+                </a:extLst>
               </a:tr>
               <a:tr h="821100">
                 <a:tc>
@@ -11518,15 +12644,6 @@
                         </a:rPr>
                         <a:t>则可以对动物进行复活</a:t>
                       </a:r>
-                      <a:endParaRPr lang="zh-CN" altLang="en-US" sz="1100" b="0" i="0" kern="1200" dirty="0" smtClean="0">
-                        <a:solidFill>
-                          <a:schemeClr val="tx1"/>
-                        </a:solidFill>
-                        <a:effectLst/>
-                        <a:latin typeface="+mn-lt"/>
-                        <a:ea typeface="+mn-ea"/>
-                        <a:cs typeface="+mn-cs"/>
-                      </a:endParaRPr>
                     </a:p>
                   </a:txBody>
                   <a:tcPr marL="67342" marR="67342" marT="31081" marB="31081" anchor="ctr">
@@ -11571,6 +12688,11 @@
                     </a:solidFill>
                   </a:tcPr>
                 </a:tc>
+                <a:extLst>
+                  <a:ext uri="{0D108BD9-81ED-4DB2-BD59-A6C34878D82A}">
+                    <a16:rowId xmlns:a16="http://schemas.microsoft.com/office/drawing/2014/main" val="10005"/>
+                  </a:ext>
+                </a:extLst>
               </a:tr>
               <a:tr h="626280">
                 <a:tc>
@@ -11889,6 +13011,11 @@
                     </a:solidFill>
                   </a:tcPr>
                 </a:tc>
+                <a:extLst>
+                  <a:ext uri="{0D108BD9-81ED-4DB2-BD59-A6C34878D82A}">
+                    <a16:rowId xmlns:a16="http://schemas.microsoft.com/office/drawing/2014/main" val="10006"/>
+                  </a:ext>
+                </a:extLst>
               </a:tr>
             </a:tbl>
           </a:graphicData>
@@ -11943,6 +13070,7 @@
           <a:p>
             <a:fld id="{650F322C-EF84-415F-8BB2-B0D14E2AAE85}" type="slidenum">
               <a:rPr lang="zh-CN" altLang="en-US" smtClean="0"/>
+              <a:t>19</a:t>
             </a:fld>
             <a:endParaRPr lang="zh-CN" altLang="en-US"/>
           </a:p>
@@ -12007,7 +13135,7 @@
         </p:spPr>
         <p:txBody>
           <a:bodyPr vert="horz" lIns="91440" tIns="45720" rIns="91440" bIns="45720" rtlCol="0" anchor="b">
-            <a:normAutofit lnSpcReduction="10000"/>
+            <a:normAutofit/>
           </a:bodyPr>
           <a:lstStyle>
             <a:lvl1pPr algn="ctr" defTabSz="914400" rtl="0" eaLnBrk="1" latinLnBrk="0" hangingPunct="1">
@@ -12054,10 +13182,34 @@
             <a:tbl>
               <a:tblPr/>
               <a:tblGrid>
-                <a:gridCol w="1438692"/>
-                <a:gridCol w="1751600"/>
-                <a:gridCol w="2601255"/>
-                <a:gridCol w="4005216"/>
+                <a:gridCol w="1438692">
+                  <a:extLst>
+                    <a:ext uri="{9D8B030D-6E8A-4147-A177-3AD203B41FA5}">
+                      <a16:colId xmlns:a16="http://schemas.microsoft.com/office/drawing/2014/main" val="20000"/>
+                    </a:ext>
+                  </a:extLst>
+                </a:gridCol>
+                <a:gridCol w="1751600">
+                  <a:extLst>
+                    <a:ext uri="{9D8B030D-6E8A-4147-A177-3AD203B41FA5}">
+                      <a16:colId xmlns:a16="http://schemas.microsoft.com/office/drawing/2014/main" val="20001"/>
+                    </a:ext>
+                  </a:extLst>
+                </a:gridCol>
+                <a:gridCol w="2601255">
+                  <a:extLst>
+                    <a:ext uri="{9D8B030D-6E8A-4147-A177-3AD203B41FA5}">
+                      <a16:colId xmlns:a16="http://schemas.microsoft.com/office/drawing/2014/main" val="20002"/>
+                    </a:ext>
+                  </a:extLst>
+                </a:gridCol>
+                <a:gridCol w="4005216">
+                  <a:extLst>
+                    <a:ext uri="{9D8B030D-6E8A-4147-A177-3AD203B41FA5}">
+                      <a16:colId xmlns:a16="http://schemas.microsoft.com/office/drawing/2014/main" val="20003"/>
+                    </a:ext>
+                  </a:extLst>
+                </a:gridCol>
               </a:tblGrid>
               <a:tr h="491123">
                 <a:tc>
@@ -12072,9 +13224,6 @@
                         </a:rPr>
                         <a:t>Design Pattern</a:t>
                       </a:r>
-                      <a:endParaRPr lang="en-US" sz="1200" b="1" dirty="0">
-                        <a:effectLst/>
-                      </a:endParaRPr>
                     </a:p>
                   </a:txBody>
                   <a:tcPr marL="67342" marR="67342" marT="31081" marB="31081" anchor="ctr">
@@ -12296,6 +13445,11 @@
                     </a:solidFill>
                   </a:tcPr>
                 </a:tc>
+                <a:extLst>
+                  <a:ext uri="{0D108BD9-81ED-4DB2-BD59-A6C34878D82A}">
+                    <a16:rowId xmlns:a16="http://schemas.microsoft.com/office/drawing/2014/main" val="10000"/>
+                  </a:ext>
+                </a:extLst>
               </a:tr>
               <a:tr h="491123">
                 <a:tc>
@@ -12680,6 +13834,11 @@
                     </a:solidFill>
                   </a:tcPr>
                 </a:tc>
+                <a:extLst>
+                  <a:ext uri="{0D108BD9-81ED-4DB2-BD59-A6C34878D82A}">
+                    <a16:rowId xmlns:a16="http://schemas.microsoft.com/office/drawing/2014/main" val="10001"/>
+                  </a:ext>
+                </a:extLst>
               </a:tr>
               <a:tr h="491123">
                 <a:tc>
@@ -13083,6 +14242,11 @@
                     </a:solidFill>
                   </a:tcPr>
                 </a:tc>
+                <a:extLst>
+                  <a:ext uri="{0D108BD9-81ED-4DB2-BD59-A6C34878D82A}">
+                    <a16:rowId xmlns:a16="http://schemas.microsoft.com/office/drawing/2014/main" val="10002"/>
+                  </a:ext>
+                </a:extLst>
               </a:tr>
               <a:tr h="491123">
                 <a:tc>
@@ -13446,6 +14610,11 @@
                     </a:solidFill>
                   </a:tcPr>
                 </a:tc>
+                <a:extLst>
+                  <a:ext uri="{0D108BD9-81ED-4DB2-BD59-A6C34878D82A}">
+                    <a16:rowId xmlns:a16="http://schemas.microsoft.com/office/drawing/2014/main" val="10003"/>
+                  </a:ext>
+                </a:extLst>
               </a:tr>
             </a:tbl>
           </a:graphicData>
@@ -13574,6 +14743,7 @@
                   <a:schemeClr val="tx1"/>
                 </a:solidFill>
               </a:rPr>
+              <a:t>19</a:t>
             </a:fld>
             <a:endParaRPr lang="zh-CN" altLang="en-US" sz="1800" dirty="0">
               <a:solidFill>
@@ -13633,7 +14803,7 @@
         </p:spPr>
         <p:txBody>
           <a:bodyPr>
-            <a:normAutofit fontScale="90000"/>
+            <a:normAutofit/>
           </a:bodyPr>
           <a:lstStyle/>
           <a:p>
@@ -13644,10 +14814,6 @@
               </a:rPr>
               <a:t>目 录</a:t>
             </a:r>
-            <a:endParaRPr lang="zh-CN" altLang="en-US" sz="6600" dirty="0">
-              <a:latin typeface="微软雅黑" panose="020B0503020204020204" pitchFamily="34" charset="-122"/>
-              <a:ea typeface="微软雅黑" panose="020B0503020204020204" pitchFamily="34" charset="-122"/>
-            </a:endParaRPr>
           </a:p>
         </p:txBody>
       </p:sp>
@@ -13783,6 +14949,7 @@
                   <a:schemeClr val="tx1"/>
                 </a:solidFill>
               </a:rPr>
+              <a:t>2</a:t>
             </a:fld>
             <a:endParaRPr lang="zh-CN" altLang="en-US" sz="1800" dirty="0">
               <a:solidFill>
@@ -13886,10 +15053,6 @@
               </a:rPr>
               <a:t>设计模式汇总</a:t>
             </a:r>
-            <a:endParaRPr lang="zh-CN" altLang="en-US" dirty="0">
-              <a:latin typeface="微软雅黑" panose="020B0503020204020204" pitchFamily="34" charset="-122"/>
-              <a:ea typeface="微软雅黑" panose="020B0503020204020204" pitchFamily="34" charset="-122"/>
-            </a:endParaRPr>
           </a:p>
         </p:txBody>
       </p:sp>
@@ -13944,10 +15107,6 @@
               </a:rPr>
               <a:t>设计模式实现</a:t>
             </a:r>
-            <a:endParaRPr lang="zh-CN" altLang="en-US" dirty="0">
-              <a:latin typeface="微软雅黑" panose="020B0503020204020204" pitchFamily="34" charset="-122"/>
-              <a:ea typeface="微软雅黑" panose="020B0503020204020204" pitchFamily="34" charset="-122"/>
-            </a:endParaRPr>
           </a:p>
         </p:txBody>
       </p:sp>
@@ -13992,13 +15151,6 @@
               </a:rPr>
               <a:t>题材综述</a:t>
             </a:r>
-            <a:endParaRPr lang="zh-CN" altLang="en-US" sz="3000" dirty="0">
-              <a:solidFill>
-                <a:schemeClr val="bg1"/>
-              </a:solidFill>
-              <a:latin typeface="微软雅黑" panose="020B0503020204020204" pitchFamily="34" charset="-122"/>
-              <a:ea typeface="微软雅黑" panose="020B0503020204020204" pitchFamily="34" charset="-122"/>
-            </a:endParaRPr>
           </a:p>
         </p:txBody>
       </p:sp>
@@ -14053,10 +15205,6 @@
               </a:rPr>
               <a:t>02</a:t>
             </a:r>
-            <a:endParaRPr lang="zh-CN" altLang="en-US" dirty="0">
-              <a:latin typeface="微软雅黑" panose="020B0503020204020204" pitchFamily="34" charset="-122"/>
-              <a:ea typeface="微软雅黑" panose="020B0503020204020204" pitchFamily="34" charset="-122"/>
-            </a:endParaRPr>
           </a:p>
         </p:txBody>
       </p:sp>
@@ -14111,10 +15259,6 @@
               </a:rPr>
               <a:t>03</a:t>
             </a:r>
-            <a:endParaRPr lang="zh-CN" altLang="en-US" dirty="0">
-              <a:latin typeface="微软雅黑" panose="020B0503020204020204" pitchFamily="34" charset="-122"/>
-              <a:ea typeface="微软雅黑" panose="020B0503020204020204" pitchFamily="34" charset="-122"/>
-            </a:endParaRPr>
           </a:p>
         </p:txBody>
       </p:sp>
@@ -14159,13 +15303,6 @@
               </a:rPr>
               <a:t>01</a:t>
             </a:r>
-            <a:endParaRPr lang="zh-CN" altLang="en-US" sz="3000" dirty="0">
-              <a:solidFill>
-                <a:schemeClr val="bg1"/>
-              </a:solidFill>
-              <a:latin typeface="微软雅黑" panose="020B0503020204020204" pitchFamily="34" charset="-122"/>
-              <a:ea typeface="微软雅黑" panose="020B0503020204020204" pitchFamily="34" charset="-122"/>
-            </a:endParaRPr>
           </a:p>
         </p:txBody>
       </p:sp>
@@ -14174,6 +15311,13 @@
   <p:clrMapOvr>
     <a:masterClrMapping/>
   </p:clrMapOvr>
+  <p:timing>
+    <p:tnLst>
+      <p:par>
+        <p:cTn id="1" dur="indefinite" restart="never" nodeType="tmRoot"/>
+      </p:par>
+    </p:tnLst>
+  </p:timing>
 </p:sld>
 </file>
 
@@ -14308,6 +15452,7 @@
                   <a:prstClr val="black"/>
                 </a:solidFill>
               </a:rPr>
+              <a:t>20</a:t>
             </a:fld>
             <a:endParaRPr lang="zh-CN" altLang="en-US" sz="1800" dirty="0">
               <a:solidFill>
@@ -14729,7 +15874,7 @@
           <p:nvPr/>
         </p:nvPicPr>
         <p:blipFill>
-          <a:blip r:embed="rId1">
+          <a:blip r:embed="rId3">
             <a:extLst>
               <a:ext uri="{28A0092B-C50C-407E-A947-70E740481C1C}">
                 <a14:useLocalDpi xmlns:a14="http://schemas.microsoft.com/office/drawing/2010/main" val="0"/>
@@ -14770,7 +15915,7 @@
           <p:nvPr/>
         </p:nvPicPr>
         <p:blipFill>
-          <a:blip r:embed="rId2">
+          <a:blip r:embed="rId4">
             <a:extLst>
               <a:ext uri="{28A0092B-C50C-407E-A947-70E740481C1C}">
                 <a14:useLocalDpi xmlns:a14="http://schemas.microsoft.com/office/drawing/2010/main" val="0"/>
@@ -14824,7 +15969,7 @@
           <p:nvPr/>
         </p:nvPicPr>
         <p:blipFill>
-          <a:blip r:embed="rId3">
+          <a:blip r:embed="rId5">
             <a:extLst>
               <a:ext uri="{28A0092B-C50C-407E-A947-70E740481C1C}">
                 <a14:useLocalDpi xmlns:a14="http://schemas.microsoft.com/office/drawing/2010/main" val="0"/>
@@ -15004,7 +16149,7 @@
           <p:nvPr/>
         </p:nvPicPr>
         <p:blipFill>
-          <a:blip r:embed="rId4">
+          <a:blip r:embed="rId6">
             <a:extLst>
               <a:ext uri="{28A0092B-C50C-407E-A947-70E740481C1C}">
                 <a14:useLocalDpi xmlns:a14="http://schemas.microsoft.com/office/drawing/2010/main" val="0"/>
@@ -15058,7 +16203,7 @@
           <p:nvPr/>
         </p:nvPicPr>
         <p:blipFill>
-          <a:blip r:embed="rId5">
+          <a:blip r:embed="rId7">
             <a:extLst>
               <a:ext uri="{28A0092B-C50C-407E-A947-70E740481C1C}">
                 <a14:useLocalDpi xmlns:a14="http://schemas.microsoft.com/office/drawing/2010/main" val="0"/>
@@ -15112,7 +16257,7 @@
           <p:nvPr/>
         </p:nvPicPr>
         <p:blipFill>
-          <a:blip r:embed="rId6">
+          <a:blip r:embed="rId8">
             <a:extLst>
               <a:ext uri="{28A0092B-C50C-407E-A947-70E740481C1C}">
                 <a14:useLocalDpi xmlns:a14="http://schemas.microsoft.com/office/drawing/2010/main" val="0"/>
@@ -15166,7 +16311,7 @@
           <p:nvPr/>
         </p:nvPicPr>
         <p:blipFill>
-          <a:blip r:embed="rId7">
+          <a:blip r:embed="rId9">
             <a:extLst>
               <a:ext uri="{28A0092B-C50C-407E-A947-70E740481C1C}">
                 <a14:useLocalDpi xmlns:a14="http://schemas.microsoft.com/office/drawing/2010/main" val="0"/>
@@ -15349,6 +16494,7 @@
                   <a:schemeClr val="tx1"/>
                 </a:solidFill>
               </a:rPr>
+              <a:t>21</a:t>
             </a:fld>
             <a:endParaRPr lang="zh-CN" altLang="en-US" sz="1800" dirty="0">
               <a:solidFill>
@@ -15838,7 +16984,7 @@
           <p:nvPr/>
         </p:nvPicPr>
         <p:blipFill>
-          <a:blip r:embed="rId1">
+          <a:blip r:embed="rId3">
             <a:extLst>
               <a:ext uri="{28A0092B-C50C-407E-A947-70E740481C1C}">
                 <a14:useLocalDpi xmlns:a14="http://schemas.microsoft.com/office/drawing/2010/main" val="0"/>
@@ -15879,7 +17025,7 @@
           <p:nvPr/>
         </p:nvPicPr>
         <p:blipFill>
-          <a:blip r:embed="rId2">
+          <a:blip r:embed="rId4">
             <a:extLst>
               <a:ext uri="{28A0092B-C50C-407E-A947-70E740481C1C}">
                 <a14:useLocalDpi xmlns:a14="http://schemas.microsoft.com/office/drawing/2010/main" val="0"/>
@@ -15933,7 +17079,7 @@
           <p:nvPr/>
         </p:nvPicPr>
         <p:blipFill>
-          <a:blip r:embed="rId3">
+          <a:blip r:embed="rId5">
             <a:extLst>
               <a:ext uri="{28A0092B-C50C-407E-A947-70E740481C1C}">
                 <a14:useLocalDpi xmlns:a14="http://schemas.microsoft.com/office/drawing/2010/main" val="0"/>
@@ -15987,7 +17133,7 @@
           <p:nvPr/>
         </p:nvPicPr>
         <p:blipFill>
-          <a:blip r:embed="rId4">
+          <a:blip r:embed="rId6">
             <a:extLst>
               <a:ext uri="{28A0092B-C50C-407E-A947-70E740481C1C}">
                 <a14:useLocalDpi xmlns:a14="http://schemas.microsoft.com/office/drawing/2010/main" val="0"/>
@@ -16041,7 +17187,7 @@
           <p:nvPr/>
         </p:nvPicPr>
         <p:blipFill>
-          <a:blip r:embed="rId5">
+          <a:blip r:embed="rId7">
             <a:extLst>
               <a:ext uri="{28A0092B-C50C-407E-A947-70E740481C1C}">
                 <a14:useLocalDpi xmlns:a14="http://schemas.microsoft.com/office/drawing/2010/main" val="0"/>
@@ -16095,7 +17241,7 @@
           <p:nvPr/>
         </p:nvPicPr>
         <p:blipFill>
-          <a:blip r:embed="rId6">
+          <a:blip r:embed="rId8">
             <a:extLst>
               <a:ext uri="{28A0092B-C50C-407E-A947-70E740481C1C}">
                 <a14:useLocalDpi xmlns:a14="http://schemas.microsoft.com/office/drawing/2010/main" val="0"/>
@@ -16278,6 +17424,7 @@
                   <a:schemeClr val="tx1"/>
                 </a:solidFill>
               </a:rPr>
+              <a:t>22</a:t>
             </a:fld>
             <a:endParaRPr lang="zh-CN" altLang="en-US" sz="1800" dirty="0">
               <a:solidFill>
@@ -16767,7 +17914,7 @@
           <p:nvPr/>
         </p:nvPicPr>
         <p:blipFill>
-          <a:blip r:embed="rId1">
+          <a:blip r:embed="rId3">
             <a:extLst>
               <a:ext uri="{28A0092B-C50C-407E-A947-70E740481C1C}">
                 <a14:useLocalDpi xmlns:a14="http://schemas.microsoft.com/office/drawing/2010/main" val="0"/>
@@ -16821,7 +17968,7 @@
           <p:nvPr/>
         </p:nvPicPr>
         <p:blipFill>
-          <a:blip r:embed="rId2">
+          <a:blip r:embed="rId4">
             <a:extLst>
               <a:ext uri="{28A0092B-C50C-407E-A947-70E740481C1C}">
                 <a14:useLocalDpi xmlns:a14="http://schemas.microsoft.com/office/drawing/2010/main" val="0"/>
@@ -16875,7 +18022,7 @@
           <p:nvPr/>
         </p:nvPicPr>
         <p:blipFill>
-          <a:blip r:embed="rId3">
+          <a:blip r:embed="rId5">
             <a:extLst>
               <a:ext uri="{28A0092B-C50C-407E-A947-70E740481C1C}">
                 <a14:useLocalDpi xmlns:a14="http://schemas.microsoft.com/office/drawing/2010/main" val="0"/>
@@ -16929,7 +18076,7 @@
           <p:nvPr/>
         </p:nvPicPr>
         <p:blipFill>
-          <a:blip r:embed="rId4">
+          <a:blip r:embed="rId6">
             <a:extLst>
               <a:ext uri="{28A0092B-C50C-407E-A947-70E740481C1C}">
                 <a14:useLocalDpi xmlns:a14="http://schemas.microsoft.com/office/drawing/2010/main" val="0"/>
@@ -16983,7 +18130,7 @@
           <p:nvPr/>
         </p:nvPicPr>
         <p:blipFill>
-          <a:blip r:embed="rId5">
+          <a:blip r:embed="rId7">
             <a:extLst>
               <a:ext uri="{28A0092B-C50C-407E-A947-70E740481C1C}">
                 <a14:useLocalDpi xmlns:a14="http://schemas.microsoft.com/office/drawing/2010/main" val="0"/>
@@ -17153,6 +18300,7 @@
                   <a:schemeClr val="tx1"/>
                 </a:solidFill>
               </a:rPr>
+              <a:t>23</a:t>
             </a:fld>
             <a:endParaRPr lang="zh-CN" altLang="en-US" sz="1800" dirty="0">
               <a:solidFill>
@@ -17558,7 +18706,7 @@
           <p:nvPr/>
         </p:nvPicPr>
         <p:blipFill>
-          <a:blip r:embed="rId1">
+          <a:blip r:embed="rId3">
             <a:extLst>
               <a:ext uri="{28A0092B-C50C-407E-A947-70E740481C1C}">
                 <a14:useLocalDpi xmlns:a14="http://schemas.microsoft.com/office/drawing/2010/main" val="0"/>
@@ -17599,7 +18747,7 @@
           <p:nvPr/>
         </p:nvPicPr>
         <p:blipFill>
-          <a:blip r:embed="rId2">
+          <a:blip r:embed="rId4">
             <a:extLst>
               <a:ext uri="{28A0092B-C50C-407E-A947-70E740481C1C}">
                 <a14:useLocalDpi xmlns:a14="http://schemas.microsoft.com/office/drawing/2010/main" val="0"/>
@@ -17695,7 +18843,7 @@
           <p:nvPr/>
         </p:nvPicPr>
         <p:blipFill>
-          <a:blip r:embed="rId3">
+          <a:blip r:embed="rId5">
             <a:extLst>
               <a:ext uri="{28A0092B-C50C-407E-A947-70E740481C1C}">
                 <a14:useLocalDpi xmlns:a14="http://schemas.microsoft.com/office/drawing/2010/main" val="0"/>
@@ -17749,7 +18897,7 @@
           <p:nvPr/>
         </p:nvPicPr>
         <p:blipFill>
-          <a:blip r:embed="rId4">
+          <a:blip r:embed="rId6">
             <a:extLst>
               <a:ext uri="{28A0092B-C50C-407E-A947-70E740481C1C}">
                 <a14:useLocalDpi xmlns:a14="http://schemas.microsoft.com/office/drawing/2010/main" val="0"/>
@@ -17803,7 +18951,7 @@
           <p:nvPr/>
         </p:nvPicPr>
         <p:blipFill>
-          <a:blip r:embed="rId5">
+          <a:blip r:embed="rId7">
             <a:extLst>
               <a:ext uri="{28A0092B-C50C-407E-A947-70E740481C1C}">
                 <a14:useLocalDpi xmlns:a14="http://schemas.microsoft.com/office/drawing/2010/main" val="0"/>
@@ -17898,7 +19046,7 @@
         </p:spPr>
         <p:txBody>
           <a:bodyPr>
-            <a:normAutofit fontScale="90000"/>
+            <a:normAutofit/>
           </a:bodyPr>
           <a:lstStyle/>
           <a:p>
@@ -18092,6 +19240,7 @@
                   <a:schemeClr val="tx1"/>
                 </a:solidFill>
               </a:rPr>
+              <a:t>24</a:t>
             </a:fld>
             <a:endParaRPr lang="zh-CN" altLang="en-US" sz="1800" dirty="0">
               <a:solidFill>
@@ -18177,6 +19326,7 @@
             <a:bodyPr wrap="square" lIns="0" tIns="0" rIns="0" bIns="0" rtlCol="0">
               <a:spAutoFit/>
             </a:bodyPr>
+            <a:lstStyle/>
             <a:p>
               <a:pPr marL="0" lvl="1" algn="ctr"/>
               <a:r>
@@ -18203,15 +19353,6 @@
                 </a:rPr>
                 <a:t>-Plant</a:t>
               </a:r>
-              <a:endParaRPr lang="en-US" altLang="zh-CN" sz="3200" dirty="0">
-                <a:solidFill>
-                  <a:schemeClr val="tx2">
-                    <a:lumMod val="50000"/>
-                  </a:schemeClr>
-                </a:solidFill>
-                <a:latin typeface="微软雅黑" panose="020B0503020204020204" pitchFamily="34" charset="-122"/>
-                <a:ea typeface="微软雅黑" panose="020B0503020204020204" pitchFamily="34" charset="-122"/>
-              </a:endParaRPr>
             </a:p>
           </p:txBody>
         </p:sp>
@@ -18252,6 +19393,13 @@
   <p:clrMapOvr>
     <a:masterClrMapping/>
   </p:clrMapOvr>
+  <p:timing>
+    <p:tnLst>
+      <p:par>
+        <p:cTn id="1" dur="indefinite" restart="never" nodeType="tmRoot"/>
+      </p:par>
+    </p:tnLst>
+  </p:timing>
 </p:sld>
 </file>
 
@@ -18404,6 +19552,7 @@
                   <a:schemeClr val="tx1"/>
                 </a:solidFill>
               </a:rPr>
+              <a:t>25</a:t>
             </a:fld>
             <a:endParaRPr lang="zh-CN" altLang="en-US" sz="1800" dirty="0">
               <a:solidFill>
@@ -18502,10 +19651,34 @@
             <a:tbl>
               <a:tblPr/>
               <a:tblGrid>
-                <a:gridCol w="1353646"/>
-                <a:gridCol w="1648057"/>
-                <a:gridCol w="2447486"/>
-                <a:gridCol w="3201033"/>
+                <a:gridCol w="1353646">
+                  <a:extLst>
+                    <a:ext uri="{9D8B030D-6E8A-4147-A177-3AD203B41FA5}">
+                      <a16:colId xmlns:a16="http://schemas.microsoft.com/office/drawing/2014/main" val="20000"/>
+                    </a:ext>
+                  </a:extLst>
+                </a:gridCol>
+                <a:gridCol w="1648057">
+                  <a:extLst>
+                    <a:ext uri="{9D8B030D-6E8A-4147-A177-3AD203B41FA5}">
+                      <a16:colId xmlns:a16="http://schemas.microsoft.com/office/drawing/2014/main" val="20001"/>
+                    </a:ext>
+                  </a:extLst>
+                </a:gridCol>
+                <a:gridCol w="2447486">
+                  <a:extLst>
+                    <a:ext uri="{9D8B030D-6E8A-4147-A177-3AD203B41FA5}">
+                      <a16:colId xmlns:a16="http://schemas.microsoft.com/office/drawing/2014/main" val="20002"/>
+                    </a:ext>
+                  </a:extLst>
+                </a:gridCol>
+                <a:gridCol w="3201033">
+                  <a:extLst>
+                    <a:ext uri="{9D8B030D-6E8A-4147-A177-3AD203B41FA5}">
+                      <a16:colId xmlns:a16="http://schemas.microsoft.com/office/drawing/2014/main" val="20003"/>
+                    </a:ext>
+                  </a:extLst>
+                </a:gridCol>
               </a:tblGrid>
               <a:tr h="352820">
                 <a:tc>
@@ -18520,9 +19693,6 @@
                         </a:rPr>
                         <a:t>Design Pattern</a:t>
                       </a:r>
-                      <a:endParaRPr lang="en-US" sz="1200" b="1" dirty="0">
-                        <a:effectLst/>
-                      </a:endParaRPr>
                     </a:p>
                   </a:txBody>
                   <a:tcPr marL="67342" marR="67342" marT="31081" marB="31081" anchor="ctr">
@@ -18744,6 +19914,11 @@
                     </a:solidFill>
                   </a:tcPr>
                 </a:tc>
+                <a:extLst>
+                  <a:ext uri="{0D108BD9-81ED-4DB2-BD59-A6C34878D82A}">
+                    <a16:rowId xmlns:a16="http://schemas.microsoft.com/office/drawing/2014/main" val="10000"/>
+                  </a:ext>
+                </a:extLst>
               </a:tr>
               <a:tr h="655237">
                 <a:tc>
@@ -18758,9 +19933,6 @@
                         </a:rPr>
                         <a:t>Abstract Factory</a:t>
                       </a:r>
-                      <a:endParaRPr lang="en-US" sz="1200">
-                        <a:effectLst/>
-                      </a:endParaRPr>
                     </a:p>
                   </a:txBody>
                   <a:tcPr marL="67342" marR="67342" marT="31081" marB="31081" anchor="ctr">
@@ -19030,6 +20202,11 @@
                     </a:solidFill>
                   </a:tcPr>
                 </a:tc>
+                <a:extLst>
+                  <a:ext uri="{0D108BD9-81ED-4DB2-BD59-A6C34878D82A}">
+                    <a16:rowId xmlns:a16="http://schemas.microsoft.com/office/drawing/2014/main" val="10001"/>
+                  </a:ext>
+                </a:extLst>
               </a:tr>
               <a:tr h="633240">
                 <a:tc>
@@ -19044,9 +20221,6 @@
                         </a:rPr>
                         <a:t>Composite</a:t>
                       </a:r>
-                      <a:endParaRPr lang="en-US" sz="1200" dirty="0">
-                        <a:effectLst/>
-                      </a:endParaRPr>
                     </a:p>
                   </a:txBody>
                   <a:tcPr marL="67342" marR="67342" marT="31081" marB="31081" anchor="ctr">
@@ -19198,9 +20372,6 @@
                         </a:rPr>
                         <a:t>pollinate</a:t>
                       </a:r>
-                      <a:endParaRPr lang="en-US" sz="1200">
-                        <a:effectLst/>
-                      </a:endParaRPr>
                     </a:p>
                   </a:txBody>
                   <a:tcPr marL="67342" marR="67342" marT="31081" marB="31081" anchor="ctr">
@@ -19400,6 +20571,11 @@
                     </a:solidFill>
                   </a:tcPr>
                 </a:tc>
+                <a:extLst>
+                  <a:ext uri="{0D108BD9-81ED-4DB2-BD59-A6C34878D82A}">
+                    <a16:rowId xmlns:a16="http://schemas.microsoft.com/office/drawing/2014/main" val="10002"/>
+                  </a:ext>
+                </a:extLst>
               </a:tr>
               <a:tr h="821100">
                 <a:tc>
@@ -19414,9 +20590,6 @@
                         </a:rPr>
                         <a:t>Mediator</a:t>
                       </a:r>
-                      <a:endParaRPr lang="en-US" sz="1200">
-                        <a:effectLst/>
-                      </a:endParaRPr>
                     </a:p>
                   </a:txBody>
                   <a:tcPr marL="67342" marR="67342" marT="31081" marB="31081" anchor="ctr">
@@ -19752,6 +20925,11 @@
                     </a:solidFill>
                   </a:tcPr>
                 </a:tc>
+                <a:extLst>
+                  <a:ext uri="{0D108BD9-81ED-4DB2-BD59-A6C34878D82A}">
+                    <a16:rowId xmlns:a16="http://schemas.microsoft.com/office/drawing/2014/main" val="10003"/>
+                  </a:ext>
+                </a:extLst>
               </a:tr>
               <a:tr h="633240">
                 <a:tc>
@@ -19766,9 +20944,6 @@
                         </a:rPr>
                         <a:t>State</a:t>
                       </a:r>
-                      <a:endParaRPr lang="en-US" sz="1200">
-                        <a:effectLst/>
-                      </a:endParaRPr>
                     </a:p>
                   </a:txBody>
                   <a:tcPr marL="67342" marR="67342" marT="31081" marB="31081" anchor="ctr">
@@ -20098,6 +21273,11 @@
                     </a:solidFill>
                   </a:tcPr>
                 </a:tc>
+                <a:extLst>
+                  <a:ext uri="{0D108BD9-81ED-4DB2-BD59-A6C34878D82A}">
+                    <a16:rowId xmlns:a16="http://schemas.microsoft.com/office/drawing/2014/main" val="10004"/>
+                  </a:ext>
+                </a:extLst>
               </a:tr>
               <a:tr h="806446">
                 <a:tc>
@@ -20112,9 +21292,6 @@
                         </a:rPr>
                         <a:t>Strategy</a:t>
                       </a:r>
-                      <a:endParaRPr lang="en-US" sz="1200" dirty="0">
-                        <a:effectLst/>
-                      </a:endParaRPr>
                     </a:p>
                   </a:txBody>
                   <a:tcPr marL="67342" marR="67342" marT="31081" marB="31081" anchor="ctr">
@@ -20248,9 +21425,6 @@
                         </a:rPr>
                         <a:t>,</a:t>
                       </a:r>
-                      <a:endParaRPr lang="en-US" sz="1200" dirty="0">
-                        <a:effectLst/>
-                      </a:endParaRPr>
                     </a:p>
                     <a:p>
                       <a:pPr algn="l"/>
@@ -20456,6 +21630,11 @@
                     </a:solidFill>
                   </a:tcPr>
                 </a:tc>
+                <a:extLst>
+                  <a:ext uri="{0D108BD9-81ED-4DB2-BD59-A6C34878D82A}">
+                    <a16:rowId xmlns:a16="http://schemas.microsoft.com/office/drawing/2014/main" val="10005"/>
+                  </a:ext>
+                </a:extLst>
               </a:tr>
               <a:tr h="551489">
                 <a:tc>
@@ -20470,9 +21649,6 @@
                         </a:rPr>
                         <a:t>Template Method</a:t>
                       </a:r>
-                      <a:endParaRPr lang="en-US" sz="1200" dirty="0">
-                        <a:effectLst/>
-                      </a:endParaRPr>
                     </a:p>
                   </a:txBody>
                   <a:tcPr marL="67342" marR="67342" marT="31081" marB="31081" anchor="ctr">
@@ -20600,9 +21776,6 @@
                         </a:rPr>
                         <a:t>fertilized, harvested</a:t>
                       </a:r>
-                      <a:endParaRPr lang="en-US" sz="1200" dirty="0">
-                        <a:effectLst/>
-                      </a:endParaRPr>
                     </a:p>
                   </a:txBody>
                   <a:tcPr marL="67342" marR="67342" marT="31081" marB="31081" anchor="ctr">
@@ -20838,6 +22011,11 @@
                     </a:solidFill>
                   </a:tcPr>
                 </a:tc>
+                <a:extLst>
+                  <a:ext uri="{0D108BD9-81ED-4DB2-BD59-A6C34878D82A}">
+                    <a16:rowId xmlns:a16="http://schemas.microsoft.com/office/drawing/2014/main" val="10006"/>
+                  </a:ext>
+                </a:extLst>
               </a:tr>
             </a:tbl>
           </a:graphicData>
@@ -20848,6 +22026,13 @@
   <p:clrMapOvr>
     <a:masterClrMapping/>
   </p:clrMapOvr>
+  <p:timing>
+    <p:tnLst>
+      <p:par>
+        <p:cTn id="1" dur="indefinite" restart="never" nodeType="tmRoot"/>
+      </p:par>
+    </p:tnLst>
+  </p:timing>
 </p:sld>
 </file>
 
@@ -20974,6 +22159,7 @@
                   <a:schemeClr val="tx1"/>
                 </a:solidFill>
               </a:rPr>
+              <a:t>26</a:t>
             </a:fld>
             <a:endParaRPr lang="zh-CN" altLang="en-US" sz="1800" dirty="0">
               <a:solidFill>
@@ -21065,7 +22251,7 @@
           <p:nvPr/>
         </p:nvPicPr>
         <p:blipFill rotWithShape="1">
-          <a:blip r:embed="rId1"/>
+          <a:blip r:embed="rId3"/>
           <a:srcRect l="13671"/>
           <a:stretch>
             <a:fillRect/>
@@ -21115,11 +22301,6 @@
               </a:rPr>
               <a:t>相关类结构</a:t>
             </a:r>
-            <a:endParaRPr lang="zh-CN" altLang="en-US" dirty="0">
-              <a:solidFill>
-                <a:schemeClr val="bg1"/>
-              </a:solidFill>
-            </a:endParaRPr>
           </a:p>
         </p:txBody>
       </p:sp>
@@ -21132,7 +22313,7 @@
           <p:nvPr/>
         </p:nvPicPr>
         <p:blipFill>
-          <a:blip r:embed="rId2">
+          <a:blip r:embed="rId4" cstate="print">
             <a:extLst>
               <a:ext uri="{28A0092B-C50C-407E-A947-70E740481C1C}">
                 <a14:useLocalDpi xmlns:a14="http://schemas.microsoft.com/office/drawing/2010/main" val="0"/>
@@ -21277,7 +22458,7 @@
           <p:nvPr/>
         </p:nvPicPr>
         <p:blipFill>
-          <a:blip r:embed="rId3"/>
+          <a:blip r:embed="rId5"/>
           <a:stretch>
             <a:fillRect/>
           </a:stretch>
@@ -21301,7 +22482,7 @@
           <p:nvPr/>
         </p:nvPicPr>
         <p:blipFill>
-          <a:blip r:embed="rId4"/>
+          <a:blip r:embed="rId6"/>
           <a:stretch>
             <a:fillRect/>
           </a:stretch>
@@ -21325,7 +22506,7 @@
           <p:nvPr/>
         </p:nvPicPr>
         <p:blipFill>
-          <a:blip r:embed="rId5"/>
+          <a:blip r:embed="rId7"/>
           <a:stretch>
             <a:fillRect/>
           </a:stretch>
@@ -21349,7 +22530,7 @@
           <p:nvPr/>
         </p:nvPicPr>
         <p:blipFill>
-          <a:blip r:embed="rId6"/>
+          <a:blip r:embed="rId8"/>
           <a:stretch>
             <a:fillRect/>
           </a:stretch>
@@ -21373,7 +22554,7 @@
           <p:nvPr/>
         </p:nvPicPr>
         <p:blipFill>
-          <a:blip r:embed="rId7"/>
+          <a:blip r:embed="rId9"/>
           <a:stretch>
             <a:fillRect/>
           </a:stretch>
@@ -21676,6 +22857,13 @@
   <p:clrMapOvr>
     <a:masterClrMapping/>
   </p:clrMapOvr>
+  <p:timing>
+    <p:tnLst>
+      <p:par>
+        <p:cTn id="1" dur="indefinite" restart="never" nodeType="tmRoot"/>
+      </p:par>
+    </p:tnLst>
+  </p:timing>
 </p:sld>
 </file>
 
@@ -21705,7 +22893,7 @@
           <p:nvPr/>
         </p:nvPicPr>
         <p:blipFill>
-          <a:blip r:embed="rId1">
+          <a:blip r:embed="rId3" cstate="print">
             <a:extLst>
               <a:ext uri="{28A0092B-C50C-407E-A947-70E740481C1C}">
                 <a14:useLocalDpi xmlns:a14="http://schemas.microsoft.com/office/drawing/2010/main" val="0"/>
@@ -21832,6 +23020,7 @@
                   <a:schemeClr val="tx1"/>
                 </a:solidFill>
               </a:rPr>
+              <a:t>27</a:t>
             </a:fld>
             <a:endParaRPr lang="zh-CN" altLang="en-US" sz="1800" dirty="0">
               <a:solidFill>
@@ -21948,11 +23137,6 @@
               </a:rPr>
               <a:t>相关类结构</a:t>
             </a:r>
-            <a:endParaRPr lang="zh-CN" altLang="en-US" dirty="0">
-              <a:solidFill>
-                <a:schemeClr val="bg1"/>
-              </a:solidFill>
-            </a:endParaRPr>
           </a:p>
         </p:txBody>
       </p:sp>
@@ -22195,7 +23379,7 @@
           <p:nvPr/>
         </p:nvPicPr>
         <p:blipFill rotWithShape="1">
-          <a:blip r:embed="rId2"/>
+          <a:blip r:embed="rId4"/>
           <a:srcRect l="14328" b="3592"/>
           <a:stretch>
             <a:fillRect/>
@@ -22220,7 +23404,7 @@
           <p:nvPr/>
         </p:nvPicPr>
         <p:blipFill rotWithShape="1">
-          <a:blip r:embed="rId3"/>
+          <a:blip r:embed="rId5"/>
           <a:srcRect l="7055" r="16968"/>
           <a:stretch>
             <a:fillRect/>
@@ -22245,7 +23429,7 @@
           <p:nvPr/>
         </p:nvPicPr>
         <p:blipFill rotWithShape="1">
-          <a:blip r:embed="rId4"/>
+          <a:blip r:embed="rId6"/>
           <a:srcRect l="557"/>
           <a:stretch>
             <a:fillRect/>
@@ -22308,6 +23492,13 @@
   <p:clrMapOvr>
     <a:masterClrMapping/>
   </p:clrMapOvr>
+  <p:timing>
+    <p:tnLst>
+      <p:par>
+        <p:cTn id="1" dur="indefinite" restart="never" nodeType="tmRoot"/>
+      </p:par>
+    </p:tnLst>
+  </p:timing>
 </p:sld>
 </file>
 
@@ -22460,6 +23651,7 @@
                   <a:schemeClr val="tx1"/>
                 </a:solidFill>
               </a:rPr>
+              <a:t>28</a:t>
             </a:fld>
             <a:endParaRPr lang="zh-CN" altLang="en-US" sz="1800" dirty="0">
               <a:solidFill>
@@ -22546,6 +23738,7 @@
             <a:bodyPr wrap="none" rtlCol="0">
               <a:spAutoFit/>
             </a:bodyPr>
+            <a:lstStyle/>
             <a:p>
               <a:pPr algn="ctr"/>
               <a:r>
@@ -22561,16 +23754,6 @@
                 </a:rPr>
                 <a:t>谢谢您的观看指导</a:t>
               </a:r>
-              <a:endParaRPr lang="zh-CN" altLang="en-US" sz="5600" b="1" dirty="0">
-                <a:solidFill>
-                  <a:schemeClr val="accent1">
-                    <a:lumMod val="40000"/>
-                    <a:lumOff val="60000"/>
-                  </a:schemeClr>
-                </a:solidFill>
-                <a:latin typeface="微软雅黑" panose="020B0503020204020204" pitchFamily="34" charset="-122"/>
-                <a:ea typeface="微软雅黑" panose="020B0503020204020204" pitchFamily="34" charset="-122"/>
-              </a:endParaRPr>
             </a:p>
           </p:txBody>
         </p:sp>
@@ -22683,6 +23866,7 @@
             <a:bodyPr wrap="none" rtlCol="0">
               <a:spAutoFit/>
             </a:bodyPr>
+            <a:lstStyle/>
             <a:p>
               <a:pPr algn="ctr"/>
               <a:r>
@@ -22693,11 +23877,6 @@
                 </a:rPr>
                 <a:t>软件架构与设计模式答辩</a:t>
               </a:r>
-              <a:endParaRPr lang="zh-CN" altLang="en-US" sz="4800" b="1" dirty="0">
-                <a:latin typeface="微软雅黑" panose="020B0503020204020204" pitchFamily="34" charset="-122"/>
-                <a:ea typeface="微软雅黑" panose="020B0503020204020204" pitchFamily="34" charset="-122"/>
-                <a:sym typeface="+mn-ea"/>
-              </a:endParaRPr>
             </a:p>
           </p:txBody>
         </p:sp>
@@ -22722,6 +23901,7 @@
           <a:bodyPr wrap="square" rtlCol="0">
             <a:spAutoFit/>
           </a:bodyPr>
+          <a:lstStyle/>
           <a:p>
             <a:pPr algn="ctr"/>
             <a:r>
@@ -22735,14 +23915,6 @@
               </a:rPr>
               <a:t>   组名：111111101      //(509)~2~</a:t>
             </a:r>
-            <a:endParaRPr lang="en-US" altLang="zh-CN" sz="1600" b="1" dirty="0">
-              <a:solidFill>
-                <a:schemeClr val="tx1">
-                  <a:lumMod val="50000"/>
-                  <a:lumOff val="50000"/>
-                </a:schemeClr>
-              </a:solidFill>
-            </a:endParaRPr>
           </a:p>
           <a:p>
             <a:pPr algn="ctr"/>
@@ -22768,14 +23940,6 @@
               </a:rPr>
               <a:t>    主题：欢乐农场    编程语言：Java</a:t>
             </a:r>
-            <a:endParaRPr lang="en-US" altLang="zh-CN" sz="1600" b="1" dirty="0">
-              <a:solidFill>
-                <a:schemeClr val="tx1">
-                  <a:lumMod val="50000"/>
-                  <a:lumOff val="50000"/>
-                </a:schemeClr>
-              </a:solidFill>
-            </a:endParaRPr>
           </a:p>
           <a:p>
             <a:pPr algn="ctr"/>
@@ -22824,14 +23988,6 @@
               </a:rPr>
               <a:t>梁峻浩 1650262  夏宇宁 1651290</a:t>
             </a:r>
-            <a:endParaRPr lang="zh-CN" altLang="en-US" sz="1600" b="1" dirty="0">
-              <a:solidFill>
-                <a:schemeClr val="tx1">
-                  <a:lumMod val="50000"/>
-                  <a:lumOff val="50000"/>
-                </a:schemeClr>
-              </a:solidFill>
-            </a:endParaRPr>
           </a:p>
           <a:p>
             <a:pPr algn="ctr"/>
@@ -22846,14 +24002,6 @@
               </a:rPr>
               <a:t>  </a:t>
             </a:r>
-            <a:endParaRPr lang="zh-CN" altLang="en-US" sz="1600" b="1" dirty="0">
-              <a:solidFill>
-                <a:schemeClr val="tx1">
-                  <a:lumMod val="50000"/>
-                  <a:lumOff val="50000"/>
-                </a:schemeClr>
-              </a:solidFill>
-            </a:endParaRPr>
           </a:p>
           <a:p>
             <a:pPr algn="ctr"/>
@@ -22868,14 +24016,6 @@
               </a:rPr>
               <a:t>齐旭晨 1652670  孙浩然 1652714  梁钧清 1652751 </a:t>
             </a:r>
-            <a:endParaRPr lang="zh-CN" altLang="en-US" sz="1600" b="1" dirty="0">
-              <a:solidFill>
-                <a:schemeClr val="tx1">
-                  <a:lumMod val="50000"/>
-                  <a:lumOff val="50000"/>
-                </a:schemeClr>
-              </a:solidFill>
-            </a:endParaRPr>
           </a:p>
           <a:p>
             <a:pPr algn="ctr"/>
@@ -22901,14 +24041,6 @@
               </a:rPr>
               <a:t>袁文皓 1652752  滕敏钰 1652784  洪欣鹏 1652851 </a:t>
             </a:r>
-            <a:endParaRPr lang="zh-CN" altLang="en-US" sz="1600" b="1" dirty="0">
-              <a:solidFill>
-                <a:schemeClr val="tx1">
-                  <a:lumMod val="50000"/>
-                  <a:lumOff val="50000"/>
-                </a:schemeClr>
-              </a:solidFill>
-            </a:endParaRPr>
           </a:p>
         </p:txBody>
       </p:sp>
@@ -22917,6 +24049,13 @@
   <p:clrMapOvr>
     <a:masterClrMapping/>
   </p:clrMapOvr>
+  <p:timing>
+    <p:tnLst>
+      <p:par>
+        <p:cTn id="1" dur="indefinite" restart="never" nodeType="tmRoot"/>
+      </p:par>
+    </p:tnLst>
+  </p:timing>
 </p:sld>
 </file>
 
@@ -23069,6 +24208,7 @@
                   <a:schemeClr val="tx1"/>
                 </a:solidFill>
               </a:rPr>
+              <a:t>3</a:t>
             </a:fld>
             <a:endParaRPr lang="zh-CN" altLang="en-US" sz="1800" dirty="0">
               <a:solidFill>
@@ -23155,6 +24295,7 @@
             <a:bodyPr wrap="square" lIns="0" tIns="0" rIns="0" bIns="0" rtlCol="0">
               <a:spAutoFit/>
             </a:bodyPr>
+            <a:lstStyle/>
             <a:p>
               <a:pPr marL="0" lvl="1" algn="ctr"/>
               <a:r>
@@ -23169,15 +24310,6 @@
                 </a:rPr>
                 <a:t>题材综述</a:t>
               </a:r>
-              <a:endParaRPr lang="zh-CN" altLang="en-US" sz="3200" dirty="0">
-                <a:solidFill>
-                  <a:schemeClr val="tx2">
-                    <a:lumMod val="50000"/>
-                  </a:schemeClr>
-                </a:solidFill>
-                <a:latin typeface="微软雅黑" panose="020B0503020204020204" pitchFamily="34" charset="-122"/>
-                <a:ea typeface="微软雅黑" panose="020B0503020204020204" pitchFamily="34" charset="-122"/>
-              </a:endParaRPr>
             </a:p>
           </p:txBody>
         </p:sp>
@@ -23233,6 +24365,7 @@
           <a:bodyPr wrap="square" rtlCol="0" anchor="t">
             <a:spAutoFit/>
           </a:bodyPr>
+          <a:lstStyle/>
           <a:p>
             <a:r>
               <a:rPr lang="en-US" altLang="zh-CN"/>
@@ -23257,7 +24390,6 @@
               <a:rPr lang="zh-CN" altLang="en-US"/>
               <a:t>，是一种模拟经营的游戏。用户作为一个农场主，可以进行不同的操作以实现对农场的管理，在管理这个过程中，收获欢乐的同时也能够学习到如何经营一个农场，实现寓教于乐的效果。</a:t>
             </a:r>
-            <a:endParaRPr lang="zh-CN" altLang="en-US"/>
           </a:p>
           <a:p>
             <a:endParaRPr lang="zh-CN" altLang="en-US"/>
@@ -23282,7 +24414,6 @@
               <a:rPr lang="zh-CN" altLang="en-US"/>
               <a:t>。在模拟经营的过程当中可以招募雇员来进行农场的劳作，当然在没有雇员的情况下，农场主也会进行劳作；还可以指派雇员进行喂养、施肥以及收割等工作。对于生产出来的农产品，农场主也可以选择出售。</a:t>
             </a:r>
-            <a:endParaRPr lang="zh-CN" altLang="en-US"/>
           </a:p>
           <a:p>
             <a:endParaRPr lang="zh-CN" altLang="en-US"/>
@@ -23328,7 +24459,6 @@
               <a:rPr lang="zh-CN" altLang="en-US"/>
               <a:t>，在自然传粉中还细化了雌蕊雄蕊的部分，并且我们把植物分为四个成长阶段，在不同的成长阶段有不同的成长方法。</a:t>
             </a:r>
-            <a:endParaRPr lang="zh-CN" altLang="en-US"/>
           </a:p>
           <a:p>
             <a:endParaRPr lang="zh-CN" altLang="en-US"/>
@@ -23353,7 +24483,6 @@
               <a:rPr lang="zh-CN" altLang="en-US"/>
               <a:t>。</a:t>
             </a:r>
-            <a:endParaRPr lang="zh-CN" altLang="en-US"/>
           </a:p>
         </p:txBody>
       </p:sp>
@@ -23362,6 +24491,13 @@
   <p:clrMapOvr>
     <a:masterClrMapping/>
   </p:clrMapOvr>
+  <p:timing>
+    <p:tnLst>
+      <p:par>
+        <p:cTn id="1" dur="indefinite" restart="never" nodeType="tmRoot"/>
+      </p:par>
+    </p:tnLst>
+  </p:timing>
 </p:sld>
 </file>
 
@@ -23514,6 +24650,7 @@
                   <a:schemeClr val="tx1"/>
                 </a:solidFill>
               </a:rPr>
+              <a:t>4</a:t>
             </a:fld>
             <a:endParaRPr lang="zh-CN" altLang="en-US" sz="1800" dirty="0">
               <a:solidFill>
@@ -23600,6 +24737,7 @@
             <a:bodyPr wrap="square" lIns="0" tIns="0" rIns="0" bIns="0" rtlCol="0">
               <a:spAutoFit/>
             </a:bodyPr>
+            <a:lstStyle/>
             <a:p>
               <a:pPr marL="0" lvl="1" algn="ctr"/>
               <a:r>
@@ -23614,15 +24752,6 @@
                 </a:rPr>
                 <a:t>设计模式汇总</a:t>
               </a:r>
-              <a:endParaRPr lang="zh-CN" altLang="en-US" sz="3200" dirty="0">
-                <a:solidFill>
-                  <a:schemeClr val="tx2">
-                    <a:lumMod val="50000"/>
-                  </a:schemeClr>
-                </a:solidFill>
-                <a:latin typeface="微软雅黑" panose="020B0503020204020204" pitchFamily="34" charset="-122"/>
-                <a:ea typeface="微软雅黑" panose="020B0503020204020204" pitchFamily="34" charset="-122"/>
-              </a:endParaRPr>
             </a:p>
           </p:txBody>
         </p:sp>
@@ -23667,7 +24796,7 @@
           <p:nvPr/>
         </p:nvPicPr>
         <p:blipFill>
-          <a:blip r:embed="rId2"/>
+          <a:blip r:embed="rId3"/>
           <a:srcRect l="18295" t="17927" r="35012" b="18883"/>
           <a:stretch>
             <a:fillRect/>
@@ -23692,7 +24821,7 @@
           <p:nvPr/>
         </p:nvPicPr>
         <p:blipFill>
-          <a:blip r:embed="rId3"/>
+          <a:blip r:embed="rId4"/>
           <a:srcRect l="18295" t="15689" r="35110" b="26330"/>
           <a:stretch>
             <a:fillRect/>
@@ -23713,6 +24842,13 @@
   <p:clrMapOvr>
     <a:masterClrMapping/>
   </p:clrMapOvr>
+  <p:timing>
+    <p:tnLst>
+      <p:par>
+        <p:cTn id="1" dur="indefinite" restart="never" nodeType="tmRoot"/>
+      </p:par>
+    </p:tnLst>
+  </p:timing>
 </p:sld>
 </file>
 
@@ -23751,7 +24887,7 @@
         </p:spPr>
         <p:txBody>
           <a:bodyPr>
-            <a:normAutofit fontScale="90000"/>
+            <a:normAutofit/>
           </a:bodyPr>
           <a:lstStyle/>
           <a:p>
@@ -23981,6 +25117,7 @@
                   <a:schemeClr val="tx1"/>
                 </a:solidFill>
               </a:rPr>
+              <a:t>5</a:t>
             </a:fld>
             <a:endParaRPr lang="zh-CN" altLang="en-US" sz="1800" dirty="0">
               <a:solidFill>
@@ -24067,6 +25204,7 @@
             <a:bodyPr wrap="square" lIns="0" tIns="0" rIns="0" bIns="0" rtlCol="0">
               <a:spAutoFit/>
             </a:bodyPr>
+            <a:lstStyle/>
             <a:p>
               <a:pPr marL="0" lvl="1" algn="ctr"/>
               <a:r>
@@ -24093,15 +25231,6 @@
                 </a:rPr>
                 <a:t>-Item</a:t>
               </a:r>
-              <a:endParaRPr lang="en-US" altLang="zh-CN" sz="3200" dirty="0">
-                <a:solidFill>
-                  <a:schemeClr val="tx2">
-                    <a:lumMod val="50000"/>
-                  </a:schemeClr>
-                </a:solidFill>
-                <a:latin typeface="微软雅黑" panose="020B0503020204020204" pitchFamily="34" charset="-122"/>
-                <a:ea typeface="微软雅黑" panose="020B0503020204020204" pitchFamily="34" charset="-122"/>
-              </a:endParaRPr>
             </a:p>
           </p:txBody>
         </p:sp>
@@ -24142,6 +25271,13 @@
   <p:clrMapOvr>
     <a:masterClrMapping/>
   </p:clrMapOvr>
+  <p:timing>
+    <p:tnLst>
+      <p:par>
+        <p:cTn id="1" dur="indefinite" restart="never" nodeType="tmRoot"/>
+      </p:par>
+    </p:tnLst>
+  </p:timing>
 </p:sld>
 </file>
 
@@ -24179,6 +25315,7 @@
           <a:p>
             <a:fld id="{650F322C-EF84-415F-8BB2-B0D14E2AAE85}" type="slidenum">
               <a:rPr lang="zh-CN" altLang="en-US" smtClean="0"/>
+              <a:t>6</a:t>
             </a:fld>
             <a:endParaRPr lang="zh-CN" altLang="en-US"/>
           </a:p>
@@ -24283,17 +25420,41 @@
         </p:nvGraphicFramePr>
         <p:xfrm>
           <a:off x="1446547" y="900430"/>
-          <a:ext cx="9796780" cy="5481320"/>
+          <a:ext cx="9796763" cy="5483924"/>
         </p:xfrm>
         <a:graphic>
           <a:graphicData uri="http://schemas.openxmlformats.org/drawingml/2006/table">
             <a:tbl>
               <a:tblPr/>
               <a:tblGrid>
-                <a:gridCol w="1438692"/>
-                <a:gridCol w="1751600"/>
-                <a:gridCol w="2614295"/>
-                <a:gridCol w="3992176"/>
+                <a:gridCol w="1438692">
+                  <a:extLst>
+                    <a:ext uri="{9D8B030D-6E8A-4147-A177-3AD203B41FA5}">
+                      <a16:colId xmlns:a16="http://schemas.microsoft.com/office/drawing/2014/main" val="20000"/>
+                    </a:ext>
+                  </a:extLst>
+                </a:gridCol>
+                <a:gridCol w="1751600">
+                  <a:extLst>
+                    <a:ext uri="{9D8B030D-6E8A-4147-A177-3AD203B41FA5}">
+                      <a16:colId xmlns:a16="http://schemas.microsoft.com/office/drawing/2014/main" val="20001"/>
+                    </a:ext>
+                  </a:extLst>
+                </a:gridCol>
+                <a:gridCol w="2614295">
+                  <a:extLst>
+                    <a:ext uri="{9D8B030D-6E8A-4147-A177-3AD203B41FA5}">
+                      <a16:colId xmlns:a16="http://schemas.microsoft.com/office/drawing/2014/main" val="20002"/>
+                    </a:ext>
+                  </a:extLst>
+                </a:gridCol>
+                <a:gridCol w="3992176">
+                  <a:extLst>
+                    <a:ext uri="{9D8B030D-6E8A-4147-A177-3AD203B41FA5}">
+                      <a16:colId xmlns:a16="http://schemas.microsoft.com/office/drawing/2014/main" val="20003"/>
+                    </a:ext>
+                  </a:extLst>
+                </a:gridCol>
               </a:tblGrid>
               <a:tr h="490855">
                 <a:tc>
@@ -24308,9 +25469,6 @@
                         </a:rPr>
                         <a:t>Design Pattern</a:t>
                       </a:r>
-                      <a:endParaRPr lang="en-US" sz="1200" b="1" dirty="0">
-                        <a:effectLst/>
-                      </a:endParaRPr>
                     </a:p>
                   </a:txBody>
                   <a:tcPr marL="67342" marR="67342" marT="31081" marB="31081" anchor="ctr">
@@ -24532,6 +25690,11 @@
                     </a:solidFill>
                   </a:tcPr>
                 </a:tc>
+                <a:extLst>
+                  <a:ext uri="{0D108BD9-81ED-4DB2-BD59-A6C34878D82A}">
+                    <a16:rowId xmlns:a16="http://schemas.microsoft.com/office/drawing/2014/main" val="10000"/>
+                  </a:ext>
+                </a:extLst>
               </a:tr>
               <a:tr h="491123">
                 <a:tc>
@@ -24546,9 +25709,6 @@
                         </a:rPr>
                         <a:t>Singleton</a:t>
                       </a:r>
-                      <a:endParaRPr lang="en-US" sz="1200" b="0" dirty="0">
-                        <a:effectLst/>
-                      </a:endParaRPr>
                     </a:p>
                   </a:txBody>
                   <a:tcPr marL="67342" marR="67342" marT="31081" marB="31081" anchor="ctr">
@@ -24850,6 +26010,11 @@
                     </a:solidFill>
                   </a:tcPr>
                 </a:tc>
+                <a:extLst>
+                  <a:ext uri="{0D108BD9-81ED-4DB2-BD59-A6C34878D82A}">
+                    <a16:rowId xmlns:a16="http://schemas.microsoft.com/office/drawing/2014/main" val="10001"/>
+                  </a:ext>
+                </a:extLst>
               </a:tr>
               <a:tr h="732790">
                 <a:tc>
@@ -24864,9 +26029,6 @@
                         </a:rPr>
                         <a:t>Strategy</a:t>
                       </a:r>
-                      <a:endParaRPr lang="en-US" sz="1200" b="0" dirty="0">
-                        <a:effectLst/>
-                      </a:endParaRPr>
                     </a:p>
                   </a:txBody>
                   <a:tcPr marL="67342" marR="67342" marT="31081" marB="31081" anchor="ctr">
@@ -25271,6 +26433,11 @@
                     </a:solidFill>
                   </a:tcPr>
                 </a:tc>
+                <a:extLst>
+                  <a:ext uri="{0D108BD9-81ED-4DB2-BD59-A6C34878D82A}">
+                    <a16:rowId xmlns:a16="http://schemas.microsoft.com/office/drawing/2014/main" val="10002"/>
+                  </a:ext>
+                </a:extLst>
               </a:tr>
               <a:tr h="491123">
                 <a:tc>
@@ -25285,9 +26452,6 @@
                         </a:rPr>
                         <a:t>Prototype </a:t>
                       </a:r>
-                      <a:endParaRPr lang="en-US" sz="1200" b="0" dirty="0">
-                        <a:effectLst/>
-                      </a:endParaRPr>
                     </a:p>
                   </a:txBody>
                   <a:tcPr marL="67342" marR="67342" marT="31081" marB="31081" anchor="ctr">
@@ -25367,15 +26531,6 @@
                         </a:rPr>
                         <a:t>用于创建重复的对象，同时又能保证性能。</a:t>
                       </a:r>
-                      <a:endParaRPr lang="zh-CN" altLang="en-US" sz="900" b="0" i="0" kern="1200" dirty="0">
-                        <a:solidFill>
-                          <a:schemeClr val="tx1"/>
-                        </a:solidFill>
-                        <a:effectLst/>
-                        <a:latin typeface="+mn-lt"/>
-                        <a:ea typeface="+mn-ea"/>
-                        <a:cs typeface="+mn-cs"/>
-                      </a:endParaRPr>
                     </a:p>
                     <a:p>
                       <a:pPr algn="l"/>
@@ -25634,11 +26789,17 @@
                     </a:solidFill>
                   </a:tcPr>
                 </a:tc>
+                <a:extLst>
+                  <a:ext uri="{0D108BD9-81ED-4DB2-BD59-A6C34878D82A}">
+                    <a16:rowId xmlns:a16="http://schemas.microsoft.com/office/drawing/2014/main" val="10003"/>
+                  </a:ext>
+                </a:extLst>
               </a:tr>
               <a:tr h="847090">
                 <a:tc>
                   <a:txBody>
                     <a:bodyPr/>
+                    <a:lstStyle/>
                     <a:p>
                       <a:pPr algn="l">
                         <a:buNone/>
@@ -25652,12 +26813,6 @@
                         </a:rPr>
                         <a:t>Template</a:t>
                       </a:r>
-                      <a:endParaRPr lang="en-US" altLang="en-US" sz="1200" b="0" dirty="0">
-                        <a:solidFill>
-                          <a:schemeClr val="tx1"/>
-                        </a:solidFill>
-                        <a:effectLst/>
-                      </a:endParaRPr>
                     </a:p>
                   </a:txBody>
                   <a:tcPr marL="67342" marR="67342" marT="31081" marB="31081" anchor="ctr">
@@ -25705,6 +26860,7 @@
                 <a:tc>
                   <a:txBody>
                     <a:bodyPr/>
+                    <a:lstStyle/>
                     <a:p>
                       <a:pPr algn="l">
                         <a:buNone/>
@@ -25716,10 +26872,6 @@
                         </a:rPr>
                         <a:t>定义一个模板结构，将具体内容延迟到子类去实现，主要作用是在不改变模板结构的前提下在子类中重新定义模板中的内容。</a:t>
                       </a:r>
-                      <a:endParaRPr lang="zh-CN" altLang="en-US" sz="900" dirty="0">
-                        <a:effectLst/>
-                        <a:sym typeface="+mn-ea"/>
-                      </a:endParaRPr>
                     </a:p>
                     <a:p>
                       <a:pPr algn="l">
@@ -25775,6 +26927,7 @@
                 <a:tc>
                   <a:txBody>
                     <a:bodyPr/>
+                    <a:lstStyle/>
                     <a:p>
                       <a:pPr algn="l">
                         <a:buNone/>
@@ -25791,9 +26944,6 @@
                         </a:rPr>
                         <a:t>、HouseConstruction、PlantFieldConstruction、StorageConstruction</a:t>
                       </a:r>
-                      <a:endParaRPr lang="zh-CN" altLang="en-US" sz="1200" b="0" dirty="0" err="1">
-                        <a:effectLst/>
-                      </a:endParaRPr>
                     </a:p>
                   </a:txBody>
                   <a:tcPr marL="67342" marR="67342" marT="31081" marB="31081" anchor="ctr">
@@ -25841,6 +26991,7 @@
                 <a:tc>
                   <a:txBody>
                     <a:bodyPr/>
+                    <a:lstStyle/>
                     <a:p>
                       <a:pPr algn="l">
                         <a:buNone/>
@@ -25854,12 +27005,6 @@
                         </a:rPr>
                         <a:t>创建抽象模板结构即建房的步骤，即LayFoundation()、ConstructBuilding()、ExteriorTrim()三个函数分别代表夯实地基、建造建筑、外围环境修葺，然后创建具体模板，分别重写ConstructBuilding()和ExteriorTrim()这两个函数，代表着建造House、AnimalFold、PlantField、Storage这四种建筑的三个步骤中后两个都是不同的，需要分别实现这两个函数的具体功能。</a:t>
                       </a:r>
-                      <a:endParaRPr lang="zh-CN" altLang="en-US" sz="1100" b="0" i="0" kern="1200" dirty="0">
-                        <a:effectLst/>
-                        <a:latin typeface="+mn-lt"/>
-                        <a:ea typeface="+mn-ea"/>
-                        <a:cs typeface="+mn-cs"/>
-                      </a:endParaRPr>
                     </a:p>
                   </a:txBody>
                   <a:tcPr marL="67342" marR="67342" marT="31081" marB="31081" anchor="ctr">
@@ -25904,11 +27049,17 @@
                     </a:solidFill>
                   </a:tcPr>
                 </a:tc>
+                <a:extLst>
+                  <a:ext uri="{0D108BD9-81ED-4DB2-BD59-A6C34878D82A}">
+                    <a16:rowId xmlns:a16="http://schemas.microsoft.com/office/drawing/2014/main" val="10004"/>
+                  </a:ext>
+                </a:extLst>
               </a:tr>
               <a:tr h="1235710">
                 <a:tc>
                   <a:txBody>
                     <a:bodyPr/>
+                    <a:lstStyle/>
                     <a:p>
                       <a:pPr algn="l">
                         <a:buNone/>
@@ -25919,9 +27070,6 @@
                         </a:rPr>
                         <a:t>Factory</a:t>
                       </a:r>
-                      <a:endParaRPr lang="en-US" altLang="en-US" sz="1200" b="0" dirty="0">
-                        <a:effectLst/>
-                      </a:endParaRPr>
                     </a:p>
                   </a:txBody>
                   <a:tcPr marL="67342" marR="67342" marT="31081" marB="31081" anchor="ctr">
@@ -25971,6 +27119,7 @@
                 <a:tc>
                   <a:txBody>
                     <a:bodyPr/>
+                    <a:lstStyle/>
                     <a:p>
                       <a:pPr algn="l">
                         <a:buNone/>
@@ -25981,9 +27130,6 @@
                         </a:rPr>
                         <a:t>父类负责定义创建对象的公共接口，而子类则负责生成具体的对象，目的是将类的实例化操作延迟到子类中完成。</a:t>
                       </a:r>
-                      <a:endParaRPr lang="zh-CN" altLang="en-US" sz="900" dirty="0">
-                        <a:effectLst/>
-                      </a:endParaRPr>
                     </a:p>
                   </a:txBody>
                   <a:tcPr marL="67342" marR="67342" marT="31081" marB="31081" anchor="ctr">
@@ -26033,6 +27179,7 @@
                 <a:tc>
                   <a:txBody>
                     <a:bodyPr/>
+                    <a:lstStyle/>
                     <a:p>
                       <a:pPr algn="l">
                         <a:buNone/>
@@ -26049,9 +27196,6 @@
                         </a:rPr>
                         <a:t>、InorganicFertilizer、OrganicFertilizer、FertilizerAbstractFactory、InorganicFertilizerFactory、OrganicFertilizerFactory</a:t>
                       </a:r>
-                      <a:endParaRPr lang="zh-CN" altLang="en-US" sz="1200" b="0" dirty="0">
-                        <a:effectLst/>
-                      </a:endParaRPr>
                     </a:p>
                   </a:txBody>
                   <a:tcPr marL="67342" marR="67342" marT="31081" marB="31081" anchor="ctr">
@@ -26101,6 +27245,7 @@
                 <a:tc>
                   <a:txBody>
                     <a:bodyPr/>
+                    <a:lstStyle/>
                     <a:p>
                       <a:pPr algn="l">
                         <a:buNone/>
@@ -26117,15 +27262,6 @@
                         </a:rPr>
                         <a:t>Fertilizer是抽象产品角色，定义产品的接口，而InorganicFertilizer类和OrganicFertilizer类是具体的产品角色，是实现产品接口的具体产品类，抽象工厂角色是FertilizerAbstractFactory类，用来声明工厂方法，返回Fertilizer，而真实的工厂是InorganicFertilizerFactory类和OrganicFertilizerFactory类，实现工厂方法，由客户调用，返回一个实例。</a:t>
                       </a:r>
-                      <a:endParaRPr lang="en-US" altLang="en-US" sz="1100" b="0" i="0" kern="1200" dirty="0">
-                        <a:solidFill>
-                          <a:schemeClr val="tx1"/>
-                        </a:solidFill>
-                        <a:effectLst/>
-                        <a:latin typeface="+mn-lt"/>
-                        <a:ea typeface="+mn-ea"/>
-                        <a:cs typeface="+mn-cs"/>
-                      </a:endParaRPr>
                     </a:p>
                   </a:txBody>
                   <a:tcPr marL="67342" marR="67342" marT="31081" marB="31081" anchor="ctr">
@@ -26172,11 +27308,17 @@
                     </a:solidFill>
                   </a:tcPr>
                 </a:tc>
+                <a:extLst>
+                  <a:ext uri="{0D108BD9-81ED-4DB2-BD59-A6C34878D82A}">
+                    <a16:rowId xmlns:a16="http://schemas.microsoft.com/office/drawing/2014/main" val="10005"/>
+                  </a:ext>
+                </a:extLst>
               </a:tr>
               <a:tr h="897255">
                 <a:tc>
                   <a:txBody>
                     <a:bodyPr/>
+                    <a:lstStyle/>
                     <a:p>
                       <a:pPr algn="l">
                         <a:buNone/>
@@ -26187,9 +27329,6 @@
                         </a:rPr>
                         <a:t>Builder</a:t>
                       </a:r>
-                      <a:endParaRPr lang="en-US" altLang="en-US" sz="1200" b="0" dirty="0">
-                        <a:effectLst/>
-                      </a:endParaRPr>
                     </a:p>
                   </a:txBody>
                   <a:tcPr marL="67342" marR="67342" marT="31081" marB="31081" anchor="ctr">
@@ -26237,6 +27376,7 @@
                 <a:tc>
                   <a:txBody>
                     <a:bodyPr/>
+                    <a:lstStyle/>
                     <a:p>
                       <a:pPr algn="l">
                         <a:buNone/>
@@ -26298,6 +27438,7 @@
                 <a:tc>
                   <a:txBody>
                     <a:bodyPr/>
+                    <a:lstStyle/>
                     <a:p>
                       <a:pPr algn="l">
                         <a:buNone/>
@@ -26326,9 +27467,6 @@
                         </a:rPr>
                         <a:t>、ConcreteBuilder</a:t>
                       </a:r>
-                      <a:endParaRPr lang="zh-CN" altLang="en-US" sz="1200" b="0" dirty="0">
-                        <a:effectLst/>
-                      </a:endParaRPr>
                     </a:p>
                   </a:txBody>
                   <a:tcPr marL="67342" marR="67342" marT="31081" marB="31081" anchor="ctr">
@@ -26376,6 +27514,7 @@
                 <a:tc>
                   <a:txBody>
                     <a:bodyPr/>
+                    <a:lstStyle/>
                     <a:p>
                       <a:pPr algn="l">
                         <a:buNone/>
@@ -26392,15 +27531,6 @@
                         </a:rPr>
                         <a:t>对设定建造房屋的长度、宽度、高度三种尺寸时使用了Builder设计模式，首先定义设定尺寸的过程（Builder），分别是SetLength()、SetWidth()、SetHeight(，都声明为抽象方法，具体由子类实现，然后创建具体的建造者具体实现三个抽象函数。</a:t>
                       </a:r>
-                      <a:endParaRPr lang="en-US" altLang="en-US" sz="1100" b="0" i="0" kern="1200" dirty="0">
-                        <a:solidFill>
-                          <a:schemeClr val="tx1"/>
-                        </a:solidFill>
-                        <a:effectLst/>
-                        <a:latin typeface="+mn-lt"/>
-                        <a:ea typeface="+mn-ea"/>
-                        <a:cs typeface="+mn-cs"/>
-                      </a:endParaRPr>
                     </a:p>
                   </a:txBody>
                   <a:tcPr marL="67342" marR="67342" marT="31081" marB="31081" anchor="ctr">
@@ -26445,6 +27575,11 @@
                     </a:solidFill>
                   </a:tcPr>
                 </a:tc>
+                <a:extLst>
+                  <a:ext uri="{0D108BD9-81ED-4DB2-BD59-A6C34878D82A}">
+                    <a16:rowId xmlns:a16="http://schemas.microsoft.com/office/drawing/2014/main" val="10006"/>
+                  </a:ext>
+                </a:extLst>
               </a:tr>
             </a:tbl>
           </a:graphicData>
@@ -26455,6 +27590,13 @@
   <p:clrMapOvr>
     <a:masterClrMapping/>
   </p:clrMapOvr>
+  <p:timing>
+    <p:tnLst>
+      <p:par>
+        <p:cTn id="1" dur="indefinite" restart="never" nodeType="tmRoot"/>
+      </p:par>
+    </p:tnLst>
+  </p:timing>
 </p:sld>
 </file>
 
@@ -26589,6 +27731,7 @@
                   <a:prstClr val="black"/>
                 </a:solidFill>
               </a:rPr>
+              <a:t>7</a:t>
             </a:fld>
             <a:endParaRPr lang="zh-CN" altLang="en-US" sz="1800" dirty="0">
               <a:solidFill>
@@ -27002,11 +28145,6 @@
               </a:rPr>
               <a:t>相关结构</a:t>
             </a:r>
-            <a:endParaRPr lang="zh-CN" altLang="en-US" dirty="0">
-              <a:solidFill>
-                <a:prstClr val="white"/>
-              </a:solidFill>
-            </a:endParaRPr>
           </a:p>
         </p:txBody>
       </p:sp>
@@ -27019,7 +28157,7 @@
           <p:nvPr/>
         </p:nvPicPr>
         <p:blipFill>
-          <a:blip r:embed="rId1">
+          <a:blip r:embed="rId2">
             <a:extLst>
               <a:ext uri="{28A0092B-C50C-407E-A947-70E740481C1C}">
                 <a14:useLocalDpi xmlns:a14="http://schemas.microsoft.com/office/drawing/2010/main" val="0"/>
@@ -27103,7 +28241,7 @@
           <p:nvPr/>
         </p:nvPicPr>
         <p:blipFill>
-          <a:blip r:embed="rId2"/>
+          <a:blip r:embed="rId3"/>
           <a:stretch>
             <a:fillRect/>
           </a:stretch>
@@ -27127,7 +28265,7 @@
           <p:nvPr/>
         </p:nvPicPr>
         <p:blipFill>
-          <a:blip r:embed="rId3"/>
+          <a:blip r:embed="rId4"/>
           <a:stretch>
             <a:fillRect/>
           </a:stretch>
@@ -27151,7 +28289,7 @@
           <p:nvPr/>
         </p:nvPicPr>
         <p:blipFill>
-          <a:blip r:embed="rId4"/>
+          <a:blip r:embed="rId5"/>
           <a:stretch>
             <a:fillRect/>
           </a:stretch>
@@ -27171,6 +28309,13 @@
   <p:clrMapOvr>
     <a:masterClrMapping/>
   </p:clrMapOvr>
+  <p:timing>
+    <p:tnLst>
+      <p:par>
+        <p:cTn id="1" dur="indefinite" restart="never" nodeType="tmRoot"/>
+      </p:par>
+    </p:tnLst>
+  </p:timing>
 </p:sld>
 </file>
 
@@ -27297,6 +28442,7 @@
                   <a:schemeClr val="tx1"/>
                 </a:solidFill>
               </a:rPr>
+              <a:t>8</a:t>
             </a:fld>
             <a:endParaRPr lang="zh-CN" altLang="en-US" sz="1800" dirty="0">
               <a:solidFill>
@@ -27422,11 +28568,6 @@
               </a:rPr>
               <a:t>相关结构</a:t>
             </a:r>
-            <a:endParaRPr lang="zh-CN" altLang="en-US" dirty="0">
-              <a:solidFill>
-                <a:schemeClr val="bg1"/>
-              </a:solidFill>
-            </a:endParaRPr>
           </a:p>
         </p:txBody>
       </p:sp>
@@ -27795,7 +28936,7 @@
           <p:nvPr/>
         </p:nvPicPr>
         <p:blipFill>
-          <a:blip r:embed="rId1">
+          <a:blip r:embed="rId2">
             <a:extLst>
               <a:ext uri="{28A0092B-C50C-407E-A947-70E740481C1C}">
                 <a14:useLocalDpi xmlns:a14="http://schemas.microsoft.com/office/drawing/2010/main" val="0"/>
@@ -27825,7 +28966,7 @@
           <p:nvPr/>
         </p:nvPicPr>
         <p:blipFill>
-          <a:blip r:embed="rId2"/>
+          <a:blip r:embed="rId3"/>
           <a:stretch>
             <a:fillRect/>
           </a:stretch>
@@ -27849,7 +28990,7 @@
           <p:nvPr/>
         </p:nvPicPr>
         <p:blipFill>
-          <a:blip r:embed="rId3"/>
+          <a:blip r:embed="rId4"/>
           <a:stretch>
             <a:fillRect/>
           </a:stretch>
@@ -27873,7 +29014,7 @@
           <p:nvPr/>
         </p:nvPicPr>
         <p:blipFill>
-          <a:blip r:embed="rId4"/>
+          <a:blip r:embed="rId5"/>
           <a:stretch>
             <a:fillRect/>
           </a:stretch>
@@ -27897,7 +29038,7 @@
           <p:nvPr/>
         </p:nvPicPr>
         <p:blipFill>
-          <a:blip r:embed="rId5"/>
+          <a:blip r:embed="rId6"/>
           <a:stretch>
             <a:fillRect/>
           </a:stretch>
@@ -27917,6 +29058,13 @@
   <p:clrMapOvr>
     <a:masterClrMapping/>
   </p:clrMapOvr>
+  <p:timing>
+    <p:tnLst>
+      <p:par>
+        <p:cTn id="1" dur="indefinite" restart="never" nodeType="tmRoot"/>
+      </p:par>
+    </p:tnLst>
+  </p:timing>
 </p:sld>
 </file>
 
@@ -28043,6 +29191,7 @@
                   <a:schemeClr val="tx1"/>
                 </a:solidFill>
               </a:rPr>
+              <a:t>9</a:t>
             </a:fld>
             <a:endParaRPr lang="zh-CN" altLang="en-US" sz="1800" dirty="0">
               <a:solidFill>
@@ -28168,11 +29317,6 @@
               </a:rPr>
               <a:t>相关结构</a:t>
             </a:r>
-            <a:endParaRPr lang="zh-CN" altLang="en-US" dirty="0">
-              <a:solidFill>
-                <a:schemeClr val="bg1"/>
-              </a:solidFill>
-            </a:endParaRPr>
           </a:p>
         </p:txBody>
       </p:sp>
@@ -28325,11 +29469,6 @@
               </a:rPr>
               <a:t>HouseConstruction</a:t>
             </a:r>
-            <a:endParaRPr lang="en-US" altLang="zh-CN" sz="1100" dirty="0" err="1">
-              <a:solidFill>
-                <a:schemeClr val="bg1"/>
-              </a:solidFill>
-            </a:endParaRPr>
           </a:p>
         </p:txBody>
       </p:sp>
@@ -28541,7 +29680,7 @@
           <p:nvPr/>
         </p:nvPicPr>
         <p:blipFill>
-          <a:blip r:embed="rId1"/>
+          <a:blip r:embed="rId2"/>
           <a:stretch>
             <a:fillRect/>
           </a:stretch>
@@ -28565,7 +29704,7 @@
           <p:nvPr/>
         </p:nvPicPr>
         <p:blipFill>
-          <a:blip r:embed="rId2"/>
+          <a:blip r:embed="rId3"/>
           <a:srcRect l="31644" t="30593" r="36579" b="21816"/>
           <a:stretch>
             <a:fillRect/>
@@ -28590,7 +29729,7 @@
           <p:nvPr/>
         </p:nvPicPr>
         <p:blipFill>
-          <a:blip r:embed="rId3"/>
+          <a:blip r:embed="rId4"/>
           <a:srcRect l="31605" t="33119" r="39459" b="42295"/>
           <a:stretch>
             <a:fillRect/>
@@ -28615,7 +29754,7 @@
           <p:nvPr/>
         </p:nvPicPr>
         <p:blipFill>
-          <a:blip r:embed="rId4"/>
+          <a:blip r:embed="rId5"/>
           <a:srcRect l="31796" t="35324" r="37287" b="39908"/>
           <a:stretch>
             <a:fillRect/>
@@ -28640,7 +29779,7 @@
           <p:nvPr/>
         </p:nvPicPr>
         <p:blipFill>
-          <a:blip r:embed="rId5"/>
+          <a:blip r:embed="rId6"/>
           <a:srcRect l="31703" t="32946" r="38771" b="42460"/>
           <a:stretch>
             <a:fillRect/>
@@ -28661,41 +29800,48 @@
   <p:clrMapOvr>
     <a:masterClrMapping/>
   </p:clrMapOvr>
+  <p:timing>
+    <p:tnLst>
+      <p:par>
+        <p:cTn id="1" dur="indefinite" restart="never" nodeType="tmRoot"/>
+      </p:par>
+    </p:tnLst>
+  </p:timing>
 </p:sld>
 </file>
 
 <file path=ppt/tags/tag1.xml><?xml version="1.0" encoding="utf-8"?>
-<p:tagLst xmlns:p="http://schemas.openxmlformats.org/presentationml/2006/main">
+<p:tagLst xmlns:a="http://schemas.openxmlformats.org/drawingml/2006/main" xmlns:r="http://schemas.openxmlformats.org/officeDocument/2006/relationships" xmlns:p="http://schemas.openxmlformats.org/presentationml/2006/main">
   <p:tag name="PA" val="v3.0.1"/>
 </p:tagLst>
 </file>
 
 <file path=ppt/tags/tag2.xml><?xml version="1.0" encoding="utf-8"?>
-<p:tagLst xmlns:p="http://schemas.openxmlformats.org/presentationml/2006/main">
+<p:tagLst xmlns:a="http://schemas.openxmlformats.org/drawingml/2006/main" xmlns:r="http://schemas.openxmlformats.org/officeDocument/2006/relationships" xmlns:p="http://schemas.openxmlformats.org/presentationml/2006/main">
   <p:tag name="PA" val="v3.0.1"/>
 </p:tagLst>
 </file>
 
 <file path=ppt/tags/tag3.xml><?xml version="1.0" encoding="utf-8"?>
-<p:tagLst xmlns:p="http://schemas.openxmlformats.org/presentationml/2006/main">
+<p:tagLst xmlns:a="http://schemas.openxmlformats.org/drawingml/2006/main" xmlns:r="http://schemas.openxmlformats.org/officeDocument/2006/relationships" xmlns:p="http://schemas.openxmlformats.org/presentationml/2006/main">
   <p:tag name="PA" val="v3.0.1"/>
 </p:tagLst>
 </file>
 
 <file path=ppt/tags/tag4.xml><?xml version="1.0" encoding="utf-8"?>
-<p:tagLst xmlns:p="http://schemas.openxmlformats.org/presentationml/2006/main">
+<p:tagLst xmlns:a="http://schemas.openxmlformats.org/drawingml/2006/main" xmlns:r="http://schemas.openxmlformats.org/officeDocument/2006/relationships" xmlns:p="http://schemas.openxmlformats.org/presentationml/2006/main">
   <p:tag name="PA" val="v3.0.1"/>
 </p:tagLst>
 </file>
 
 <file path=ppt/tags/tag5.xml><?xml version="1.0" encoding="utf-8"?>
-<p:tagLst xmlns:p="http://schemas.openxmlformats.org/presentationml/2006/main">
+<p:tagLst xmlns:a="http://schemas.openxmlformats.org/drawingml/2006/main" xmlns:r="http://schemas.openxmlformats.org/officeDocument/2006/relationships" xmlns:p="http://schemas.openxmlformats.org/presentationml/2006/main">
   <p:tag name="PA" val="v3.0.1"/>
 </p:tagLst>
 </file>
 
 <file path=ppt/tags/tag6.xml><?xml version="1.0" encoding="utf-8"?>
-<p:tagLst xmlns:p="http://schemas.openxmlformats.org/presentationml/2006/main">
+<p:tagLst xmlns:a="http://schemas.openxmlformats.org/drawingml/2006/main" xmlns:r="http://schemas.openxmlformats.org/officeDocument/2006/relationships" xmlns:p="http://schemas.openxmlformats.org/presentationml/2006/main">
   <p:tag name="PA" val="v3.0.1"/>
 </p:tagLst>
 </file>
@@ -28951,6 +30097,8 @@
       </a:bgFillStyleLst>
     </a:fmtScheme>
   </a:themeElements>
+  <a:objectDefaults/>
+  <a:extraClrSchemeLst/>
   <a:extLst>
     <a:ext uri="{05A4C25C-085E-4340-85A3-A5531E510DB2}">
       <thm15:themeFamily xmlns:thm15="http://schemas.microsoft.com/office/thememl/2012/main" name="Office Theme" id="{62F939B6-93AF-4DB8-9C6B-D6C7DFDC589F}" vid="{4A3C46E8-61CC-4603-A589-7422A47A8E4A}"/>
@@ -29210,6 +30358,8 @@
       </a:bgFillStyleLst>
     </a:fmtScheme>
   </a:themeElements>
+  <a:objectDefaults/>
+  <a:extraClrSchemeLst/>
   <a:extLst>
     <a:ext uri="{05A4C25C-085E-4340-85A3-A5531E510DB2}">
       <thm15:themeFamily xmlns:thm15="http://schemas.microsoft.com/office/thememl/2012/main" name="Office Theme" id="{62F939B6-93AF-4DB8-9C6B-D6C7DFDC589F}" vid="{4A3C46E8-61CC-4603-A589-7422A47A8E4A}"/>
@@ -29469,6 +30619,8 @@
       </a:bgFillStyleLst>
     </a:fmtScheme>
   </a:themeElements>
+  <a:objectDefaults/>
+  <a:extraClrSchemeLst/>
   <a:extLst>
     <a:ext uri="{05A4C25C-085E-4340-85A3-A5531E510DB2}">
       <thm15:themeFamily xmlns:thm15="http://schemas.microsoft.com/office/thememl/2012/main" name="Office Theme" id="{62F939B6-93AF-4DB8-9C6B-D6C7DFDC589F}" vid="{4A3C46E8-61CC-4603-A589-7422A47A8E4A}"/>
